--- a/project/CompPhoto-GT-FinalProject-Template.pptx
+++ b/project/CompPhoto-GT-FinalProject-Template.pptx
@@ -1,32 +1,32 @@
 
 <file path=ppt/presentation.xml><?xml version="1.0" encoding="utf-8"?>
-<p:presentation xmlns:a="http://schemas.openxmlformats.org/drawingml/2006/main" xmlns:r="http://schemas.openxmlformats.org/officeDocument/2006/relationships" xmlns:mc="http://schemas.openxmlformats.org/markup-compatibility/2006" xmlns:mv="urn:schemas-microsoft-com:mac:vml" xmlns:p="http://schemas.openxmlformats.org/presentationml/2006/main" xmlns:c="http://schemas.openxmlformats.org/drawingml/2006/chart" xmlns:dgm="http://schemas.openxmlformats.org/drawingml/2006/diagram" xmlns:o="urn:schemas-microsoft-com:office:office" xmlns:v="urn:schemas-microsoft-com:vml" xmlns:pvml="urn:schemas-microsoft-com:office:powerpoint" xmlns:com="http://schemas.openxmlformats.org/drawingml/2006/compatibility" xmlns:p14="http://schemas.microsoft.com/office/powerpoint/2010/main" autoCompressPictures="0" strictFirstAndLastChars="0" saveSubsetFonts="1">
+<p:presentation xmlns:a="http://schemas.openxmlformats.org/drawingml/2006/main" xmlns:r="http://schemas.openxmlformats.org/officeDocument/2006/relationships" xmlns:p="http://schemas.openxmlformats.org/presentationml/2006/main" strictFirstAndLastChars="0" saveSubsetFonts="1" autoCompressPictures="0">
   <p:sldMasterIdLst>
-    <p:sldMasterId id="2147483654" r:id="rId4"/>
+    <p:sldMasterId id="2147483654" r:id="rId1"/>
   </p:sldMasterIdLst>
   <p:notesMasterIdLst>
-    <p:notesMasterId r:id="rId5"/>
+    <p:notesMasterId r:id="rId16"/>
   </p:notesMasterIdLst>
   <p:sldIdLst>
-    <p:sldId id="256" r:id="rId6"/>
-    <p:sldId id="257" r:id="rId7"/>
-    <p:sldId id="258" r:id="rId8"/>
-    <p:sldId id="259" r:id="rId9"/>
-    <p:sldId id="260" r:id="rId10"/>
-    <p:sldId id="261" r:id="rId11"/>
-    <p:sldId id="262" r:id="rId12"/>
-    <p:sldId id="263" r:id="rId13"/>
-    <p:sldId id="264" r:id="rId14"/>
-    <p:sldId id="265" r:id="rId15"/>
-    <p:sldId id="266" r:id="rId16"/>
-    <p:sldId id="267" r:id="rId17"/>
-    <p:sldId id="268" r:id="rId18"/>
-    <p:sldId id="269" r:id="rId19"/>
+    <p:sldId id="256" r:id="rId2"/>
+    <p:sldId id="257" r:id="rId3"/>
+    <p:sldId id="258" r:id="rId4"/>
+    <p:sldId id="259" r:id="rId5"/>
+    <p:sldId id="260" r:id="rId6"/>
+    <p:sldId id="261" r:id="rId7"/>
+    <p:sldId id="262" r:id="rId8"/>
+    <p:sldId id="263" r:id="rId9"/>
+    <p:sldId id="264" r:id="rId10"/>
+    <p:sldId id="265" r:id="rId11"/>
+    <p:sldId id="266" r:id="rId12"/>
+    <p:sldId id="267" r:id="rId13"/>
+    <p:sldId id="268" r:id="rId14"/>
+    <p:sldId id="269" r:id="rId15"/>
   </p:sldIdLst>
-  <p:sldSz cy="5143500" cx="9144000"/>
+  <p:sldSz cx="9144000" cy="5143500" type="screen16x9"/>
   <p:notesSz cx="6858000" cy="9144000"/>
   <p:defaultTextStyle>
-    <a:defPPr marR="0" rtl="0" algn="l">
+    <a:defPPr marR="0" algn="l" rtl="0">
       <a:lnSpc>
         <a:spcPct val="100000"/>
       </a:lnSpc>
@@ -37,7 +37,7 @@
         <a:spcPts val="0"/>
       </a:spcAft>
     </a:defPPr>
-    <a:lvl1pPr marR="0" rtl="0" algn="l">
+    <a:lvl1pPr marR="0" algn="l" rtl="0">
       <a:lnSpc>
         <a:spcPct val="100000"/>
       </a:lnSpc>
@@ -48,7 +48,7 @@
         <a:spcPts val="0"/>
       </a:spcAft>
       <a:buNone/>
-      <a:defRPr b="0" baseline="0" i="0" sz="1400" u="none" cap="none" strike="noStrike">
+      <a:defRPr sz="1400" b="0" i="0" u="none" strike="noStrike" cap="none" baseline="0">
         <a:solidFill>
           <a:srgbClr val="000000"/>
         </a:solidFill>
@@ -59,7 +59,7 @@
         <a:rtl val="0"/>
       </a:defRPr>
     </a:lvl1pPr>
-    <a:lvl2pPr marR="0" rtl="0" algn="l">
+    <a:lvl2pPr marR="0" algn="l" rtl="0">
       <a:lnSpc>
         <a:spcPct val="100000"/>
       </a:lnSpc>
@@ -70,7 +70,7 @@
         <a:spcPts val="0"/>
       </a:spcAft>
       <a:buNone/>
-      <a:defRPr b="0" baseline="0" i="0" sz="1400" u="none" cap="none" strike="noStrike">
+      <a:defRPr sz="1400" b="0" i="0" u="none" strike="noStrike" cap="none" baseline="0">
         <a:solidFill>
           <a:srgbClr val="000000"/>
         </a:solidFill>
@@ -81,7 +81,7 @@
         <a:rtl val="0"/>
       </a:defRPr>
     </a:lvl2pPr>
-    <a:lvl3pPr marR="0" rtl="0" algn="l">
+    <a:lvl3pPr marR="0" algn="l" rtl="0">
       <a:lnSpc>
         <a:spcPct val="100000"/>
       </a:lnSpc>
@@ -92,7 +92,7 @@
         <a:spcPts val="0"/>
       </a:spcAft>
       <a:buNone/>
-      <a:defRPr b="0" baseline="0" i="0" sz="1400" u="none" cap="none" strike="noStrike">
+      <a:defRPr sz="1400" b="0" i="0" u="none" strike="noStrike" cap="none" baseline="0">
         <a:solidFill>
           <a:srgbClr val="000000"/>
         </a:solidFill>
@@ -103,7 +103,7 @@
         <a:rtl val="0"/>
       </a:defRPr>
     </a:lvl3pPr>
-    <a:lvl4pPr marR="0" rtl="0" algn="l">
+    <a:lvl4pPr marR="0" algn="l" rtl="0">
       <a:lnSpc>
         <a:spcPct val="100000"/>
       </a:lnSpc>
@@ -114,7 +114,7 @@
         <a:spcPts val="0"/>
       </a:spcAft>
       <a:buNone/>
-      <a:defRPr b="0" baseline="0" i="0" sz="1400" u="none" cap="none" strike="noStrike">
+      <a:defRPr sz="1400" b="0" i="0" u="none" strike="noStrike" cap="none" baseline="0">
         <a:solidFill>
           <a:srgbClr val="000000"/>
         </a:solidFill>
@@ -125,7 +125,7 @@
         <a:rtl val="0"/>
       </a:defRPr>
     </a:lvl4pPr>
-    <a:lvl5pPr marR="0" rtl="0" algn="l">
+    <a:lvl5pPr marR="0" algn="l" rtl="0">
       <a:lnSpc>
         <a:spcPct val="100000"/>
       </a:lnSpc>
@@ -136,7 +136,7 @@
         <a:spcPts val="0"/>
       </a:spcAft>
       <a:buNone/>
-      <a:defRPr b="0" baseline="0" i="0" sz="1400" u="none" cap="none" strike="noStrike">
+      <a:defRPr sz="1400" b="0" i="0" u="none" strike="noStrike" cap="none" baseline="0">
         <a:solidFill>
           <a:srgbClr val="000000"/>
         </a:solidFill>
@@ -147,7 +147,7 @@
         <a:rtl val="0"/>
       </a:defRPr>
     </a:lvl5pPr>
-    <a:lvl6pPr marR="0" rtl="0" algn="l">
+    <a:lvl6pPr marR="0" algn="l" rtl="0">
       <a:lnSpc>
         <a:spcPct val="100000"/>
       </a:lnSpc>
@@ -158,7 +158,7 @@
         <a:spcPts val="0"/>
       </a:spcAft>
       <a:buNone/>
-      <a:defRPr b="0" baseline="0" i="0" sz="1400" u="none" cap="none" strike="noStrike">
+      <a:defRPr sz="1400" b="0" i="0" u="none" strike="noStrike" cap="none" baseline="0">
         <a:solidFill>
           <a:srgbClr val="000000"/>
         </a:solidFill>
@@ -169,7 +169,7 @@
         <a:rtl val="0"/>
       </a:defRPr>
     </a:lvl6pPr>
-    <a:lvl7pPr marR="0" rtl="0" algn="l">
+    <a:lvl7pPr marR="0" algn="l" rtl="0">
       <a:lnSpc>
         <a:spcPct val="100000"/>
       </a:lnSpc>
@@ -180,7 +180,7 @@
         <a:spcPts val="0"/>
       </a:spcAft>
       <a:buNone/>
-      <a:defRPr b="0" baseline="0" i="0" sz="1400" u="none" cap="none" strike="noStrike">
+      <a:defRPr sz="1400" b="0" i="0" u="none" strike="noStrike" cap="none" baseline="0">
         <a:solidFill>
           <a:srgbClr val="000000"/>
         </a:solidFill>
@@ -191,7 +191,7 @@
         <a:rtl val="0"/>
       </a:defRPr>
     </a:lvl7pPr>
-    <a:lvl8pPr marR="0" rtl="0" algn="l">
+    <a:lvl8pPr marR="0" algn="l" rtl="0">
       <a:lnSpc>
         <a:spcPct val="100000"/>
       </a:lnSpc>
@@ -202,7 +202,7 @@
         <a:spcPts val="0"/>
       </a:spcAft>
       <a:buNone/>
-      <a:defRPr b="0" baseline="0" i="0" sz="1400" u="none" cap="none" strike="noStrike">
+      <a:defRPr sz="1400" b="0" i="0" u="none" strike="noStrike" cap="none" baseline="0">
         <a:solidFill>
           <a:srgbClr val="000000"/>
         </a:solidFill>
@@ -213,7 +213,7 @@
         <a:rtl val="0"/>
       </a:defRPr>
     </a:lvl8pPr>
-    <a:lvl9pPr marR="0" rtl="0" algn="l">
+    <a:lvl9pPr marR="0" algn="l" rtl="0">
       <a:lnSpc>
         <a:spcPct val="100000"/>
       </a:lnSpc>
@@ -224,7 +224,7 @@
         <a:spcPts val="0"/>
       </a:spcAft>
       <a:buNone/>
-      <a:defRPr b="0" baseline="0" i="0" sz="1400" u="none" cap="none" strike="noStrike">
+      <a:defRPr sz="1400" b="0" i="0" u="none" strike="noStrike" cap="none" baseline="0">
         <a:solidFill>
           <a:srgbClr val="000000"/>
         </a:solidFill>
@@ -240,8 +240,13 @@
 </file>
 
 <file path=ppt/notesMasters/notesMaster1.xml><?xml version="1.0" encoding="utf-8"?>
-<p:notesMaster xmlns:a="http://schemas.openxmlformats.org/drawingml/2006/main" xmlns:r="http://schemas.openxmlformats.org/officeDocument/2006/relationships" xmlns:mc="http://schemas.openxmlformats.org/markup-compatibility/2006" xmlns:mv="urn:schemas-microsoft-com:mac:vml" xmlns:p="http://schemas.openxmlformats.org/presentationml/2006/main" xmlns:c="http://schemas.openxmlformats.org/drawingml/2006/chart" xmlns:dgm="http://schemas.openxmlformats.org/drawingml/2006/diagram" xmlns:o="urn:schemas-microsoft-com:office:office" xmlns:v="urn:schemas-microsoft-com:vml" xmlns:pvml="urn:schemas-microsoft-com:office:powerpoint" xmlns:com="http://schemas.openxmlformats.org/drawingml/2006/compatibility" xmlns:p14="http://schemas.microsoft.com/office/powerpoint/2010/main">
+<p:notesMaster xmlns:a="http://schemas.openxmlformats.org/drawingml/2006/main" xmlns:r="http://schemas.openxmlformats.org/officeDocument/2006/relationships" xmlns:p="http://schemas.openxmlformats.org/presentationml/2006/main">
   <p:cSld>
+    <p:bg>
+      <p:bgRef idx="1001">
+        <a:schemeClr val="bg1"/>
+      </p:bgRef>
+    </p:bg>
     <p:spTree>
       <p:nvGrpSpPr>
         <p:cNvPr id="1" name="Shape 1"/>
@@ -259,9 +264,11 @@
       <p:sp>
         <p:nvSpPr>
           <p:cNvPr id="2" name="Shape 2"/>
-          <p:cNvSpPr/>
+          <p:cNvSpPr>
+            <a:spLocks noGrp="1" noRot="1" noChangeAspect="1"/>
+          </p:cNvSpPr>
           <p:nvPr>
-            <p:ph idx="2" type="sldImg"/>
+            <p:ph type="sldImg" idx="2"/>
           </p:nvPr>
         </p:nvSpPr>
         <p:spPr>
@@ -270,8 +277,13 @@
             <a:ext cx="6096299" cy="3429000"/>
           </a:xfrm>
           <a:custGeom>
+            <a:avLst/>
+            <a:gdLst/>
+            <a:ahLst/>
+            <a:cxnLst/>
+            <a:rect l="0" t="0" r="0" b="0"/>
             <a:pathLst>
-              <a:path extrusionOk="0" h="120000" w="120000">
+              <a:path w="120000" h="120000" extrusionOk="0">
                 <a:moveTo>
                   <a:pt x="0" y="0"/>
                 </a:moveTo>
@@ -289,23 +301,25 @@
             </a:pathLst>
           </a:custGeom>
           <a:noFill/>
-          <a:ln cap="flat" cmpd="sng" w="9525">
+          <a:ln w="9525" cap="flat" cmpd="sng">
             <a:solidFill>
               <a:srgbClr val="000000"/>
             </a:solidFill>
             <a:prstDash val="solid"/>
             <a:round/>
-            <a:headEnd len="med" w="med" type="none"/>
-            <a:tailEnd len="med" w="med" type="none"/>
+            <a:headEnd type="none" w="med" len="med"/>
+            <a:tailEnd type="none" w="med" len="med"/>
           </a:ln>
         </p:spPr>
       </p:sp>
       <p:sp>
         <p:nvSpPr>
           <p:cNvPr id="3" name="Shape 3"/>
-          <p:cNvSpPr txBox="1"/>
+          <p:cNvSpPr txBox="1">
+            <a:spLocks noGrp="1"/>
+          </p:cNvSpPr>
           <p:nvPr>
-            <p:ph idx="1" type="body"/>
+            <p:ph type="body" idx="1"/>
           </p:nvPr>
         </p:nvSpPr>
         <p:spPr>
@@ -322,7 +336,7 @@
           </a:ln>
         </p:spPr>
         <p:txBody>
-          <a:bodyPr anchorCtr="0" anchor="t" bIns="91425" lIns="91425" rIns="91425" tIns="91425"/>
+          <a:bodyPr lIns="91425" tIns="91425" rIns="91425" bIns="91425" anchor="t" anchorCtr="0"/>
           <a:lstStyle>
             <a:lvl1pPr>
               <a:spcBef>
@@ -379,21 +393,120 @@
               <a:defRPr sz="1100"/>
             </a:lvl9pPr>
           </a:lstStyle>
-          <a:p/>
+          <a:p>
+            <a:endParaRPr/>
+          </a:p>
         </p:txBody>
       </p:sp>
     </p:spTree>
+    <p:extLst>
+      <p:ext uri="{BB962C8B-B14F-4D97-AF65-F5344CB8AC3E}">
+        <p14:creationId xmlns:p14="http://schemas.microsoft.com/office/powerpoint/2010/main" val="1220436490"/>
+      </p:ext>
+    </p:extLst>
   </p:cSld>
-  <p:clrMap accent1="accent1" accent2="accent2" accent3="accent3" accent4="accent4" accent5="accent5" accent6="accent6" bg1="lt1" bg2="dk2" tx1="dk1" tx2="lt2" folHlink="folHlink" hlink="hlink"/>
+  <p:clrMap bg1="lt1" tx1="dk1" bg2="dk2" tx2="lt2" accent1="accent1" accent2="accent2" accent3="accent3" accent4="accent4" accent5="accent5" accent6="accent6" hlink="hlink" folHlink="folHlink"/>
+  <p:notesStyle>
+    <a:lvl1pPr marL="0" algn="l" defTabSz="914400" rtl="0" eaLnBrk="1" latinLnBrk="0" hangingPunct="1">
+      <a:defRPr sz="1200" kern="1200">
+        <a:solidFill>
+          <a:schemeClr val="tx1"/>
+        </a:solidFill>
+        <a:latin typeface="+mn-lt"/>
+        <a:ea typeface="+mn-ea"/>
+        <a:cs typeface="+mn-cs"/>
+      </a:defRPr>
+    </a:lvl1pPr>
+    <a:lvl2pPr marL="457200" algn="l" defTabSz="914400" rtl="0" eaLnBrk="1" latinLnBrk="0" hangingPunct="1">
+      <a:defRPr sz="1200" kern="1200">
+        <a:solidFill>
+          <a:schemeClr val="tx1"/>
+        </a:solidFill>
+        <a:latin typeface="+mn-lt"/>
+        <a:ea typeface="+mn-ea"/>
+        <a:cs typeface="+mn-cs"/>
+      </a:defRPr>
+    </a:lvl2pPr>
+    <a:lvl3pPr marL="914400" algn="l" defTabSz="914400" rtl="0" eaLnBrk="1" latinLnBrk="0" hangingPunct="1">
+      <a:defRPr sz="1200" kern="1200">
+        <a:solidFill>
+          <a:schemeClr val="tx1"/>
+        </a:solidFill>
+        <a:latin typeface="+mn-lt"/>
+        <a:ea typeface="+mn-ea"/>
+        <a:cs typeface="+mn-cs"/>
+      </a:defRPr>
+    </a:lvl3pPr>
+    <a:lvl4pPr marL="1371600" algn="l" defTabSz="914400" rtl="0" eaLnBrk="1" latinLnBrk="0" hangingPunct="1">
+      <a:defRPr sz="1200" kern="1200">
+        <a:solidFill>
+          <a:schemeClr val="tx1"/>
+        </a:solidFill>
+        <a:latin typeface="+mn-lt"/>
+        <a:ea typeface="+mn-ea"/>
+        <a:cs typeface="+mn-cs"/>
+      </a:defRPr>
+    </a:lvl4pPr>
+    <a:lvl5pPr marL="1828800" algn="l" defTabSz="914400" rtl="0" eaLnBrk="1" latinLnBrk="0" hangingPunct="1">
+      <a:defRPr sz="1200" kern="1200">
+        <a:solidFill>
+          <a:schemeClr val="tx1"/>
+        </a:solidFill>
+        <a:latin typeface="+mn-lt"/>
+        <a:ea typeface="+mn-ea"/>
+        <a:cs typeface="+mn-cs"/>
+      </a:defRPr>
+    </a:lvl5pPr>
+    <a:lvl6pPr marL="2286000" algn="l" defTabSz="914400" rtl="0" eaLnBrk="1" latinLnBrk="0" hangingPunct="1">
+      <a:defRPr sz="1200" kern="1200">
+        <a:solidFill>
+          <a:schemeClr val="tx1"/>
+        </a:solidFill>
+        <a:latin typeface="+mn-lt"/>
+        <a:ea typeface="+mn-ea"/>
+        <a:cs typeface="+mn-cs"/>
+      </a:defRPr>
+    </a:lvl6pPr>
+    <a:lvl7pPr marL="2743200" algn="l" defTabSz="914400" rtl="0" eaLnBrk="1" latinLnBrk="0" hangingPunct="1">
+      <a:defRPr sz="1200" kern="1200">
+        <a:solidFill>
+          <a:schemeClr val="tx1"/>
+        </a:solidFill>
+        <a:latin typeface="+mn-lt"/>
+        <a:ea typeface="+mn-ea"/>
+        <a:cs typeface="+mn-cs"/>
+      </a:defRPr>
+    </a:lvl7pPr>
+    <a:lvl8pPr marL="3200400" algn="l" defTabSz="914400" rtl="0" eaLnBrk="1" latinLnBrk="0" hangingPunct="1">
+      <a:defRPr sz="1200" kern="1200">
+        <a:solidFill>
+          <a:schemeClr val="tx1"/>
+        </a:solidFill>
+        <a:latin typeface="+mn-lt"/>
+        <a:ea typeface="+mn-ea"/>
+        <a:cs typeface="+mn-cs"/>
+      </a:defRPr>
+    </a:lvl8pPr>
+    <a:lvl9pPr marL="3657600" algn="l" defTabSz="914400" rtl="0" eaLnBrk="1" latinLnBrk="0" hangingPunct="1">
+      <a:defRPr sz="1200" kern="1200">
+        <a:solidFill>
+          <a:schemeClr val="tx1"/>
+        </a:solidFill>
+        <a:latin typeface="+mn-lt"/>
+        <a:ea typeface="+mn-ea"/>
+        <a:cs typeface="+mn-cs"/>
+      </a:defRPr>
+    </a:lvl9pPr>
+  </p:notesStyle>
 </p:notesMaster>
 </file>
 
 <file path=ppt/notesSlides/notesSlide1.xml><?xml version="1.0" encoding="utf-8"?>
-<p:notes xmlns:a="http://schemas.openxmlformats.org/drawingml/2006/main" xmlns:r="http://schemas.openxmlformats.org/officeDocument/2006/relationships" xmlns:mc="http://schemas.openxmlformats.org/markup-compatibility/2006" xmlns:mv="urn:schemas-microsoft-com:mac:vml" xmlns:p="http://schemas.openxmlformats.org/presentationml/2006/main" xmlns:c="http://schemas.openxmlformats.org/drawingml/2006/chart" xmlns:dgm="http://schemas.openxmlformats.org/drawingml/2006/diagram" xmlns:o="urn:schemas-microsoft-com:office:office" xmlns:v="urn:schemas-microsoft-com:vml" xmlns:pvml="urn:schemas-microsoft-com:office:powerpoint" xmlns:com="http://schemas.openxmlformats.org/drawingml/2006/compatibility" xmlns:p14="http://schemas.microsoft.com/office/powerpoint/2010/main" showMasterPhAnim="0" showMasterSp="0">
+<p:notes xmlns:a="http://schemas.openxmlformats.org/drawingml/2006/main" xmlns:r="http://schemas.openxmlformats.org/officeDocument/2006/relationships" xmlns:p="http://schemas.openxmlformats.org/presentationml/2006/main" showMasterSp="0" showMasterPhAnim="0">
   <p:cSld>
     <p:spTree>
       <p:nvGrpSpPr>
-        <p:cNvPr id="34" name="Shape 34"/>
+        <p:cNvPr id="1" name="Shape 34"/>
         <p:cNvGrpSpPr/>
         <p:nvPr/>
       </p:nvGrpSpPr>
@@ -408,19 +521,26 @@
       <p:sp>
         <p:nvSpPr>
           <p:cNvPr id="35" name="Shape 35"/>
-          <p:cNvSpPr/>
+          <p:cNvSpPr>
+            <a:spLocks noGrp="1" noRot="1" noChangeAspect="1"/>
+          </p:cNvSpPr>
           <p:nvPr>
-            <p:ph idx="2" type="sldImg"/>
+            <p:ph type="sldImg" idx="2"/>
           </p:nvPr>
         </p:nvSpPr>
         <p:spPr>
           <a:xfrm>
-            <a:off x="381187" y="685800"/>
-            <a:ext cx="6096299" cy="3429000"/>
+            <a:off x="381000" y="685800"/>
+            <a:ext cx="6096000" cy="3429000"/>
           </a:xfrm>
           <a:custGeom>
+            <a:avLst/>
+            <a:gdLst/>
+            <a:ahLst/>
+            <a:cxnLst/>
+            <a:rect l="0" t="0" r="0" b="0"/>
             <a:pathLst>
-              <a:path extrusionOk="0" h="120000" w="120000">
+              <a:path w="120000" h="120000" extrusionOk="0">
                 <a:moveTo>
                   <a:pt x="0" y="0"/>
                 </a:moveTo>
@@ -438,23 +558,25 @@
             </a:pathLst>
           </a:custGeom>
           <a:noFill/>
-          <a:ln cap="flat" cmpd="sng" w="9525">
+          <a:ln w="9525" cap="flat" cmpd="sng">
             <a:solidFill>
               <a:srgbClr val="000000"/>
             </a:solidFill>
             <a:prstDash val="solid"/>
             <a:round/>
-            <a:headEnd len="med" w="med" type="none"/>
-            <a:tailEnd len="med" w="med" type="none"/>
+            <a:headEnd type="none" w="med" len="med"/>
+            <a:tailEnd type="none" w="med" len="med"/>
           </a:ln>
         </p:spPr>
       </p:sp>
       <p:sp>
         <p:nvSpPr>
           <p:cNvPr id="36" name="Shape 36"/>
-          <p:cNvSpPr txBox="1"/>
+          <p:cNvSpPr txBox="1">
+            <a:spLocks noGrp="1"/>
+          </p:cNvSpPr>
           <p:nvPr>
-            <p:ph idx="1" type="body"/>
+            <p:ph type="body" idx="1"/>
           </p:nvPr>
         </p:nvSpPr>
         <p:spPr>
@@ -467,7 +589,7 @@
           </a:prstGeom>
         </p:spPr>
         <p:txBody>
-          <a:bodyPr anchorCtr="0" anchor="t" bIns="91425" lIns="91425" rIns="91425" tIns="91425">
+          <a:bodyPr lIns="91425" tIns="91425" rIns="91425" bIns="91425" anchor="t" anchorCtr="0">
             <a:noAutofit/>
           </a:bodyPr>
           <a:lstStyle/>
@@ -478,14 +600,16 @@
               </a:spcBef>
               <a:buNone/>
             </a:pPr>
-            <a:r>
-              <a:t/>
-            </a:r>
             <a:endParaRPr/>
           </a:p>
         </p:txBody>
       </p:sp>
     </p:spTree>
+    <p:extLst>
+      <p:ext uri="{BB962C8B-B14F-4D97-AF65-F5344CB8AC3E}">
+        <p14:creationId xmlns:p14="http://schemas.microsoft.com/office/powerpoint/2010/main" val="3274559065"/>
+      </p:ext>
+    </p:extLst>
   </p:cSld>
   <p:clrMapOvr>
     <a:masterClrMapping/>
@@ -494,11 +618,11 @@
 </file>
 
 <file path=ppt/notesSlides/notesSlide10.xml><?xml version="1.0" encoding="utf-8"?>
-<p:notes xmlns:a="http://schemas.openxmlformats.org/drawingml/2006/main" xmlns:r="http://schemas.openxmlformats.org/officeDocument/2006/relationships" xmlns:mc="http://schemas.openxmlformats.org/markup-compatibility/2006" xmlns:mv="urn:schemas-microsoft-com:mac:vml" xmlns:p="http://schemas.openxmlformats.org/presentationml/2006/main" xmlns:c="http://schemas.openxmlformats.org/drawingml/2006/chart" xmlns:dgm="http://schemas.openxmlformats.org/drawingml/2006/diagram" xmlns:o="urn:schemas-microsoft-com:office:office" xmlns:v="urn:schemas-microsoft-com:vml" xmlns:pvml="urn:schemas-microsoft-com:office:powerpoint" xmlns:com="http://schemas.openxmlformats.org/drawingml/2006/compatibility" xmlns:p14="http://schemas.microsoft.com/office/powerpoint/2010/main" showMasterPhAnim="0" showMasterSp="0">
+<p:notes xmlns:a="http://schemas.openxmlformats.org/drawingml/2006/main" xmlns:r="http://schemas.openxmlformats.org/officeDocument/2006/relationships" xmlns:p="http://schemas.openxmlformats.org/presentationml/2006/main" showMasterSp="0" showMasterPhAnim="0">
   <p:cSld>
     <p:spTree>
       <p:nvGrpSpPr>
-        <p:cNvPr id="109" name="Shape 109"/>
+        <p:cNvPr id="1" name="Shape 109"/>
         <p:cNvGrpSpPr/>
         <p:nvPr/>
       </p:nvGrpSpPr>
@@ -513,19 +637,26 @@
       <p:sp>
         <p:nvSpPr>
           <p:cNvPr id="110" name="Shape 110"/>
-          <p:cNvSpPr/>
+          <p:cNvSpPr>
+            <a:spLocks noGrp="1" noRot="1" noChangeAspect="1"/>
+          </p:cNvSpPr>
           <p:nvPr>
-            <p:ph idx="2" type="sldImg"/>
+            <p:ph type="sldImg" idx="2"/>
           </p:nvPr>
         </p:nvSpPr>
         <p:spPr>
           <a:xfrm>
-            <a:off x="381187" y="685800"/>
-            <a:ext cx="6096299" cy="3429000"/>
+            <a:off x="381000" y="685800"/>
+            <a:ext cx="6096000" cy="3429000"/>
           </a:xfrm>
           <a:custGeom>
+            <a:avLst/>
+            <a:gdLst/>
+            <a:ahLst/>
+            <a:cxnLst/>
+            <a:rect l="0" t="0" r="0" b="0"/>
             <a:pathLst>
-              <a:path extrusionOk="0" h="120000" w="120000">
+              <a:path w="120000" h="120000" extrusionOk="0">
                 <a:moveTo>
                   <a:pt x="0" y="0"/>
                 </a:moveTo>
@@ -543,23 +674,25 @@
             </a:pathLst>
           </a:custGeom>
           <a:noFill/>
-          <a:ln cap="flat" cmpd="sng" w="9525">
+          <a:ln w="9525" cap="flat" cmpd="sng">
             <a:solidFill>
               <a:srgbClr val="000000"/>
             </a:solidFill>
             <a:prstDash val="solid"/>
             <a:round/>
-            <a:headEnd len="med" w="med" type="none"/>
-            <a:tailEnd len="med" w="med" type="none"/>
+            <a:headEnd type="none" w="med" len="med"/>
+            <a:tailEnd type="none" w="med" len="med"/>
           </a:ln>
         </p:spPr>
       </p:sp>
       <p:sp>
         <p:nvSpPr>
           <p:cNvPr id="111" name="Shape 111"/>
-          <p:cNvSpPr txBox="1"/>
+          <p:cNvSpPr txBox="1">
+            <a:spLocks noGrp="1"/>
+          </p:cNvSpPr>
           <p:nvPr>
-            <p:ph idx="1" type="body"/>
+            <p:ph type="body" idx="1"/>
           </p:nvPr>
         </p:nvSpPr>
         <p:spPr>
@@ -572,7 +705,7 @@
           </a:prstGeom>
         </p:spPr>
         <p:txBody>
-          <a:bodyPr anchorCtr="0" anchor="t" bIns="91425" lIns="91425" rIns="91425" tIns="91425">
+          <a:bodyPr lIns="91425" tIns="91425" rIns="91425" bIns="91425" anchor="t" anchorCtr="0">
             <a:noAutofit/>
           </a:bodyPr>
           <a:lstStyle/>
@@ -583,14 +716,16 @@
               </a:spcBef>
               <a:buNone/>
             </a:pPr>
-            <a:r>
-              <a:t/>
-            </a:r>
             <a:endParaRPr/>
           </a:p>
         </p:txBody>
       </p:sp>
     </p:spTree>
+    <p:extLst>
+      <p:ext uri="{BB962C8B-B14F-4D97-AF65-F5344CB8AC3E}">
+        <p14:creationId xmlns:p14="http://schemas.microsoft.com/office/powerpoint/2010/main" val="3825097245"/>
+      </p:ext>
+    </p:extLst>
   </p:cSld>
   <p:clrMapOvr>
     <a:masterClrMapping/>
@@ -599,11 +734,11 @@
 </file>
 
 <file path=ppt/notesSlides/notesSlide11.xml><?xml version="1.0" encoding="utf-8"?>
-<p:notes xmlns:a="http://schemas.openxmlformats.org/drawingml/2006/main" xmlns:r="http://schemas.openxmlformats.org/officeDocument/2006/relationships" xmlns:mc="http://schemas.openxmlformats.org/markup-compatibility/2006" xmlns:mv="urn:schemas-microsoft-com:mac:vml" xmlns:p="http://schemas.openxmlformats.org/presentationml/2006/main" xmlns:c="http://schemas.openxmlformats.org/drawingml/2006/chart" xmlns:dgm="http://schemas.openxmlformats.org/drawingml/2006/diagram" xmlns:o="urn:schemas-microsoft-com:office:office" xmlns:v="urn:schemas-microsoft-com:vml" xmlns:pvml="urn:schemas-microsoft-com:office:powerpoint" xmlns:com="http://schemas.openxmlformats.org/drawingml/2006/compatibility" xmlns:p14="http://schemas.microsoft.com/office/powerpoint/2010/main" showMasterPhAnim="0" showMasterSp="0">
+<p:notes xmlns:a="http://schemas.openxmlformats.org/drawingml/2006/main" xmlns:r="http://schemas.openxmlformats.org/officeDocument/2006/relationships" xmlns:p="http://schemas.openxmlformats.org/presentationml/2006/main" showMasterSp="0" showMasterPhAnim="0">
   <p:cSld>
     <p:spTree>
       <p:nvGrpSpPr>
-        <p:cNvPr id="116" name="Shape 116"/>
+        <p:cNvPr id="1" name="Shape 116"/>
         <p:cNvGrpSpPr/>
         <p:nvPr/>
       </p:nvGrpSpPr>
@@ -618,19 +753,26 @@
       <p:sp>
         <p:nvSpPr>
           <p:cNvPr id="117" name="Shape 117"/>
-          <p:cNvSpPr/>
+          <p:cNvSpPr>
+            <a:spLocks noGrp="1" noRot="1" noChangeAspect="1"/>
+          </p:cNvSpPr>
           <p:nvPr>
-            <p:ph idx="2" type="sldImg"/>
+            <p:ph type="sldImg" idx="2"/>
           </p:nvPr>
         </p:nvSpPr>
         <p:spPr>
           <a:xfrm>
-            <a:off x="381187" y="685800"/>
-            <a:ext cx="6096299" cy="3429000"/>
+            <a:off x="381000" y="685800"/>
+            <a:ext cx="6096000" cy="3429000"/>
           </a:xfrm>
           <a:custGeom>
+            <a:avLst/>
+            <a:gdLst/>
+            <a:ahLst/>
+            <a:cxnLst/>
+            <a:rect l="0" t="0" r="0" b="0"/>
             <a:pathLst>
-              <a:path extrusionOk="0" h="120000" w="120000">
+              <a:path w="120000" h="120000" extrusionOk="0">
                 <a:moveTo>
                   <a:pt x="0" y="0"/>
                 </a:moveTo>
@@ -648,23 +790,25 @@
             </a:pathLst>
           </a:custGeom>
           <a:noFill/>
-          <a:ln cap="flat" cmpd="sng" w="9525">
+          <a:ln w="9525" cap="flat" cmpd="sng">
             <a:solidFill>
               <a:srgbClr val="000000"/>
             </a:solidFill>
             <a:prstDash val="solid"/>
             <a:round/>
-            <a:headEnd len="med" w="med" type="none"/>
-            <a:tailEnd len="med" w="med" type="none"/>
+            <a:headEnd type="none" w="med" len="med"/>
+            <a:tailEnd type="none" w="med" len="med"/>
           </a:ln>
         </p:spPr>
       </p:sp>
       <p:sp>
         <p:nvSpPr>
           <p:cNvPr id="118" name="Shape 118"/>
-          <p:cNvSpPr txBox="1"/>
+          <p:cNvSpPr txBox="1">
+            <a:spLocks noGrp="1"/>
+          </p:cNvSpPr>
           <p:nvPr>
-            <p:ph idx="1" type="body"/>
+            <p:ph type="body" idx="1"/>
           </p:nvPr>
         </p:nvSpPr>
         <p:spPr>
@@ -677,7 +821,7 @@
           </a:prstGeom>
         </p:spPr>
         <p:txBody>
-          <a:bodyPr anchorCtr="0" anchor="t" bIns="91425" lIns="91425" rIns="91425" tIns="91425">
+          <a:bodyPr lIns="91425" tIns="91425" rIns="91425" bIns="91425" anchor="t" anchorCtr="0">
             <a:noAutofit/>
           </a:bodyPr>
           <a:lstStyle/>
@@ -688,14 +832,16 @@
               </a:spcBef>
               <a:buNone/>
             </a:pPr>
-            <a:r>
-              <a:t/>
-            </a:r>
             <a:endParaRPr/>
           </a:p>
         </p:txBody>
       </p:sp>
     </p:spTree>
+    <p:extLst>
+      <p:ext uri="{BB962C8B-B14F-4D97-AF65-F5344CB8AC3E}">
+        <p14:creationId xmlns:p14="http://schemas.microsoft.com/office/powerpoint/2010/main" val="3000182104"/>
+      </p:ext>
+    </p:extLst>
   </p:cSld>
   <p:clrMapOvr>
     <a:masterClrMapping/>
@@ -704,11 +850,11 @@
 </file>
 
 <file path=ppt/notesSlides/notesSlide12.xml><?xml version="1.0" encoding="utf-8"?>
-<p:notes xmlns:a="http://schemas.openxmlformats.org/drawingml/2006/main" xmlns:r="http://schemas.openxmlformats.org/officeDocument/2006/relationships" xmlns:mc="http://schemas.openxmlformats.org/markup-compatibility/2006" xmlns:mv="urn:schemas-microsoft-com:mac:vml" xmlns:p="http://schemas.openxmlformats.org/presentationml/2006/main" xmlns:c="http://schemas.openxmlformats.org/drawingml/2006/chart" xmlns:dgm="http://schemas.openxmlformats.org/drawingml/2006/diagram" xmlns:o="urn:schemas-microsoft-com:office:office" xmlns:v="urn:schemas-microsoft-com:vml" xmlns:pvml="urn:schemas-microsoft-com:office:powerpoint" xmlns:com="http://schemas.openxmlformats.org/drawingml/2006/compatibility" xmlns:p14="http://schemas.microsoft.com/office/powerpoint/2010/main" showMasterPhAnim="0" showMasterSp="0">
+<p:notes xmlns:a="http://schemas.openxmlformats.org/drawingml/2006/main" xmlns:r="http://schemas.openxmlformats.org/officeDocument/2006/relationships" xmlns:p="http://schemas.openxmlformats.org/presentationml/2006/main" showMasterSp="0" showMasterPhAnim="0">
   <p:cSld>
     <p:spTree>
       <p:nvGrpSpPr>
-        <p:cNvPr id="123" name="Shape 123"/>
+        <p:cNvPr id="1" name="Shape 123"/>
         <p:cNvGrpSpPr/>
         <p:nvPr/>
       </p:nvGrpSpPr>
@@ -723,19 +869,26 @@
       <p:sp>
         <p:nvSpPr>
           <p:cNvPr id="124" name="Shape 124"/>
-          <p:cNvSpPr/>
+          <p:cNvSpPr>
+            <a:spLocks noGrp="1" noRot="1" noChangeAspect="1"/>
+          </p:cNvSpPr>
           <p:nvPr>
-            <p:ph idx="2" type="sldImg"/>
+            <p:ph type="sldImg" idx="2"/>
           </p:nvPr>
         </p:nvSpPr>
         <p:spPr>
           <a:xfrm>
-            <a:off x="381187" y="685800"/>
-            <a:ext cx="6096299" cy="3429000"/>
+            <a:off x="381000" y="685800"/>
+            <a:ext cx="6096000" cy="3429000"/>
           </a:xfrm>
           <a:custGeom>
+            <a:avLst/>
+            <a:gdLst/>
+            <a:ahLst/>
+            <a:cxnLst/>
+            <a:rect l="0" t="0" r="0" b="0"/>
             <a:pathLst>
-              <a:path extrusionOk="0" h="120000" w="120000">
+              <a:path w="120000" h="120000" extrusionOk="0">
                 <a:moveTo>
                   <a:pt x="0" y="0"/>
                 </a:moveTo>
@@ -753,23 +906,25 @@
             </a:pathLst>
           </a:custGeom>
           <a:noFill/>
-          <a:ln cap="flat" cmpd="sng" w="9525">
+          <a:ln w="9525" cap="flat" cmpd="sng">
             <a:solidFill>
               <a:srgbClr val="000000"/>
             </a:solidFill>
             <a:prstDash val="solid"/>
             <a:round/>
-            <a:headEnd len="med" w="med" type="none"/>
-            <a:tailEnd len="med" w="med" type="none"/>
+            <a:headEnd type="none" w="med" len="med"/>
+            <a:tailEnd type="none" w="med" len="med"/>
           </a:ln>
         </p:spPr>
       </p:sp>
       <p:sp>
         <p:nvSpPr>
           <p:cNvPr id="125" name="Shape 125"/>
-          <p:cNvSpPr txBox="1"/>
+          <p:cNvSpPr txBox="1">
+            <a:spLocks noGrp="1"/>
+          </p:cNvSpPr>
           <p:nvPr>
-            <p:ph idx="1" type="body"/>
+            <p:ph type="body" idx="1"/>
           </p:nvPr>
         </p:nvSpPr>
         <p:spPr>
@@ -782,7 +937,7 @@
           </a:prstGeom>
         </p:spPr>
         <p:txBody>
-          <a:bodyPr anchorCtr="0" anchor="t" bIns="91425" lIns="91425" rIns="91425" tIns="91425">
+          <a:bodyPr lIns="91425" tIns="91425" rIns="91425" bIns="91425" anchor="t" anchorCtr="0">
             <a:noAutofit/>
           </a:bodyPr>
           <a:lstStyle/>
@@ -793,14 +948,16 @@
               </a:spcBef>
               <a:buNone/>
             </a:pPr>
-            <a:r>
-              <a:t/>
-            </a:r>
             <a:endParaRPr/>
           </a:p>
         </p:txBody>
       </p:sp>
     </p:spTree>
+    <p:extLst>
+      <p:ext uri="{BB962C8B-B14F-4D97-AF65-F5344CB8AC3E}">
+        <p14:creationId xmlns:p14="http://schemas.microsoft.com/office/powerpoint/2010/main" val="787722037"/>
+      </p:ext>
+    </p:extLst>
   </p:cSld>
   <p:clrMapOvr>
     <a:masterClrMapping/>
@@ -809,11 +966,11 @@
 </file>
 
 <file path=ppt/notesSlides/notesSlide13.xml><?xml version="1.0" encoding="utf-8"?>
-<p:notes xmlns:a="http://schemas.openxmlformats.org/drawingml/2006/main" xmlns:r="http://schemas.openxmlformats.org/officeDocument/2006/relationships" xmlns:mc="http://schemas.openxmlformats.org/markup-compatibility/2006" xmlns:mv="urn:schemas-microsoft-com:mac:vml" xmlns:p="http://schemas.openxmlformats.org/presentationml/2006/main" xmlns:c="http://schemas.openxmlformats.org/drawingml/2006/chart" xmlns:dgm="http://schemas.openxmlformats.org/drawingml/2006/diagram" xmlns:o="urn:schemas-microsoft-com:office:office" xmlns:v="urn:schemas-microsoft-com:vml" xmlns:pvml="urn:schemas-microsoft-com:office:powerpoint" xmlns:com="http://schemas.openxmlformats.org/drawingml/2006/compatibility" xmlns:p14="http://schemas.microsoft.com/office/powerpoint/2010/main" showMasterPhAnim="0" showMasterSp="0">
+<p:notes xmlns:a="http://schemas.openxmlformats.org/drawingml/2006/main" xmlns:r="http://schemas.openxmlformats.org/officeDocument/2006/relationships" xmlns:p="http://schemas.openxmlformats.org/presentationml/2006/main" showMasterSp="0" showMasterPhAnim="0">
   <p:cSld>
     <p:spTree>
       <p:nvGrpSpPr>
-        <p:cNvPr id="130" name="Shape 130"/>
+        <p:cNvPr id="1" name="Shape 130"/>
         <p:cNvGrpSpPr/>
         <p:nvPr/>
       </p:nvGrpSpPr>
@@ -828,19 +985,26 @@
       <p:sp>
         <p:nvSpPr>
           <p:cNvPr id="131" name="Shape 131"/>
-          <p:cNvSpPr/>
+          <p:cNvSpPr>
+            <a:spLocks noGrp="1" noRot="1" noChangeAspect="1"/>
+          </p:cNvSpPr>
           <p:nvPr>
-            <p:ph idx="2" type="sldImg"/>
+            <p:ph type="sldImg" idx="2"/>
           </p:nvPr>
         </p:nvSpPr>
         <p:spPr>
           <a:xfrm>
-            <a:off x="381187" y="685800"/>
-            <a:ext cx="6096299" cy="3429000"/>
+            <a:off x="381000" y="685800"/>
+            <a:ext cx="6096000" cy="3429000"/>
           </a:xfrm>
           <a:custGeom>
+            <a:avLst/>
+            <a:gdLst/>
+            <a:ahLst/>
+            <a:cxnLst/>
+            <a:rect l="0" t="0" r="0" b="0"/>
             <a:pathLst>
-              <a:path extrusionOk="0" h="120000" w="120000">
+              <a:path w="120000" h="120000" extrusionOk="0">
                 <a:moveTo>
                   <a:pt x="0" y="0"/>
                 </a:moveTo>
@@ -858,23 +1022,25 @@
             </a:pathLst>
           </a:custGeom>
           <a:noFill/>
-          <a:ln cap="flat" cmpd="sng" w="9525">
+          <a:ln w="9525" cap="flat" cmpd="sng">
             <a:solidFill>
               <a:srgbClr val="000000"/>
             </a:solidFill>
             <a:prstDash val="solid"/>
             <a:round/>
-            <a:headEnd len="med" w="med" type="none"/>
-            <a:tailEnd len="med" w="med" type="none"/>
+            <a:headEnd type="none" w="med" len="med"/>
+            <a:tailEnd type="none" w="med" len="med"/>
           </a:ln>
         </p:spPr>
       </p:sp>
       <p:sp>
         <p:nvSpPr>
           <p:cNvPr id="132" name="Shape 132"/>
-          <p:cNvSpPr txBox="1"/>
+          <p:cNvSpPr txBox="1">
+            <a:spLocks noGrp="1"/>
+          </p:cNvSpPr>
           <p:nvPr>
-            <p:ph idx="1" type="body"/>
+            <p:ph type="body" idx="1"/>
           </p:nvPr>
         </p:nvSpPr>
         <p:spPr>
@@ -887,7 +1053,7 @@
           </a:prstGeom>
         </p:spPr>
         <p:txBody>
-          <a:bodyPr anchorCtr="0" anchor="t" bIns="91425" lIns="91425" rIns="91425" tIns="91425">
+          <a:bodyPr lIns="91425" tIns="91425" rIns="91425" bIns="91425" anchor="t" anchorCtr="0">
             <a:noAutofit/>
           </a:bodyPr>
           <a:lstStyle/>
@@ -898,14 +1064,16 @@
               </a:spcBef>
               <a:buNone/>
             </a:pPr>
-            <a:r>
-              <a:t/>
-            </a:r>
             <a:endParaRPr/>
           </a:p>
         </p:txBody>
       </p:sp>
     </p:spTree>
+    <p:extLst>
+      <p:ext uri="{BB962C8B-B14F-4D97-AF65-F5344CB8AC3E}">
+        <p14:creationId xmlns:p14="http://schemas.microsoft.com/office/powerpoint/2010/main" val="119752566"/>
+      </p:ext>
+    </p:extLst>
   </p:cSld>
   <p:clrMapOvr>
     <a:masterClrMapping/>
@@ -914,11 +1082,11 @@
 </file>
 
 <file path=ppt/notesSlides/notesSlide14.xml><?xml version="1.0" encoding="utf-8"?>
-<p:notes xmlns:a="http://schemas.openxmlformats.org/drawingml/2006/main" xmlns:r="http://schemas.openxmlformats.org/officeDocument/2006/relationships" xmlns:mc="http://schemas.openxmlformats.org/markup-compatibility/2006" xmlns:mv="urn:schemas-microsoft-com:mac:vml" xmlns:p="http://schemas.openxmlformats.org/presentationml/2006/main" xmlns:c="http://schemas.openxmlformats.org/drawingml/2006/chart" xmlns:dgm="http://schemas.openxmlformats.org/drawingml/2006/diagram" xmlns:o="urn:schemas-microsoft-com:office:office" xmlns:v="urn:schemas-microsoft-com:vml" xmlns:pvml="urn:schemas-microsoft-com:office:powerpoint" xmlns:com="http://schemas.openxmlformats.org/drawingml/2006/compatibility" xmlns:p14="http://schemas.microsoft.com/office/powerpoint/2010/main" showMasterPhAnim="0" showMasterSp="0">
+<p:notes xmlns:a="http://schemas.openxmlformats.org/drawingml/2006/main" xmlns:r="http://schemas.openxmlformats.org/officeDocument/2006/relationships" xmlns:p="http://schemas.openxmlformats.org/presentationml/2006/main" showMasterSp="0" showMasterPhAnim="0">
   <p:cSld>
     <p:spTree>
       <p:nvGrpSpPr>
-        <p:cNvPr id="137" name="Shape 137"/>
+        <p:cNvPr id="1" name="Shape 137"/>
         <p:cNvGrpSpPr/>
         <p:nvPr/>
       </p:nvGrpSpPr>
@@ -933,19 +1101,26 @@
       <p:sp>
         <p:nvSpPr>
           <p:cNvPr id="138" name="Shape 138"/>
-          <p:cNvSpPr/>
+          <p:cNvSpPr>
+            <a:spLocks noGrp="1" noRot="1" noChangeAspect="1"/>
+          </p:cNvSpPr>
           <p:nvPr>
-            <p:ph idx="2" type="sldImg"/>
+            <p:ph type="sldImg" idx="2"/>
           </p:nvPr>
         </p:nvSpPr>
         <p:spPr>
           <a:xfrm>
-            <a:off x="381187" y="685800"/>
-            <a:ext cx="6096299" cy="3429000"/>
+            <a:off x="381000" y="685800"/>
+            <a:ext cx="6096000" cy="3429000"/>
           </a:xfrm>
           <a:custGeom>
+            <a:avLst/>
+            <a:gdLst/>
+            <a:ahLst/>
+            <a:cxnLst/>
+            <a:rect l="0" t="0" r="0" b="0"/>
             <a:pathLst>
-              <a:path extrusionOk="0" h="120000" w="120000">
+              <a:path w="120000" h="120000" extrusionOk="0">
                 <a:moveTo>
                   <a:pt x="0" y="0"/>
                 </a:moveTo>
@@ -963,23 +1138,25 @@
             </a:pathLst>
           </a:custGeom>
           <a:noFill/>
-          <a:ln cap="flat" cmpd="sng" w="9525">
+          <a:ln w="9525" cap="flat" cmpd="sng">
             <a:solidFill>
               <a:srgbClr val="000000"/>
             </a:solidFill>
             <a:prstDash val="solid"/>
             <a:round/>
-            <a:headEnd len="med" w="med" type="none"/>
-            <a:tailEnd len="med" w="med" type="none"/>
+            <a:headEnd type="none" w="med" len="med"/>
+            <a:tailEnd type="none" w="med" len="med"/>
           </a:ln>
         </p:spPr>
       </p:sp>
       <p:sp>
         <p:nvSpPr>
           <p:cNvPr id="139" name="Shape 139"/>
-          <p:cNvSpPr txBox="1"/>
+          <p:cNvSpPr txBox="1">
+            <a:spLocks noGrp="1"/>
+          </p:cNvSpPr>
           <p:nvPr>
-            <p:ph idx="1" type="body"/>
+            <p:ph type="body" idx="1"/>
           </p:nvPr>
         </p:nvSpPr>
         <p:spPr>
@@ -992,7 +1169,7 @@
           </a:prstGeom>
         </p:spPr>
         <p:txBody>
-          <a:bodyPr anchorCtr="0" anchor="t" bIns="91425" lIns="91425" rIns="91425" tIns="91425">
+          <a:bodyPr lIns="91425" tIns="91425" rIns="91425" bIns="91425" anchor="t" anchorCtr="0">
             <a:noAutofit/>
           </a:bodyPr>
           <a:lstStyle/>
@@ -1003,14 +1180,16 @@
               </a:spcBef>
               <a:buNone/>
             </a:pPr>
-            <a:r>
-              <a:t/>
-            </a:r>
             <a:endParaRPr/>
           </a:p>
         </p:txBody>
       </p:sp>
     </p:spTree>
+    <p:extLst>
+      <p:ext uri="{BB962C8B-B14F-4D97-AF65-F5344CB8AC3E}">
+        <p14:creationId xmlns:p14="http://schemas.microsoft.com/office/powerpoint/2010/main" val="2553662848"/>
+      </p:ext>
+    </p:extLst>
   </p:cSld>
   <p:clrMapOvr>
     <a:masterClrMapping/>
@@ -1019,11 +1198,11 @@
 </file>
 
 <file path=ppt/notesSlides/notesSlide2.xml><?xml version="1.0" encoding="utf-8"?>
-<p:notes xmlns:a="http://schemas.openxmlformats.org/drawingml/2006/main" xmlns:r="http://schemas.openxmlformats.org/officeDocument/2006/relationships" xmlns:mc="http://schemas.openxmlformats.org/markup-compatibility/2006" xmlns:mv="urn:schemas-microsoft-com:mac:vml" xmlns:p="http://schemas.openxmlformats.org/presentationml/2006/main" xmlns:c="http://schemas.openxmlformats.org/drawingml/2006/chart" xmlns:dgm="http://schemas.openxmlformats.org/drawingml/2006/diagram" xmlns:o="urn:schemas-microsoft-com:office:office" xmlns:v="urn:schemas-microsoft-com:vml" xmlns:pvml="urn:schemas-microsoft-com:office:powerpoint" xmlns:com="http://schemas.openxmlformats.org/drawingml/2006/compatibility" xmlns:p14="http://schemas.microsoft.com/office/powerpoint/2010/main" showMasterPhAnim="0" showMasterSp="0">
+<p:notes xmlns:a="http://schemas.openxmlformats.org/drawingml/2006/main" xmlns:r="http://schemas.openxmlformats.org/officeDocument/2006/relationships" xmlns:p="http://schemas.openxmlformats.org/presentationml/2006/main" showMasterSp="0" showMasterPhAnim="0">
   <p:cSld>
     <p:spTree>
       <p:nvGrpSpPr>
-        <p:cNvPr id="41" name="Shape 41"/>
+        <p:cNvPr id="1" name="Shape 41"/>
         <p:cNvGrpSpPr/>
         <p:nvPr/>
       </p:nvGrpSpPr>
@@ -1038,19 +1217,26 @@
       <p:sp>
         <p:nvSpPr>
           <p:cNvPr id="42" name="Shape 42"/>
-          <p:cNvSpPr/>
+          <p:cNvSpPr>
+            <a:spLocks noGrp="1" noRot="1" noChangeAspect="1"/>
+          </p:cNvSpPr>
           <p:nvPr>
-            <p:ph idx="2" type="sldImg"/>
+            <p:ph type="sldImg" idx="2"/>
           </p:nvPr>
         </p:nvSpPr>
         <p:spPr>
           <a:xfrm>
-            <a:off x="381187" y="685800"/>
-            <a:ext cx="6096299" cy="3429000"/>
+            <a:off x="381000" y="685800"/>
+            <a:ext cx="6096000" cy="3429000"/>
           </a:xfrm>
           <a:custGeom>
+            <a:avLst/>
+            <a:gdLst/>
+            <a:ahLst/>
+            <a:cxnLst/>
+            <a:rect l="0" t="0" r="0" b="0"/>
             <a:pathLst>
-              <a:path extrusionOk="0" h="120000" w="120000">
+              <a:path w="120000" h="120000" extrusionOk="0">
                 <a:moveTo>
                   <a:pt x="0" y="0"/>
                 </a:moveTo>
@@ -1068,23 +1254,25 @@
             </a:pathLst>
           </a:custGeom>
           <a:noFill/>
-          <a:ln cap="flat" cmpd="sng" w="9525">
+          <a:ln w="9525" cap="flat" cmpd="sng">
             <a:solidFill>
               <a:srgbClr val="000000"/>
             </a:solidFill>
             <a:prstDash val="solid"/>
             <a:round/>
-            <a:headEnd len="med" w="med" type="none"/>
-            <a:tailEnd len="med" w="med" type="none"/>
+            <a:headEnd type="none" w="med" len="med"/>
+            <a:tailEnd type="none" w="med" len="med"/>
           </a:ln>
         </p:spPr>
       </p:sp>
       <p:sp>
         <p:nvSpPr>
           <p:cNvPr id="43" name="Shape 43"/>
-          <p:cNvSpPr txBox="1"/>
+          <p:cNvSpPr txBox="1">
+            <a:spLocks noGrp="1"/>
+          </p:cNvSpPr>
           <p:nvPr>
-            <p:ph idx="1" type="body"/>
+            <p:ph type="body" idx="1"/>
           </p:nvPr>
         </p:nvSpPr>
         <p:spPr>
@@ -1097,7 +1285,7 @@
           </a:prstGeom>
         </p:spPr>
         <p:txBody>
-          <a:bodyPr anchorCtr="0" anchor="t" bIns="91425" lIns="91425" rIns="91425" tIns="91425">
+          <a:bodyPr lIns="91425" tIns="91425" rIns="91425" bIns="91425" anchor="t" anchorCtr="0">
             <a:noAutofit/>
           </a:bodyPr>
           <a:lstStyle/>
@@ -1108,14 +1296,16 @@
               </a:spcBef>
               <a:buNone/>
             </a:pPr>
-            <a:r>
-              <a:t/>
-            </a:r>
             <a:endParaRPr/>
           </a:p>
         </p:txBody>
       </p:sp>
     </p:spTree>
+    <p:extLst>
+      <p:ext uri="{BB962C8B-B14F-4D97-AF65-F5344CB8AC3E}">
+        <p14:creationId xmlns:p14="http://schemas.microsoft.com/office/powerpoint/2010/main" val="588774608"/>
+      </p:ext>
+    </p:extLst>
   </p:cSld>
   <p:clrMapOvr>
     <a:masterClrMapping/>
@@ -1124,11 +1314,11 @@
 </file>
 
 <file path=ppt/notesSlides/notesSlide3.xml><?xml version="1.0" encoding="utf-8"?>
-<p:notes xmlns:a="http://schemas.openxmlformats.org/drawingml/2006/main" xmlns:r="http://schemas.openxmlformats.org/officeDocument/2006/relationships" xmlns:mc="http://schemas.openxmlformats.org/markup-compatibility/2006" xmlns:mv="urn:schemas-microsoft-com:mac:vml" xmlns:p="http://schemas.openxmlformats.org/presentationml/2006/main" xmlns:c="http://schemas.openxmlformats.org/drawingml/2006/chart" xmlns:dgm="http://schemas.openxmlformats.org/drawingml/2006/diagram" xmlns:o="urn:schemas-microsoft-com:office:office" xmlns:v="urn:schemas-microsoft-com:vml" xmlns:pvml="urn:schemas-microsoft-com:office:powerpoint" xmlns:com="http://schemas.openxmlformats.org/drawingml/2006/compatibility" xmlns:p14="http://schemas.microsoft.com/office/powerpoint/2010/main" showMasterPhAnim="0" showMasterSp="0">
+<p:notes xmlns:a="http://schemas.openxmlformats.org/drawingml/2006/main" xmlns:r="http://schemas.openxmlformats.org/officeDocument/2006/relationships" xmlns:p="http://schemas.openxmlformats.org/presentationml/2006/main" showMasterSp="0" showMasterPhAnim="0">
   <p:cSld>
     <p:spTree>
       <p:nvGrpSpPr>
-        <p:cNvPr id="48" name="Shape 48"/>
+        <p:cNvPr id="1" name="Shape 48"/>
         <p:cNvGrpSpPr/>
         <p:nvPr/>
       </p:nvGrpSpPr>
@@ -1143,19 +1333,26 @@
       <p:sp>
         <p:nvSpPr>
           <p:cNvPr id="49" name="Shape 49"/>
-          <p:cNvSpPr/>
+          <p:cNvSpPr>
+            <a:spLocks noGrp="1" noRot="1" noChangeAspect="1"/>
+          </p:cNvSpPr>
           <p:nvPr>
-            <p:ph idx="2" type="sldImg"/>
+            <p:ph type="sldImg" idx="2"/>
           </p:nvPr>
         </p:nvSpPr>
         <p:spPr>
           <a:xfrm>
-            <a:off x="381187" y="685800"/>
-            <a:ext cx="6096299" cy="3429000"/>
+            <a:off x="381000" y="685800"/>
+            <a:ext cx="6096000" cy="3429000"/>
           </a:xfrm>
           <a:custGeom>
+            <a:avLst/>
+            <a:gdLst/>
+            <a:ahLst/>
+            <a:cxnLst/>
+            <a:rect l="0" t="0" r="0" b="0"/>
             <a:pathLst>
-              <a:path extrusionOk="0" h="120000" w="120000">
+              <a:path w="120000" h="120000" extrusionOk="0">
                 <a:moveTo>
                   <a:pt x="0" y="0"/>
                 </a:moveTo>
@@ -1173,23 +1370,25 @@
             </a:pathLst>
           </a:custGeom>
           <a:noFill/>
-          <a:ln cap="flat" cmpd="sng" w="9525">
+          <a:ln w="9525" cap="flat" cmpd="sng">
             <a:solidFill>
               <a:srgbClr val="000000"/>
             </a:solidFill>
             <a:prstDash val="solid"/>
             <a:round/>
-            <a:headEnd len="med" w="med" type="none"/>
-            <a:tailEnd len="med" w="med" type="none"/>
+            <a:headEnd type="none" w="med" len="med"/>
+            <a:tailEnd type="none" w="med" len="med"/>
           </a:ln>
         </p:spPr>
       </p:sp>
       <p:sp>
         <p:nvSpPr>
           <p:cNvPr id="50" name="Shape 50"/>
-          <p:cNvSpPr txBox="1"/>
+          <p:cNvSpPr txBox="1">
+            <a:spLocks noGrp="1"/>
+          </p:cNvSpPr>
           <p:nvPr>
-            <p:ph idx="1" type="body"/>
+            <p:ph type="body" idx="1"/>
           </p:nvPr>
         </p:nvSpPr>
         <p:spPr>
@@ -1202,7 +1401,7 @@
           </a:prstGeom>
         </p:spPr>
         <p:txBody>
-          <a:bodyPr anchorCtr="0" anchor="t" bIns="91425" lIns="91425" rIns="91425" tIns="91425">
+          <a:bodyPr lIns="91425" tIns="91425" rIns="91425" bIns="91425" anchor="t" anchorCtr="0">
             <a:noAutofit/>
           </a:bodyPr>
           <a:lstStyle/>
@@ -1214,13 +1413,124 @@
               <a:buNone/>
             </a:pPr>
             <a:r>
-              <a:t/>
+              <a:rPr lang="en-US" dirty="0" smtClean="0"/>
+              <a:t>The </a:t>
             </a:r>
-            <a:endParaRPr/>
+            <a:r>
+              <a:rPr lang="en-US" dirty="0" err="1" smtClean="0"/>
+              <a:t>Brenizer</a:t>
+            </a:r>
+            <a:r>
+              <a:rPr lang="en-US" dirty="0" smtClean="0"/>
+              <a:t> Method (or </a:t>
+            </a:r>
+            <a:r>
+              <a:rPr lang="en-US" dirty="0" err="1" smtClean="0"/>
+              <a:t>Bokeh</a:t>
+            </a:r>
+            <a:r>
+              <a:rPr lang="en-US" dirty="0" smtClean="0"/>
+              <a:t> panorama) is a photographic technique, which utilizes panoramic stitching to create a stunning portrait with a shallow depth of field and wide angle of view. It is typically accomplished by locking manual camera settings such as white balance, ISO, aperture, shutter speed, and focus to maintain a uniform exposure. There are several online tutorials, which demonstrate how to achieve the effect by using fast lenses and expensive software. Unfortunately, I have neither of these... So, for my final project, I will attempt to recreate the </a:t>
+            </a:r>
+            <a:r>
+              <a:rPr lang="en-US" dirty="0" err="1" smtClean="0"/>
+              <a:t>Brenizer</a:t>
+            </a:r>
+            <a:r>
+              <a:rPr lang="en-US" dirty="0" smtClean="0"/>
+              <a:t> Method effect using computational methods. </a:t>
+            </a:r>
+            <a:r>
+              <a:rPr lang="en-US" smtClean="0"/>
+              <a:t>I believe I can leverage techniques learned in the panorama and image blending assignments, and perhaps look for advanced open source software for generating panoramas which are not left-to-right.</a:t>
+            </a:r>
+          </a:p>
+          <a:p>
+            <a:pPr>
+              <a:spcBef>
+                <a:spcPts val="0"/>
+              </a:spcBef>
+              <a:buNone/>
+            </a:pPr>
+            <a:endParaRPr lang="en-US" dirty="0" smtClean="0"/>
+          </a:p>
+          <a:p>
+            <a:pPr>
+              <a:spcBef>
+                <a:spcPts val="0"/>
+              </a:spcBef>
+              <a:buNone/>
+            </a:pPr>
+            <a:r>
+              <a:rPr lang="en-US" dirty="0" smtClean="0"/>
+              <a:t>https://en.wikipedia.org/wiki/Brenizer_Method</a:t>
+            </a:r>
+          </a:p>
+          <a:p>
+            <a:pPr>
+              <a:spcBef>
+                <a:spcPts val="0"/>
+              </a:spcBef>
+              <a:buNone/>
+            </a:pPr>
+            <a:r>
+              <a:rPr lang="en-US" dirty="0" smtClean="0"/>
+              <a:t>http://ryanbrenizer.com/category/brenizer-method/</a:t>
+            </a:r>
+          </a:p>
+          <a:p>
+            <a:pPr>
+              <a:spcBef>
+                <a:spcPts val="0"/>
+              </a:spcBef>
+              <a:buNone/>
+            </a:pPr>
+            <a:r>
+              <a:rPr lang="en-US" dirty="0" smtClean="0"/>
+              <a:t>https://www.flickr.com/groups/brenizermethod/</a:t>
+            </a:r>
+          </a:p>
+          <a:p>
+            <a:pPr>
+              <a:spcBef>
+                <a:spcPts val="0"/>
+              </a:spcBef>
+              <a:buNone/>
+            </a:pPr>
+            <a:r>
+              <a:rPr lang="en-US" dirty="0" smtClean="0"/>
+              <a:t>https://fstoppers.com/post-production/brenizer-effect-fantastic-examples-5696</a:t>
+            </a:r>
+          </a:p>
+          <a:p>
+            <a:pPr>
+              <a:spcBef>
+                <a:spcPts val="0"/>
+              </a:spcBef>
+              <a:buNone/>
+            </a:pPr>
+            <a:r>
+              <a:rPr lang="en-US" dirty="0" smtClean="0"/>
+              <a:t>https://fstoppers.com/pictures/pics-sam-hurds-epic-portraits-2783</a:t>
+            </a:r>
+          </a:p>
+          <a:p>
+            <a:pPr>
+              <a:spcBef>
+                <a:spcPts val="0"/>
+              </a:spcBef>
+              <a:buNone/>
+            </a:pPr>
+            <a:endParaRPr dirty="0"/>
           </a:p>
         </p:txBody>
       </p:sp>
     </p:spTree>
+    <p:extLst>
+      <p:ext uri="{BB962C8B-B14F-4D97-AF65-F5344CB8AC3E}">
+        <p14:creationId xmlns:p14="http://schemas.microsoft.com/office/powerpoint/2010/main" val="4042632902"/>
+      </p:ext>
+    </p:extLst>
   </p:cSld>
   <p:clrMapOvr>
     <a:masterClrMapping/>
@@ -1229,11 +1539,11 @@
 </file>
 
 <file path=ppt/notesSlides/notesSlide4.xml><?xml version="1.0" encoding="utf-8"?>
-<p:notes xmlns:a="http://schemas.openxmlformats.org/drawingml/2006/main" xmlns:r="http://schemas.openxmlformats.org/officeDocument/2006/relationships" xmlns:mc="http://schemas.openxmlformats.org/markup-compatibility/2006" xmlns:mv="urn:schemas-microsoft-com:mac:vml" xmlns:p="http://schemas.openxmlformats.org/presentationml/2006/main" xmlns:c="http://schemas.openxmlformats.org/drawingml/2006/chart" xmlns:dgm="http://schemas.openxmlformats.org/drawingml/2006/diagram" xmlns:o="urn:schemas-microsoft-com:office:office" xmlns:v="urn:schemas-microsoft-com:vml" xmlns:pvml="urn:schemas-microsoft-com:office:powerpoint" xmlns:com="http://schemas.openxmlformats.org/drawingml/2006/compatibility" xmlns:p14="http://schemas.microsoft.com/office/powerpoint/2010/main" showMasterPhAnim="0" showMasterSp="0">
+<p:notes xmlns:a="http://schemas.openxmlformats.org/drawingml/2006/main" xmlns:r="http://schemas.openxmlformats.org/officeDocument/2006/relationships" xmlns:p="http://schemas.openxmlformats.org/presentationml/2006/main" showMasterSp="0" showMasterPhAnim="0">
   <p:cSld>
     <p:spTree>
       <p:nvGrpSpPr>
-        <p:cNvPr id="58" name="Shape 58"/>
+        <p:cNvPr id="1" name="Shape 58"/>
         <p:cNvGrpSpPr/>
         <p:nvPr/>
       </p:nvGrpSpPr>
@@ -1248,19 +1558,26 @@
       <p:sp>
         <p:nvSpPr>
           <p:cNvPr id="59" name="Shape 59"/>
-          <p:cNvSpPr/>
+          <p:cNvSpPr>
+            <a:spLocks noGrp="1" noRot="1" noChangeAspect="1"/>
+          </p:cNvSpPr>
           <p:nvPr>
-            <p:ph idx="2" type="sldImg"/>
+            <p:ph type="sldImg" idx="2"/>
           </p:nvPr>
         </p:nvSpPr>
         <p:spPr>
           <a:xfrm>
-            <a:off x="381187" y="685800"/>
-            <a:ext cx="6096299" cy="3429000"/>
+            <a:off x="381000" y="685800"/>
+            <a:ext cx="6096000" cy="3429000"/>
           </a:xfrm>
           <a:custGeom>
+            <a:avLst/>
+            <a:gdLst/>
+            <a:ahLst/>
+            <a:cxnLst/>
+            <a:rect l="0" t="0" r="0" b="0"/>
             <a:pathLst>
-              <a:path extrusionOk="0" h="120000" w="120000">
+              <a:path w="120000" h="120000" extrusionOk="0">
                 <a:moveTo>
                   <a:pt x="0" y="0"/>
                 </a:moveTo>
@@ -1278,23 +1595,25 @@
             </a:pathLst>
           </a:custGeom>
           <a:noFill/>
-          <a:ln cap="flat" cmpd="sng" w="9525">
+          <a:ln w="9525" cap="flat" cmpd="sng">
             <a:solidFill>
               <a:srgbClr val="000000"/>
             </a:solidFill>
             <a:prstDash val="solid"/>
             <a:round/>
-            <a:headEnd len="med" w="med" type="none"/>
-            <a:tailEnd len="med" w="med" type="none"/>
+            <a:headEnd type="none" w="med" len="med"/>
+            <a:tailEnd type="none" w="med" len="med"/>
           </a:ln>
         </p:spPr>
       </p:sp>
       <p:sp>
         <p:nvSpPr>
           <p:cNvPr id="60" name="Shape 60"/>
-          <p:cNvSpPr txBox="1"/>
+          <p:cNvSpPr txBox="1">
+            <a:spLocks noGrp="1"/>
+          </p:cNvSpPr>
           <p:nvPr>
-            <p:ph idx="1" type="body"/>
+            <p:ph type="body" idx="1"/>
           </p:nvPr>
         </p:nvSpPr>
         <p:spPr>
@@ -1307,7 +1626,7 @@
           </a:prstGeom>
         </p:spPr>
         <p:txBody>
-          <a:bodyPr anchorCtr="0" anchor="t" bIns="91425" lIns="91425" rIns="91425" tIns="91425">
+          <a:bodyPr lIns="91425" tIns="91425" rIns="91425" bIns="91425" anchor="t" anchorCtr="0">
             <a:noAutofit/>
           </a:bodyPr>
           <a:lstStyle/>
@@ -1318,14 +1637,16 @@
               </a:spcBef>
               <a:buNone/>
             </a:pPr>
-            <a:r>
-              <a:t/>
-            </a:r>
             <a:endParaRPr/>
           </a:p>
         </p:txBody>
       </p:sp>
     </p:spTree>
+    <p:extLst>
+      <p:ext uri="{BB962C8B-B14F-4D97-AF65-F5344CB8AC3E}">
+        <p14:creationId xmlns:p14="http://schemas.microsoft.com/office/powerpoint/2010/main" val="1706566808"/>
+      </p:ext>
+    </p:extLst>
   </p:cSld>
   <p:clrMapOvr>
     <a:masterClrMapping/>
@@ -1334,11 +1655,11 @@
 </file>
 
 <file path=ppt/notesSlides/notesSlide5.xml><?xml version="1.0" encoding="utf-8"?>
-<p:notes xmlns:a="http://schemas.openxmlformats.org/drawingml/2006/main" xmlns:r="http://schemas.openxmlformats.org/officeDocument/2006/relationships" xmlns:mc="http://schemas.openxmlformats.org/markup-compatibility/2006" xmlns:mv="urn:schemas-microsoft-com:mac:vml" xmlns:p="http://schemas.openxmlformats.org/presentationml/2006/main" xmlns:c="http://schemas.openxmlformats.org/drawingml/2006/chart" xmlns:dgm="http://schemas.openxmlformats.org/drawingml/2006/diagram" xmlns:o="urn:schemas-microsoft-com:office:office" xmlns:v="urn:schemas-microsoft-com:vml" xmlns:pvml="urn:schemas-microsoft-com:office:powerpoint" xmlns:com="http://schemas.openxmlformats.org/drawingml/2006/compatibility" xmlns:p14="http://schemas.microsoft.com/office/powerpoint/2010/main" showMasterPhAnim="0" showMasterSp="0">
+<p:notes xmlns:a="http://schemas.openxmlformats.org/drawingml/2006/main" xmlns:r="http://schemas.openxmlformats.org/officeDocument/2006/relationships" xmlns:p="http://schemas.openxmlformats.org/presentationml/2006/main" showMasterSp="0" showMasterPhAnim="0">
   <p:cSld>
     <p:spTree>
       <p:nvGrpSpPr>
-        <p:cNvPr id="74" name="Shape 74"/>
+        <p:cNvPr id="1" name="Shape 74"/>
         <p:cNvGrpSpPr/>
         <p:nvPr/>
       </p:nvGrpSpPr>
@@ -1353,19 +1674,26 @@
       <p:sp>
         <p:nvSpPr>
           <p:cNvPr id="75" name="Shape 75"/>
-          <p:cNvSpPr/>
+          <p:cNvSpPr>
+            <a:spLocks noGrp="1" noRot="1" noChangeAspect="1"/>
+          </p:cNvSpPr>
           <p:nvPr>
-            <p:ph idx="2" type="sldImg"/>
+            <p:ph type="sldImg" idx="2"/>
           </p:nvPr>
         </p:nvSpPr>
         <p:spPr>
           <a:xfrm>
-            <a:off x="381187" y="685800"/>
-            <a:ext cx="6096299" cy="3429000"/>
+            <a:off x="381000" y="685800"/>
+            <a:ext cx="6096000" cy="3429000"/>
           </a:xfrm>
           <a:custGeom>
+            <a:avLst/>
+            <a:gdLst/>
+            <a:ahLst/>
+            <a:cxnLst/>
+            <a:rect l="0" t="0" r="0" b="0"/>
             <a:pathLst>
-              <a:path extrusionOk="0" h="120000" w="120000">
+              <a:path w="120000" h="120000" extrusionOk="0">
                 <a:moveTo>
                   <a:pt x="0" y="0"/>
                 </a:moveTo>
@@ -1383,23 +1711,25 @@
             </a:pathLst>
           </a:custGeom>
           <a:noFill/>
-          <a:ln cap="flat" cmpd="sng" w="9525">
+          <a:ln w="9525" cap="flat" cmpd="sng">
             <a:solidFill>
               <a:srgbClr val="000000"/>
             </a:solidFill>
             <a:prstDash val="solid"/>
             <a:round/>
-            <a:headEnd len="med" w="med" type="none"/>
-            <a:tailEnd len="med" w="med" type="none"/>
+            <a:headEnd type="none" w="med" len="med"/>
+            <a:tailEnd type="none" w="med" len="med"/>
           </a:ln>
         </p:spPr>
       </p:sp>
       <p:sp>
         <p:nvSpPr>
           <p:cNvPr id="76" name="Shape 76"/>
-          <p:cNvSpPr txBox="1"/>
+          <p:cNvSpPr txBox="1">
+            <a:spLocks noGrp="1"/>
+          </p:cNvSpPr>
           <p:nvPr>
-            <p:ph idx="1" type="body"/>
+            <p:ph type="body" idx="1"/>
           </p:nvPr>
         </p:nvSpPr>
         <p:spPr>
@@ -1412,7 +1742,7 @@
           </a:prstGeom>
         </p:spPr>
         <p:txBody>
-          <a:bodyPr anchorCtr="0" anchor="t" bIns="91425" lIns="91425" rIns="91425" tIns="91425">
+          <a:bodyPr lIns="91425" tIns="91425" rIns="91425" bIns="91425" anchor="t" anchorCtr="0">
             <a:noAutofit/>
           </a:bodyPr>
           <a:lstStyle/>
@@ -1423,14 +1753,16 @@
               </a:spcBef>
               <a:buNone/>
             </a:pPr>
-            <a:r>
-              <a:t/>
-            </a:r>
             <a:endParaRPr/>
           </a:p>
         </p:txBody>
       </p:sp>
     </p:spTree>
+    <p:extLst>
+      <p:ext uri="{BB962C8B-B14F-4D97-AF65-F5344CB8AC3E}">
+        <p14:creationId xmlns:p14="http://schemas.microsoft.com/office/powerpoint/2010/main" val="820627526"/>
+      </p:ext>
+    </p:extLst>
   </p:cSld>
   <p:clrMapOvr>
     <a:masterClrMapping/>
@@ -1439,11 +1771,11 @@
 </file>
 
 <file path=ppt/notesSlides/notesSlide6.xml><?xml version="1.0" encoding="utf-8"?>
-<p:notes xmlns:a="http://schemas.openxmlformats.org/drawingml/2006/main" xmlns:r="http://schemas.openxmlformats.org/officeDocument/2006/relationships" xmlns:mc="http://schemas.openxmlformats.org/markup-compatibility/2006" xmlns:mv="urn:schemas-microsoft-com:mac:vml" xmlns:p="http://schemas.openxmlformats.org/presentationml/2006/main" xmlns:c="http://schemas.openxmlformats.org/drawingml/2006/chart" xmlns:dgm="http://schemas.openxmlformats.org/drawingml/2006/diagram" xmlns:o="urn:schemas-microsoft-com:office:office" xmlns:v="urn:schemas-microsoft-com:vml" xmlns:pvml="urn:schemas-microsoft-com:office:powerpoint" xmlns:com="http://schemas.openxmlformats.org/drawingml/2006/compatibility" xmlns:p14="http://schemas.microsoft.com/office/powerpoint/2010/main" showMasterPhAnim="0" showMasterSp="0">
+<p:notes xmlns:a="http://schemas.openxmlformats.org/drawingml/2006/main" xmlns:r="http://schemas.openxmlformats.org/officeDocument/2006/relationships" xmlns:p="http://schemas.openxmlformats.org/presentationml/2006/main" showMasterSp="0" showMasterPhAnim="0">
   <p:cSld>
     <p:spTree>
       <p:nvGrpSpPr>
-        <p:cNvPr id="81" name="Shape 81"/>
+        <p:cNvPr id="1" name="Shape 81"/>
         <p:cNvGrpSpPr/>
         <p:nvPr/>
       </p:nvGrpSpPr>
@@ -1458,19 +1790,26 @@
       <p:sp>
         <p:nvSpPr>
           <p:cNvPr id="82" name="Shape 82"/>
-          <p:cNvSpPr/>
+          <p:cNvSpPr>
+            <a:spLocks noGrp="1" noRot="1" noChangeAspect="1"/>
+          </p:cNvSpPr>
           <p:nvPr>
-            <p:ph idx="2" type="sldImg"/>
+            <p:ph type="sldImg" idx="2"/>
           </p:nvPr>
         </p:nvSpPr>
         <p:spPr>
           <a:xfrm>
-            <a:off x="381187" y="685800"/>
-            <a:ext cx="6096299" cy="3429000"/>
+            <a:off x="381000" y="685800"/>
+            <a:ext cx="6096000" cy="3429000"/>
           </a:xfrm>
           <a:custGeom>
+            <a:avLst/>
+            <a:gdLst/>
+            <a:ahLst/>
+            <a:cxnLst/>
+            <a:rect l="0" t="0" r="0" b="0"/>
             <a:pathLst>
-              <a:path extrusionOk="0" h="120000" w="120000">
+              <a:path w="120000" h="120000" extrusionOk="0">
                 <a:moveTo>
                   <a:pt x="0" y="0"/>
                 </a:moveTo>
@@ -1488,23 +1827,25 @@
             </a:pathLst>
           </a:custGeom>
           <a:noFill/>
-          <a:ln cap="flat" cmpd="sng" w="9525">
+          <a:ln w="9525" cap="flat" cmpd="sng">
             <a:solidFill>
               <a:srgbClr val="000000"/>
             </a:solidFill>
             <a:prstDash val="solid"/>
             <a:round/>
-            <a:headEnd len="med" w="med" type="none"/>
-            <a:tailEnd len="med" w="med" type="none"/>
+            <a:headEnd type="none" w="med" len="med"/>
+            <a:tailEnd type="none" w="med" len="med"/>
           </a:ln>
         </p:spPr>
       </p:sp>
       <p:sp>
         <p:nvSpPr>
           <p:cNvPr id="83" name="Shape 83"/>
-          <p:cNvSpPr txBox="1"/>
+          <p:cNvSpPr txBox="1">
+            <a:spLocks noGrp="1"/>
+          </p:cNvSpPr>
           <p:nvPr>
-            <p:ph idx="1" type="body"/>
+            <p:ph type="body" idx="1"/>
           </p:nvPr>
         </p:nvSpPr>
         <p:spPr>
@@ -1517,7 +1858,7 @@
           </a:prstGeom>
         </p:spPr>
         <p:txBody>
-          <a:bodyPr anchorCtr="0" anchor="t" bIns="91425" lIns="91425" rIns="91425" tIns="91425">
+          <a:bodyPr lIns="91425" tIns="91425" rIns="91425" bIns="91425" anchor="t" anchorCtr="0">
             <a:noAutofit/>
           </a:bodyPr>
           <a:lstStyle/>
@@ -1528,14 +1869,16 @@
               </a:spcBef>
               <a:buNone/>
             </a:pPr>
-            <a:r>
-              <a:t/>
-            </a:r>
             <a:endParaRPr/>
           </a:p>
         </p:txBody>
       </p:sp>
     </p:spTree>
+    <p:extLst>
+      <p:ext uri="{BB962C8B-B14F-4D97-AF65-F5344CB8AC3E}">
+        <p14:creationId xmlns:p14="http://schemas.microsoft.com/office/powerpoint/2010/main" val="2584506556"/>
+      </p:ext>
+    </p:extLst>
   </p:cSld>
   <p:clrMapOvr>
     <a:masterClrMapping/>
@@ -1544,11 +1887,11 @@
 </file>
 
 <file path=ppt/notesSlides/notesSlide7.xml><?xml version="1.0" encoding="utf-8"?>
-<p:notes xmlns:a="http://schemas.openxmlformats.org/drawingml/2006/main" xmlns:r="http://schemas.openxmlformats.org/officeDocument/2006/relationships" xmlns:mc="http://schemas.openxmlformats.org/markup-compatibility/2006" xmlns:mv="urn:schemas-microsoft-com:mac:vml" xmlns:p="http://schemas.openxmlformats.org/presentationml/2006/main" xmlns:c="http://schemas.openxmlformats.org/drawingml/2006/chart" xmlns:dgm="http://schemas.openxmlformats.org/drawingml/2006/diagram" xmlns:o="urn:schemas-microsoft-com:office:office" xmlns:v="urn:schemas-microsoft-com:vml" xmlns:pvml="urn:schemas-microsoft-com:office:powerpoint" xmlns:com="http://schemas.openxmlformats.org/drawingml/2006/compatibility" xmlns:p14="http://schemas.microsoft.com/office/powerpoint/2010/main" showMasterPhAnim="0" showMasterSp="0">
+<p:notes xmlns:a="http://schemas.openxmlformats.org/drawingml/2006/main" xmlns:r="http://schemas.openxmlformats.org/officeDocument/2006/relationships" xmlns:p="http://schemas.openxmlformats.org/presentationml/2006/main" showMasterSp="0" showMasterPhAnim="0">
   <p:cSld>
     <p:spTree>
       <p:nvGrpSpPr>
-        <p:cNvPr id="88" name="Shape 88"/>
+        <p:cNvPr id="1" name="Shape 88"/>
         <p:cNvGrpSpPr/>
         <p:nvPr/>
       </p:nvGrpSpPr>
@@ -1563,19 +1906,26 @@
       <p:sp>
         <p:nvSpPr>
           <p:cNvPr id="89" name="Shape 89"/>
-          <p:cNvSpPr/>
+          <p:cNvSpPr>
+            <a:spLocks noGrp="1" noRot="1" noChangeAspect="1"/>
+          </p:cNvSpPr>
           <p:nvPr>
-            <p:ph idx="2" type="sldImg"/>
+            <p:ph type="sldImg" idx="2"/>
           </p:nvPr>
         </p:nvSpPr>
         <p:spPr>
           <a:xfrm>
-            <a:off x="381187" y="685800"/>
-            <a:ext cx="6096299" cy="3429000"/>
+            <a:off x="381000" y="685800"/>
+            <a:ext cx="6096000" cy="3429000"/>
           </a:xfrm>
           <a:custGeom>
+            <a:avLst/>
+            <a:gdLst/>
+            <a:ahLst/>
+            <a:cxnLst/>
+            <a:rect l="0" t="0" r="0" b="0"/>
             <a:pathLst>
-              <a:path extrusionOk="0" h="120000" w="120000">
+              <a:path w="120000" h="120000" extrusionOk="0">
                 <a:moveTo>
                   <a:pt x="0" y="0"/>
                 </a:moveTo>
@@ -1593,23 +1943,25 @@
             </a:pathLst>
           </a:custGeom>
           <a:noFill/>
-          <a:ln cap="flat" cmpd="sng" w="9525">
+          <a:ln w="9525" cap="flat" cmpd="sng">
             <a:solidFill>
               <a:srgbClr val="000000"/>
             </a:solidFill>
             <a:prstDash val="solid"/>
             <a:round/>
-            <a:headEnd len="med" w="med" type="none"/>
-            <a:tailEnd len="med" w="med" type="none"/>
+            <a:headEnd type="none" w="med" len="med"/>
+            <a:tailEnd type="none" w="med" len="med"/>
           </a:ln>
         </p:spPr>
       </p:sp>
       <p:sp>
         <p:nvSpPr>
           <p:cNvPr id="90" name="Shape 90"/>
-          <p:cNvSpPr txBox="1"/>
+          <p:cNvSpPr txBox="1">
+            <a:spLocks noGrp="1"/>
+          </p:cNvSpPr>
           <p:nvPr>
-            <p:ph idx="1" type="body"/>
+            <p:ph type="body" idx="1"/>
           </p:nvPr>
         </p:nvSpPr>
         <p:spPr>
@@ -1622,7 +1974,7 @@
           </a:prstGeom>
         </p:spPr>
         <p:txBody>
-          <a:bodyPr anchorCtr="0" anchor="t" bIns="91425" lIns="91425" rIns="91425" tIns="91425">
+          <a:bodyPr lIns="91425" tIns="91425" rIns="91425" bIns="91425" anchor="t" anchorCtr="0">
             <a:noAutofit/>
           </a:bodyPr>
           <a:lstStyle/>
@@ -1633,14 +1985,16 @@
               </a:spcBef>
               <a:buNone/>
             </a:pPr>
-            <a:r>
-              <a:t/>
-            </a:r>
             <a:endParaRPr/>
           </a:p>
         </p:txBody>
       </p:sp>
     </p:spTree>
+    <p:extLst>
+      <p:ext uri="{BB962C8B-B14F-4D97-AF65-F5344CB8AC3E}">
+        <p14:creationId xmlns:p14="http://schemas.microsoft.com/office/powerpoint/2010/main" val="1569697601"/>
+      </p:ext>
+    </p:extLst>
   </p:cSld>
   <p:clrMapOvr>
     <a:masterClrMapping/>
@@ -1649,11 +2003,11 @@
 </file>
 
 <file path=ppt/notesSlides/notesSlide8.xml><?xml version="1.0" encoding="utf-8"?>
-<p:notes xmlns:a="http://schemas.openxmlformats.org/drawingml/2006/main" xmlns:r="http://schemas.openxmlformats.org/officeDocument/2006/relationships" xmlns:mc="http://schemas.openxmlformats.org/markup-compatibility/2006" xmlns:mv="urn:schemas-microsoft-com:mac:vml" xmlns:p="http://schemas.openxmlformats.org/presentationml/2006/main" xmlns:c="http://schemas.openxmlformats.org/drawingml/2006/chart" xmlns:dgm="http://schemas.openxmlformats.org/drawingml/2006/diagram" xmlns:o="urn:schemas-microsoft-com:office:office" xmlns:v="urn:schemas-microsoft-com:vml" xmlns:pvml="urn:schemas-microsoft-com:office:powerpoint" xmlns:com="http://schemas.openxmlformats.org/drawingml/2006/compatibility" xmlns:p14="http://schemas.microsoft.com/office/powerpoint/2010/main" showMasterPhAnim="0" showMasterSp="0">
+<p:notes xmlns:a="http://schemas.openxmlformats.org/drawingml/2006/main" xmlns:r="http://schemas.openxmlformats.org/officeDocument/2006/relationships" xmlns:p="http://schemas.openxmlformats.org/presentationml/2006/main" showMasterSp="0" showMasterPhAnim="0">
   <p:cSld>
     <p:spTree>
       <p:nvGrpSpPr>
-        <p:cNvPr id="95" name="Shape 95"/>
+        <p:cNvPr id="1" name="Shape 95"/>
         <p:cNvGrpSpPr/>
         <p:nvPr/>
       </p:nvGrpSpPr>
@@ -1668,19 +2022,26 @@
       <p:sp>
         <p:nvSpPr>
           <p:cNvPr id="96" name="Shape 96"/>
-          <p:cNvSpPr/>
+          <p:cNvSpPr>
+            <a:spLocks noGrp="1" noRot="1" noChangeAspect="1"/>
+          </p:cNvSpPr>
           <p:nvPr>
-            <p:ph idx="2" type="sldImg"/>
+            <p:ph type="sldImg" idx="2"/>
           </p:nvPr>
         </p:nvSpPr>
         <p:spPr>
           <a:xfrm>
-            <a:off x="381187" y="685800"/>
-            <a:ext cx="6096299" cy="3429000"/>
+            <a:off x="381000" y="685800"/>
+            <a:ext cx="6096000" cy="3429000"/>
           </a:xfrm>
           <a:custGeom>
+            <a:avLst/>
+            <a:gdLst/>
+            <a:ahLst/>
+            <a:cxnLst/>
+            <a:rect l="0" t="0" r="0" b="0"/>
             <a:pathLst>
-              <a:path extrusionOk="0" h="120000" w="120000">
+              <a:path w="120000" h="120000" extrusionOk="0">
                 <a:moveTo>
                   <a:pt x="0" y="0"/>
                 </a:moveTo>
@@ -1698,23 +2059,25 @@
             </a:pathLst>
           </a:custGeom>
           <a:noFill/>
-          <a:ln cap="flat" cmpd="sng" w="9525">
+          <a:ln w="9525" cap="flat" cmpd="sng">
             <a:solidFill>
               <a:srgbClr val="000000"/>
             </a:solidFill>
             <a:prstDash val="solid"/>
             <a:round/>
-            <a:headEnd len="med" w="med" type="none"/>
-            <a:tailEnd len="med" w="med" type="none"/>
+            <a:headEnd type="none" w="med" len="med"/>
+            <a:tailEnd type="none" w="med" len="med"/>
           </a:ln>
         </p:spPr>
       </p:sp>
       <p:sp>
         <p:nvSpPr>
           <p:cNvPr id="97" name="Shape 97"/>
-          <p:cNvSpPr txBox="1"/>
+          <p:cNvSpPr txBox="1">
+            <a:spLocks noGrp="1"/>
+          </p:cNvSpPr>
           <p:nvPr>
-            <p:ph idx="1" type="body"/>
+            <p:ph type="body" idx="1"/>
           </p:nvPr>
         </p:nvSpPr>
         <p:spPr>
@@ -1727,7 +2090,7 @@
           </a:prstGeom>
         </p:spPr>
         <p:txBody>
-          <a:bodyPr anchorCtr="0" anchor="t" bIns="91425" lIns="91425" rIns="91425" tIns="91425">
+          <a:bodyPr lIns="91425" tIns="91425" rIns="91425" bIns="91425" anchor="t" anchorCtr="0">
             <a:noAutofit/>
           </a:bodyPr>
           <a:lstStyle/>
@@ -1738,14 +2101,16 @@
               </a:spcBef>
               <a:buNone/>
             </a:pPr>
-            <a:r>
-              <a:t/>
-            </a:r>
             <a:endParaRPr/>
           </a:p>
         </p:txBody>
       </p:sp>
     </p:spTree>
+    <p:extLst>
+      <p:ext uri="{BB962C8B-B14F-4D97-AF65-F5344CB8AC3E}">
+        <p14:creationId xmlns:p14="http://schemas.microsoft.com/office/powerpoint/2010/main" val="1928899624"/>
+      </p:ext>
+    </p:extLst>
   </p:cSld>
   <p:clrMapOvr>
     <a:masterClrMapping/>
@@ -1754,11 +2119,11 @@
 </file>
 
 <file path=ppt/notesSlides/notesSlide9.xml><?xml version="1.0" encoding="utf-8"?>
-<p:notes xmlns:a="http://schemas.openxmlformats.org/drawingml/2006/main" xmlns:r="http://schemas.openxmlformats.org/officeDocument/2006/relationships" xmlns:mc="http://schemas.openxmlformats.org/markup-compatibility/2006" xmlns:mv="urn:schemas-microsoft-com:mac:vml" xmlns:p="http://schemas.openxmlformats.org/presentationml/2006/main" xmlns:c="http://schemas.openxmlformats.org/drawingml/2006/chart" xmlns:dgm="http://schemas.openxmlformats.org/drawingml/2006/diagram" xmlns:o="urn:schemas-microsoft-com:office:office" xmlns:v="urn:schemas-microsoft-com:vml" xmlns:pvml="urn:schemas-microsoft-com:office:powerpoint" xmlns:com="http://schemas.openxmlformats.org/drawingml/2006/compatibility" xmlns:p14="http://schemas.microsoft.com/office/powerpoint/2010/main" showMasterPhAnim="0" showMasterSp="0">
+<p:notes xmlns:a="http://schemas.openxmlformats.org/drawingml/2006/main" xmlns:r="http://schemas.openxmlformats.org/officeDocument/2006/relationships" xmlns:p="http://schemas.openxmlformats.org/presentationml/2006/main" showMasterSp="0" showMasterPhAnim="0">
   <p:cSld>
     <p:spTree>
       <p:nvGrpSpPr>
-        <p:cNvPr id="102" name="Shape 102"/>
+        <p:cNvPr id="1" name="Shape 102"/>
         <p:cNvGrpSpPr/>
         <p:nvPr/>
       </p:nvGrpSpPr>
@@ -1773,19 +2138,26 @@
       <p:sp>
         <p:nvSpPr>
           <p:cNvPr id="103" name="Shape 103"/>
-          <p:cNvSpPr/>
+          <p:cNvSpPr>
+            <a:spLocks noGrp="1" noRot="1" noChangeAspect="1"/>
+          </p:cNvSpPr>
           <p:nvPr>
-            <p:ph idx="2" type="sldImg"/>
+            <p:ph type="sldImg" idx="2"/>
           </p:nvPr>
         </p:nvSpPr>
         <p:spPr>
           <a:xfrm>
-            <a:off x="381187" y="685800"/>
-            <a:ext cx="6096299" cy="3429000"/>
+            <a:off x="381000" y="685800"/>
+            <a:ext cx="6096000" cy="3429000"/>
           </a:xfrm>
           <a:custGeom>
+            <a:avLst/>
+            <a:gdLst/>
+            <a:ahLst/>
+            <a:cxnLst/>
+            <a:rect l="0" t="0" r="0" b="0"/>
             <a:pathLst>
-              <a:path extrusionOk="0" h="120000" w="120000">
+              <a:path w="120000" h="120000" extrusionOk="0">
                 <a:moveTo>
                   <a:pt x="0" y="0"/>
                 </a:moveTo>
@@ -1803,23 +2175,25 @@
             </a:pathLst>
           </a:custGeom>
           <a:noFill/>
-          <a:ln cap="flat" cmpd="sng" w="9525">
+          <a:ln w="9525" cap="flat" cmpd="sng">
             <a:solidFill>
               <a:srgbClr val="000000"/>
             </a:solidFill>
             <a:prstDash val="solid"/>
             <a:round/>
-            <a:headEnd len="med" w="med" type="none"/>
-            <a:tailEnd len="med" w="med" type="none"/>
+            <a:headEnd type="none" w="med" len="med"/>
+            <a:tailEnd type="none" w="med" len="med"/>
           </a:ln>
         </p:spPr>
       </p:sp>
       <p:sp>
         <p:nvSpPr>
           <p:cNvPr id="104" name="Shape 104"/>
-          <p:cNvSpPr txBox="1"/>
+          <p:cNvSpPr txBox="1">
+            <a:spLocks noGrp="1"/>
+          </p:cNvSpPr>
           <p:nvPr>
-            <p:ph idx="1" type="body"/>
+            <p:ph type="body" idx="1"/>
           </p:nvPr>
         </p:nvSpPr>
         <p:spPr>
@@ -1832,7 +2206,7 @@
           </a:prstGeom>
         </p:spPr>
         <p:txBody>
-          <a:bodyPr anchorCtr="0" anchor="t" bIns="91425" lIns="91425" rIns="91425" tIns="91425">
+          <a:bodyPr lIns="91425" tIns="91425" rIns="91425" bIns="91425" anchor="t" anchorCtr="0">
             <a:noAutofit/>
           </a:bodyPr>
           <a:lstStyle/>
@@ -1843,14 +2217,16 @@
               </a:spcBef>
               <a:buNone/>
             </a:pPr>
-            <a:r>
-              <a:t/>
-            </a:r>
             <a:endParaRPr/>
           </a:p>
         </p:txBody>
       </p:sp>
     </p:spTree>
+    <p:extLst>
+      <p:ext uri="{BB962C8B-B14F-4D97-AF65-F5344CB8AC3E}">
+        <p14:creationId xmlns:p14="http://schemas.microsoft.com/office/powerpoint/2010/main" val="681237971"/>
+      </p:ext>
+    </p:extLst>
   </p:cSld>
   <p:clrMapOvr>
     <a:masterClrMapping/>
@@ -1859,11 +2235,11 @@
 </file>
 
 <file path=ppt/slideLayouts/slideLayout1.xml><?xml version="1.0" encoding="utf-8"?>
-<p:sldLayout xmlns:a="http://schemas.openxmlformats.org/drawingml/2006/main" xmlns:r="http://schemas.openxmlformats.org/officeDocument/2006/relationships" xmlns:mc="http://schemas.openxmlformats.org/markup-compatibility/2006" xmlns:mv="urn:schemas-microsoft-com:mac:vml" xmlns:p="http://schemas.openxmlformats.org/presentationml/2006/main" xmlns:c="http://schemas.openxmlformats.org/drawingml/2006/chart" xmlns:dgm="http://schemas.openxmlformats.org/drawingml/2006/diagram" xmlns:o="urn:schemas-microsoft-com:office:office" xmlns:v="urn:schemas-microsoft-com:vml" xmlns:pvml="urn:schemas-microsoft-com:office:powerpoint" xmlns:com="http://schemas.openxmlformats.org/drawingml/2006/compatibility" xmlns:p14="http://schemas.microsoft.com/office/powerpoint/2010/main" type="title">
+<p:sldLayout xmlns:a="http://schemas.openxmlformats.org/drawingml/2006/main" xmlns:r="http://schemas.openxmlformats.org/officeDocument/2006/relationships" xmlns:p="http://schemas.openxmlformats.org/presentationml/2006/main" type="title">
   <p:cSld name="Title slide">
     <p:spTree>
       <p:nvGrpSpPr>
-        <p:cNvPr id="8" name="Shape 8"/>
+        <p:cNvPr id="1" name="Shape 8"/>
         <p:cNvGrpSpPr/>
         <p:nvPr/>
       </p:nvGrpSpPr>
@@ -1878,9 +2254,11 @@
       <p:sp>
         <p:nvSpPr>
           <p:cNvPr id="9" name="Shape 9"/>
-          <p:cNvSpPr txBox="1"/>
+          <p:cNvSpPr txBox="1">
+            <a:spLocks noGrp="1"/>
+          </p:cNvSpPr>
           <p:nvPr>
-            <p:ph idx="1" type="subTitle"/>
+            <p:ph type="subTitle" idx="1"/>
           </p:nvPr>
         </p:nvSpPr>
         <p:spPr>
@@ -1893,7 +2271,7 @@
           </a:prstGeom>
         </p:spPr>
         <p:txBody>
-          <a:bodyPr anchorCtr="0" anchor="t" bIns="91425" lIns="91425" rIns="91425" tIns="91425"/>
+          <a:bodyPr lIns="91425" tIns="91425" rIns="91425" bIns="91425" anchor="t" anchorCtr="0"/>
           <a:lstStyle>
             <a:lvl1pPr algn="ctr">
               <a:spcBef>
@@ -2030,13 +2408,17 @@
               </a:defRPr>
             </a:lvl9pPr>
           </a:lstStyle>
-          <a:p/>
+          <a:p>
+            <a:endParaRPr/>
+          </a:p>
         </p:txBody>
       </p:sp>
       <p:sp>
         <p:nvSpPr>
           <p:cNvPr id="10" name="Shape 10"/>
-          <p:cNvSpPr txBox="1"/>
+          <p:cNvSpPr txBox="1">
+            <a:spLocks noGrp="1"/>
+          </p:cNvSpPr>
           <p:nvPr>
             <p:ph type="ctrTitle"/>
           </p:nvPr>
@@ -2051,7 +2433,7 @@
           </a:prstGeom>
         </p:spPr>
         <p:txBody>
-          <a:bodyPr anchorCtr="0" anchor="b" bIns="91425" lIns="91425" rIns="91425" tIns="91425"/>
+          <a:bodyPr lIns="91425" tIns="91425" rIns="91425" bIns="91425" anchor="b" anchorCtr="0"/>
           <a:lstStyle>
             <a:lvl1pPr algn="ctr">
               <a:spcBef>
@@ -2117,15 +2499,19 @@
               <a:defRPr sz="4800"/>
             </a:lvl9pPr>
           </a:lstStyle>
-          <a:p/>
+          <a:p>
+            <a:endParaRPr/>
+          </a:p>
         </p:txBody>
       </p:sp>
       <p:sp>
         <p:nvSpPr>
           <p:cNvPr id="11" name="Shape 11"/>
-          <p:cNvSpPr txBox="1"/>
+          <p:cNvSpPr txBox="1">
+            <a:spLocks noGrp="1"/>
+          </p:cNvSpPr>
           <p:nvPr>
-            <p:ph idx="12" type="sldNum"/>
+            <p:ph type="sldNum" idx="12"/>
           </p:nvPr>
         </p:nvSpPr>
         <p:spPr>
@@ -2138,7 +2524,7 @@
           </a:prstGeom>
         </p:spPr>
         <p:txBody>
-          <a:bodyPr anchorCtr="0" anchor="ctr" bIns="91425" lIns="91425" rIns="91425" tIns="91425">
+          <a:bodyPr lIns="91425" tIns="91425" rIns="91425" bIns="91425" anchor="ctr" anchorCtr="0">
             <a:noAutofit/>
           </a:bodyPr>
           <a:lstStyle/>
@@ -2153,6 +2539,7 @@
               <a:rPr lang="en"/>
               <a:t>‹#›</a:t>
             </a:fld>
+            <a:endParaRPr lang="en"/>
           </a:p>
         </p:txBody>
       </p:sp>
@@ -2165,11 +2552,11 @@
 </file>
 
 <file path=ppt/slideLayouts/slideLayout2.xml><?xml version="1.0" encoding="utf-8"?>
-<p:sldLayout xmlns:a="http://schemas.openxmlformats.org/drawingml/2006/main" xmlns:r="http://schemas.openxmlformats.org/officeDocument/2006/relationships" xmlns:mc="http://schemas.openxmlformats.org/markup-compatibility/2006" xmlns:mv="urn:schemas-microsoft-com:mac:vml" xmlns:p="http://schemas.openxmlformats.org/presentationml/2006/main" xmlns:c="http://schemas.openxmlformats.org/drawingml/2006/chart" xmlns:dgm="http://schemas.openxmlformats.org/drawingml/2006/diagram" xmlns:o="urn:schemas-microsoft-com:office:office" xmlns:v="urn:schemas-microsoft-com:vml" xmlns:pvml="urn:schemas-microsoft-com:office:powerpoint" xmlns:com="http://schemas.openxmlformats.org/drawingml/2006/compatibility" xmlns:p14="http://schemas.microsoft.com/office/powerpoint/2010/main" type="tx">
+<p:sldLayout xmlns:a="http://schemas.openxmlformats.org/drawingml/2006/main" xmlns:r="http://schemas.openxmlformats.org/officeDocument/2006/relationships" xmlns:p="http://schemas.openxmlformats.org/presentationml/2006/main" type="tx">
   <p:cSld name="Title and body">
     <p:spTree>
       <p:nvGrpSpPr>
-        <p:cNvPr id="12" name="Shape 12"/>
+        <p:cNvPr id="1" name="Shape 12"/>
         <p:cNvGrpSpPr/>
         <p:nvPr/>
       </p:nvGrpSpPr>
@@ -2184,7 +2571,9 @@
       <p:sp>
         <p:nvSpPr>
           <p:cNvPr id="13" name="Shape 13"/>
-          <p:cNvSpPr txBox="1"/>
+          <p:cNvSpPr txBox="1">
+            <a:spLocks noGrp="1"/>
+          </p:cNvSpPr>
           <p:nvPr>
             <p:ph type="title"/>
           </p:nvPr>
@@ -2199,7 +2588,7 @@
           </a:prstGeom>
         </p:spPr>
         <p:txBody>
-          <a:bodyPr anchorCtr="0" anchor="b" bIns="91425" lIns="91425" rIns="91425" tIns="91425"/>
+          <a:bodyPr lIns="91425" tIns="91425" rIns="91425" bIns="91425" anchor="b" anchorCtr="0"/>
           <a:lstStyle>
             <a:lvl1pPr>
               <a:spcBef>
@@ -2256,15 +2645,19 @@
               <a:defRPr/>
             </a:lvl9pPr>
           </a:lstStyle>
-          <a:p/>
+          <a:p>
+            <a:endParaRPr/>
+          </a:p>
         </p:txBody>
       </p:sp>
       <p:sp>
         <p:nvSpPr>
           <p:cNvPr id="14" name="Shape 14"/>
-          <p:cNvSpPr txBox="1"/>
+          <p:cNvSpPr txBox="1">
+            <a:spLocks noGrp="1"/>
+          </p:cNvSpPr>
           <p:nvPr>
-            <p:ph idx="1" type="body"/>
+            <p:ph type="body" idx="1"/>
           </p:nvPr>
         </p:nvSpPr>
         <p:spPr>
@@ -2277,7 +2670,7 @@
           </a:prstGeom>
         </p:spPr>
         <p:txBody>
-          <a:bodyPr anchorCtr="0" anchor="t" bIns="91425" lIns="91425" rIns="91425" tIns="91425"/>
+          <a:bodyPr lIns="91425" tIns="91425" rIns="91425" bIns="91425" anchor="t" anchorCtr="0"/>
           <a:lstStyle>
             <a:lvl1pPr>
               <a:spcBef>
@@ -2334,15 +2727,19 @@
               <a:defRPr/>
             </a:lvl9pPr>
           </a:lstStyle>
-          <a:p/>
+          <a:p>
+            <a:endParaRPr/>
+          </a:p>
         </p:txBody>
       </p:sp>
       <p:sp>
         <p:nvSpPr>
           <p:cNvPr id="15" name="Shape 15"/>
-          <p:cNvSpPr txBox="1"/>
+          <p:cNvSpPr txBox="1">
+            <a:spLocks noGrp="1"/>
+          </p:cNvSpPr>
           <p:nvPr>
-            <p:ph idx="12" type="sldNum"/>
+            <p:ph type="sldNum" idx="12"/>
           </p:nvPr>
         </p:nvSpPr>
         <p:spPr>
@@ -2355,7 +2752,7 @@
           </a:prstGeom>
         </p:spPr>
         <p:txBody>
-          <a:bodyPr anchorCtr="0" anchor="ctr" bIns="91425" lIns="91425" rIns="91425" tIns="91425">
+          <a:bodyPr lIns="91425" tIns="91425" rIns="91425" bIns="91425" anchor="ctr" anchorCtr="0">
             <a:noAutofit/>
           </a:bodyPr>
           <a:lstStyle/>
@@ -2370,6 +2767,7 @@
               <a:rPr lang="en"/>
               <a:t>‹#›</a:t>
             </a:fld>
+            <a:endParaRPr lang="en"/>
           </a:p>
         </p:txBody>
       </p:sp>
@@ -2382,11 +2780,11 @@
 </file>
 
 <file path=ppt/slideLayouts/slideLayout3.xml><?xml version="1.0" encoding="utf-8"?>
-<p:sldLayout xmlns:a="http://schemas.openxmlformats.org/drawingml/2006/main" xmlns:r="http://schemas.openxmlformats.org/officeDocument/2006/relationships" xmlns:mc="http://schemas.openxmlformats.org/markup-compatibility/2006" xmlns:mv="urn:schemas-microsoft-com:mac:vml" xmlns:p="http://schemas.openxmlformats.org/presentationml/2006/main" xmlns:c="http://schemas.openxmlformats.org/drawingml/2006/chart" xmlns:dgm="http://schemas.openxmlformats.org/drawingml/2006/diagram" xmlns:o="urn:schemas-microsoft-com:office:office" xmlns:v="urn:schemas-microsoft-com:vml" xmlns:pvml="urn:schemas-microsoft-com:office:powerpoint" xmlns:com="http://schemas.openxmlformats.org/drawingml/2006/compatibility" xmlns:p14="http://schemas.microsoft.com/office/powerpoint/2010/main" type="twoColTx">
+<p:sldLayout xmlns:a="http://schemas.openxmlformats.org/drawingml/2006/main" xmlns:r="http://schemas.openxmlformats.org/officeDocument/2006/relationships" xmlns:p="http://schemas.openxmlformats.org/presentationml/2006/main" type="twoColTx">
   <p:cSld name="Title and two columns">
     <p:spTree>
       <p:nvGrpSpPr>
-        <p:cNvPr id="16" name="Shape 16"/>
+        <p:cNvPr id="1" name="Shape 16"/>
         <p:cNvGrpSpPr/>
         <p:nvPr/>
       </p:nvGrpSpPr>
@@ -2401,7 +2799,9 @@
       <p:sp>
         <p:nvSpPr>
           <p:cNvPr id="17" name="Shape 17"/>
-          <p:cNvSpPr txBox="1"/>
+          <p:cNvSpPr txBox="1">
+            <a:spLocks noGrp="1"/>
+          </p:cNvSpPr>
           <p:nvPr>
             <p:ph type="title"/>
           </p:nvPr>
@@ -2416,7 +2816,7 @@
           </a:prstGeom>
         </p:spPr>
         <p:txBody>
-          <a:bodyPr anchorCtr="0" anchor="b" bIns="91425" lIns="91425" rIns="91425" tIns="91425"/>
+          <a:bodyPr lIns="91425" tIns="91425" rIns="91425" bIns="91425" anchor="b" anchorCtr="0"/>
           <a:lstStyle>
             <a:lvl1pPr>
               <a:spcBef>
@@ -2473,15 +2873,19 @@
               <a:defRPr/>
             </a:lvl9pPr>
           </a:lstStyle>
-          <a:p/>
+          <a:p>
+            <a:endParaRPr/>
+          </a:p>
         </p:txBody>
       </p:sp>
       <p:sp>
         <p:nvSpPr>
           <p:cNvPr id="18" name="Shape 18"/>
-          <p:cNvSpPr txBox="1"/>
+          <p:cNvSpPr txBox="1">
+            <a:spLocks noGrp="1"/>
+          </p:cNvSpPr>
           <p:nvPr>
-            <p:ph idx="1" type="body"/>
+            <p:ph type="body" idx="1"/>
           </p:nvPr>
         </p:nvSpPr>
         <p:spPr>
@@ -2494,7 +2898,7 @@
           </a:prstGeom>
         </p:spPr>
         <p:txBody>
-          <a:bodyPr anchorCtr="0" anchor="t" bIns="91425" lIns="91425" rIns="91425" tIns="91425"/>
+          <a:bodyPr lIns="91425" tIns="91425" rIns="91425" bIns="91425" anchor="t" anchorCtr="0"/>
           <a:lstStyle>
             <a:lvl1pPr>
               <a:spcBef>
@@ -2551,15 +2955,19 @@
               <a:defRPr/>
             </a:lvl9pPr>
           </a:lstStyle>
-          <a:p/>
+          <a:p>
+            <a:endParaRPr/>
+          </a:p>
         </p:txBody>
       </p:sp>
       <p:sp>
         <p:nvSpPr>
           <p:cNvPr id="19" name="Shape 19"/>
-          <p:cNvSpPr txBox="1"/>
+          <p:cNvSpPr txBox="1">
+            <a:spLocks noGrp="1"/>
+          </p:cNvSpPr>
           <p:nvPr>
-            <p:ph idx="2" type="body"/>
+            <p:ph type="body" idx="2"/>
           </p:nvPr>
         </p:nvSpPr>
         <p:spPr>
@@ -2572,7 +2980,7 @@
           </a:prstGeom>
         </p:spPr>
         <p:txBody>
-          <a:bodyPr anchorCtr="0" anchor="t" bIns="91425" lIns="91425" rIns="91425" tIns="91425"/>
+          <a:bodyPr lIns="91425" tIns="91425" rIns="91425" bIns="91425" anchor="t" anchorCtr="0"/>
           <a:lstStyle>
             <a:lvl1pPr>
               <a:spcBef>
@@ -2629,15 +3037,19 @@
               <a:defRPr/>
             </a:lvl9pPr>
           </a:lstStyle>
-          <a:p/>
+          <a:p>
+            <a:endParaRPr/>
+          </a:p>
         </p:txBody>
       </p:sp>
       <p:sp>
         <p:nvSpPr>
           <p:cNvPr id="20" name="Shape 20"/>
-          <p:cNvSpPr txBox="1"/>
+          <p:cNvSpPr txBox="1">
+            <a:spLocks noGrp="1"/>
+          </p:cNvSpPr>
           <p:nvPr>
-            <p:ph idx="12" type="sldNum"/>
+            <p:ph type="sldNum" idx="12"/>
           </p:nvPr>
         </p:nvSpPr>
         <p:spPr>
@@ -2650,7 +3062,7 @@
           </a:prstGeom>
         </p:spPr>
         <p:txBody>
-          <a:bodyPr anchorCtr="0" anchor="ctr" bIns="91425" lIns="91425" rIns="91425" tIns="91425">
+          <a:bodyPr lIns="91425" tIns="91425" rIns="91425" bIns="91425" anchor="ctr" anchorCtr="0">
             <a:noAutofit/>
           </a:bodyPr>
           <a:lstStyle/>
@@ -2665,6 +3077,7 @@
               <a:rPr lang="en"/>
               <a:t>‹#›</a:t>
             </a:fld>
+            <a:endParaRPr lang="en"/>
           </a:p>
         </p:txBody>
       </p:sp>
@@ -2677,11 +3090,11 @@
 </file>
 
 <file path=ppt/slideLayouts/slideLayout4.xml><?xml version="1.0" encoding="utf-8"?>
-<p:sldLayout xmlns:a="http://schemas.openxmlformats.org/drawingml/2006/main" xmlns:r="http://schemas.openxmlformats.org/officeDocument/2006/relationships" xmlns:mc="http://schemas.openxmlformats.org/markup-compatibility/2006" xmlns:mv="urn:schemas-microsoft-com:mac:vml" xmlns:p="http://schemas.openxmlformats.org/presentationml/2006/main" xmlns:c="http://schemas.openxmlformats.org/drawingml/2006/chart" xmlns:dgm="http://schemas.openxmlformats.org/drawingml/2006/diagram" xmlns:o="urn:schemas-microsoft-com:office:office" xmlns:v="urn:schemas-microsoft-com:vml" xmlns:pvml="urn:schemas-microsoft-com:office:powerpoint" xmlns:com="http://schemas.openxmlformats.org/drawingml/2006/compatibility" xmlns:p14="http://schemas.microsoft.com/office/powerpoint/2010/main" type="titleOnly">
+<p:sldLayout xmlns:a="http://schemas.openxmlformats.org/drawingml/2006/main" xmlns:r="http://schemas.openxmlformats.org/officeDocument/2006/relationships" xmlns:p="http://schemas.openxmlformats.org/presentationml/2006/main" type="titleOnly">
   <p:cSld name="Title only">
     <p:spTree>
       <p:nvGrpSpPr>
-        <p:cNvPr id="21" name="Shape 21"/>
+        <p:cNvPr id="1" name="Shape 21"/>
         <p:cNvGrpSpPr/>
         <p:nvPr/>
       </p:nvGrpSpPr>
@@ -2696,7 +3109,9 @@
       <p:sp>
         <p:nvSpPr>
           <p:cNvPr id="22" name="Shape 22"/>
-          <p:cNvSpPr txBox="1"/>
+          <p:cNvSpPr txBox="1">
+            <a:spLocks noGrp="1"/>
+          </p:cNvSpPr>
           <p:nvPr>
             <p:ph type="title"/>
           </p:nvPr>
@@ -2711,7 +3126,7 @@
           </a:prstGeom>
         </p:spPr>
         <p:txBody>
-          <a:bodyPr anchorCtr="0" anchor="b" bIns="91425" lIns="91425" rIns="91425" tIns="91425"/>
+          <a:bodyPr lIns="91425" tIns="91425" rIns="91425" bIns="91425" anchor="b" anchorCtr="0"/>
           <a:lstStyle>
             <a:lvl1pPr>
               <a:spcBef>
@@ -2768,15 +3183,19 @@
               <a:defRPr/>
             </a:lvl9pPr>
           </a:lstStyle>
-          <a:p/>
+          <a:p>
+            <a:endParaRPr/>
+          </a:p>
         </p:txBody>
       </p:sp>
       <p:sp>
         <p:nvSpPr>
           <p:cNvPr id="23" name="Shape 23"/>
-          <p:cNvSpPr txBox="1"/>
+          <p:cNvSpPr txBox="1">
+            <a:spLocks noGrp="1"/>
+          </p:cNvSpPr>
           <p:nvPr>
-            <p:ph idx="12" type="sldNum"/>
+            <p:ph type="sldNum" idx="12"/>
           </p:nvPr>
         </p:nvSpPr>
         <p:spPr>
@@ -2789,7 +3208,7 @@
           </a:prstGeom>
         </p:spPr>
         <p:txBody>
-          <a:bodyPr anchorCtr="0" anchor="ctr" bIns="91425" lIns="91425" rIns="91425" tIns="91425">
+          <a:bodyPr lIns="91425" tIns="91425" rIns="91425" bIns="91425" anchor="ctr" anchorCtr="0">
             <a:noAutofit/>
           </a:bodyPr>
           <a:lstStyle/>
@@ -2804,6 +3223,7 @@
               <a:rPr lang="en"/>
               <a:t>‹#›</a:t>
             </a:fld>
+            <a:endParaRPr lang="en"/>
           </a:p>
         </p:txBody>
       </p:sp>
@@ -2816,11 +3236,11 @@
 </file>
 
 <file path=ppt/slideLayouts/slideLayout5.xml><?xml version="1.0" encoding="utf-8"?>
-<p:sldLayout xmlns:a="http://schemas.openxmlformats.org/drawingml/2006/main" xmlns:r="http://schemas.openxmlformats.org/officeDocument/2006/relationships" xmlns:mc="http://schemas.openxmlformats.org/markup-compatibility/2006" xmlns:mv="urn:schemas-microsoft-com:mac:vml" xmlns:p="http://schemas.openxmlformats.org/presentationml/2006/main" xmlns:c="http://schemas.openxmlformats.org/drawingml/2006/chart" xmlns:dgm="http://schemas.openxmlformats.org/drawingml/2006/diagram" xmlns:o="urn:schemas-microsoft-com:office:office" xmlns:v="urn:schemas-microsoft-com:vml" xmlns:pvml="urn:schemas-microsoft-com:office:powerpoint" xmlns:com="http://schemas.openxmlformats.org/drawingml/2006/compatibility" xmlns:p14="http://schemas.microsoft.com/office/powerpoint/2010/main">
+<p:sldLayout xmlns:a="http://schemas.openxmlformats.org/drawingml/2006/main" xmlns:r="http://schemas.openxmlformats.org/officeDocument/2006/relationships" xmlns:p="http://schemas.openxmlformats.org/presentationml/2006/main">
   <p:cSld name="Caption">
     <p:spTree>
       <p:nvGrpSpPr>
-        <p:cNvPr id="24" name="Shape 24"/>
+        <p:cNvPr id="1" name="Shape 24"/>
         <p:cNvGrpSpPr/>
         <p:nvPr/>
       </p:nvGrpSpPr>
@@ -2835,9 +3255,11 @@
       <p:sp>
         <p:nvSpPr>
           <p:cNvPr id="25" name="Shape 25"/>
-          <p:cNvSpPr txBox="1"/>
+          <p:cNvSpPr txBox="1">
+            <a:spLocks noGrp="1"/>
+          </p:cNvSpPr>
           <p:nvPr>
-            <p:ph idx="1" type="body"/>
+            <p:ph type="body" idx="1"/>
           </p:nvPr>
         </p:nvSpPr>
         <p:spPr>
@@ -2850,7 +3272,7 @@
           </a:prstGeom>
         </p:spPr>
         <p:txBody>
-          <a:bodyPr anchorCtr="0" anchor="t" bIns="91425" lIns="91425" rIns="91425" tIns="91425"/>
+          <a:bodyPr lIns="91425" tIns="91425" rIns="91425" bIns="91425" anchor="t" anchorCtr="0"/>
           <a:lstStyle>
             <a:lvl1pPr algn="ctr">
               <a:spcBef>
@@ -2868,15 +3290,19 @@
               </a:defRPr>
             </a:lvl1pPr>
           </a:lstStyle>
-          <a:p/>
+          <a:p>
+            <a:endParaRPr/>
+          </a:p>
         </p:txBody>
       </p:sp>
       <p:sp>
         <p:nvSpPr>
           <p:cNvPr id="26" name="Shape 26"/>
-          <p:cNvSpPr txBox="1"/>
+          <p:cNvSpPr txBox="1">
+            <a:spLocks noGrp="1"/>
+          </p:cNvSpPr>
           <p:nvPr>
-            <p:ph idx="12" type="sldNum"/>
+            <p:ph type="sldNum" idx="12"/>
           </p:nvPr>
         </p:nvSpPr>
         <p:spPr>
@@ -2889,7 +3315,7 @@
           </a:prstGeom>
         </p:spPr>
         <p:txBody>
-          <a:bodyPr anchorCtr="0" anchor="ctr" bIns="91425" lIns="91425" rIns="91425" tIns="91425">
+          <a:bodyPr lIns="91425" tIns="91425" rIns="91425" bIns="91425" anchor="ctr" anchorCtr="0">
             <a:noAutofit/>
           </a:bodyPr>
           <a:lstStyle/>
@@ -2904,6 +3330,7 @@
               <a:rPr lang="en"/>
               <a:t>‹#›</a:t>
             </a:fld>
+            <a:endParaRPr lang="en"/>
           </a:p>
         </p:txBody>
       </p:sp>
@@ -2916,11 +3343,11 @@
 </file>
 
 <file path=ppt/slideLayouts/slideLayout6.xml><?xml version="1.0" encoding="utf-8"?>
-<p:sldLayout xmlns:a="http://schemas.openxmlformats.org/drawingml/2006/main" xmlns:r="http://schemas.openxmlformats.org/officeDocument/2006/relationships" xmlns:mc="http://schemas.openxmlformats.org/markup-compatibility/2006" xmlns:mv="urn:schemas-microsoft-com:mac:vml" xmlns:p="http://schemas.openxmlformats.org/presentationml/2006/main" xmlns:c="http://schemas.openxmlformats.org/drawingml/2006/chart" xmlns:dgm="http://schemas.openxmlformats.org/drawingml/2006/diagram" xmlns:o="urn:schemas-microsoft-com:office:office" xmlns:v="urn:schemas-microsoft-com:vml" xmlns:pvml="urn:schemas-microsoft-com:office:powerpoint" xmlns:com="http://schemas.openxmlformats.org/drawingml/2006/compatibility" xmlns:p14="http://schemas.microsoft.com/office/powerpoint/2010/main" type="blank">
+<p:sldLayout xmlns:a="http://schemas.openxmlformats.org/drawingml/2006/main" xmlns:r="http://schemas.openxmlformats.org/officeDocument/2006/relationships" xmlns:p="http://schemas.openxmlformats.org/presentationml/2006/main" type="blank">
   <p:cSld name="Blank">
     <p:spTree>
       <p:nvGrpSpPr>
-        <p:cNvPr id="27" name="Shape 27"/>
+        <p:cNvPr id="1" name="Shape 27"/>
         <p:cNvGrpSpPr/>
         <p:nvPr/>
       </p:nvGrpSpPr>
@@ -2935,9 +3362,11 @@
       <p:sp>
         <p:nvSpPr>
           <p:cNvPr id="28" name="Shape 28"/>
-          <p:cNvSpPr txBox="1"/>
+          <p:cNvSpPr txBox="1">
+            <a:spLocks noGrp="1"/>
+          </p:cNvSpPr>
           <p:nvPr>
-            <p:ph idx="12" type="sldNum"/>
+            <p:ph type="sldNum" idx="12"/>
           </p:nvPr>
         </p:nvSpPr>
         <p:spPr>
@@ -2950,7 +3379,7 @@
           </a:prstGeom>
         </p:spPr>
         <p:txBody>
-          <a:bodyPr anchorCtr="0" anchor="ctr" bIns="91425" lIns="91425" rIns="91425" tIns="91425">
+          <a:bodyPr lIns="91425" tIns="91425" rIns="91425" bIns="91425" anchor="ctr" anchorCtr="0">
             <a:noAutofit/>
           </a:bodyPr>
           <a:lstStyle/>
@@ -2965,6 +3394,7 @@
               <a:rPr lang="en"/>
               <a:t>‹#›</a:t>
             </a:fld>
+            <a:endParaRPr lang="en"/>
           </a:p>
         </p:txBody>
       </p:sp>
@@ -2977,7 +3407,7 @@
 </file>
 
 <file path=ppt/slideMasters/slideMaster1.xml><?xml version="1.0" encoding="utf-8"?>
-<p:sldMaster xmlns:a="http://schemas.openxmlformats.org/drawingml/2006/main" xmlns:r="http://schemas.openxmlformats.org/officeDocument/2006/relationships" xmlns:mc="http://schemas.openxmlformats.org/markup-compatibility/2006" xmlns:mv="urn:schemas-microsoft-com:mac:vml" xmlns:p="http://schemas.openxmlformats.org/presentationml/2006/main" xmlns:c="http://schemas.openxmlformats.org/drawingml/2006/chart" xmlns:dgm="http://schemas.openxmlformats.org/drawingml/2006/diagram" xmlns:o="urn:schemas-microsoft-com:office:office" xmlns:v="urn:schemas-microsoft-com:vml" xmlns:pvml="urn:schemas-microsoft-com:office:powerpoint" xmlns:com="http://schemas.openxmlformats.org/drawingml/2006/compatibility" xmlns:p14="http://schemas.microsoft.com/office/powerpoint/2010/main">
+<p:sldMaster xmlns:a="http://schemas.openxmlformats.org/drawingml/2006/main" xmlns:r="http://schemas.openxmlformats.org/officeDocument/2006/relationships" xmlns:p="http://schemas.openxmlformats.org/presentationml/2006/main">
   <p:cSld>
     <p:bg>
       <p:bgPr>
@@ -2994,15 +3424,16 @@
             </a:gs>
           </a:gsLst>
           <a:path path="circle">
-            <a:fillToRect b="50%" l="50%" r="50%" t="50%"/>
+            <a:fillToRect l="50000" t="50000" r="50000" b="50000"/>
           </a:path>
           <a:tileRect/>
         </a:gradFill>
+        <a:effectLst/>
       </p:bgPr>
     </p:bg>
     <p:spTree>
       <p:nvGrpSpPr>
-        <p:cNvPr id="4" name="Shape 4"/>
+        <p:cNvPr id="1" name="Shape 4"/>
         <p:cNvGrpSpPr/>
         <p:nvPr/>
       </p:nvGrpSpPr>
@@ -3017,7 +3448,9 @@
       <p:sp>
         <p:nvSpPr>
           <p:cNvPr id="5" name="Shape 5"/>
-          <p:cNvSpPr txBox="1"/>
+          <p:cNvSpPr txBox="1">
+            <a:spLocks noGrp="1"/>
+          </p:cNvSpPr>
           <p:nvPr>
             <p:ph type="title"/>
           </p:nvPr>
@@ -3036,7 +3469,7 @@
           </a:ln>
         </p:spPr>
         <p:txBody>
-          <a:bodyPr anchorCtr="0" anchor="b" bIns="91425" lIns="91425" rIns="91425" tIns="91425"/>
+          <a:bodyPr lIns="91425" tIns="91425" rIns="91425" bIns="91425" anchor="b" anchorCtr="0"/>
           <a:lstStyle>
             <a:lvl1pPr>
               <a:spcBef>
@@ -3047,7 +3480,7 @@
               </a:buClr>
               <a:buSzPct val="100000"/>
               <a:buNone/>
-              <a:defRPr b="1" sz="3600">
+              <a:defRPr sz="3600" b="1">
                 <a:solidFill>
                   <a:schemeClr val="dk1"/>
                 </a:solidFill>
@@ -3062,7 +3495,7 @@
               </a:buClr>
               <a:buSzPct val="100000"/>
               <a:buNone/>
-              <a:defRPr b="1" sz="3600">
+              <a:defRPr sz="3600" b="1">
                 <a:solidFill>
                   <a:schemeClr val="dk1"/>
                 </a:solidFill>
@@ -3077,7 +3510,7 @@
               </a:buClr>
               <a:buSzPct val="100000"/>
               <a:buNone/>
-              <a:defRPr b="1" sz="3600">
+              <a:defRPr sz="3600" b="1">
                 <a:solidFill>
                   <a:schemeClr val="dk1"/>
                 </a:solidFill>
@@ -3092,7 +3525,7 @@
               </a:buClr>
               <a:buSzPct val="100000"/>
               <a:buNone/>
-              <a:defRPr b="1" sz="3600">
+              <a:defRPr sz="3600" b="1">
                 <a:solidFill>
                   <a:schemeClr val="dk1"/>
                 </a:solidFill>
@@ -3107,7 +3540,7 @@
               </a:buClr>
               <a:buSzPct val="100000"/>
               <a:buNone/>
-              <a:defRPr b="1" sz="3600">
+              <a:defRPr sz="3600" b="1">
                 <a:solidFill>
                   <a:schemeClr val="dk1"/>
                 </a:solidFill>
@@ -3122,7 +3555,7 @@
               </a:buClr>
               <a:buSzPct val="100000"/>
               <a:buNone/>
-              <a:defRPr b="1" sz="3600">
+              <a:defRPr sz="3600" b="1">
                 <a:solidFill>
                   <a:schemeClr val="dk1"/>
                 </a:solidFill>
@@ -3137,7 +3570,7 @@
               </a:buClr>
               <a:buSzPct val="100000"/>
               <a:buNone/>
-              <a:defRPr b="1" sz="3600">
+              <a:defRPr sz="3600" b="1">
                 <a:solidFill>
                   <a:schemeClr val="dk1"/>
                 </a:solidFill>
@@ -3152,7 +3585,7 @@
               </a:buClr>
               <a:buSzPct val="100000"/>
               <a:buNone/>
-              <a:defRPr b="1" sz="3600">
+              <a:defRPr sz="3600" b="1">
                 <a:solidFill>
                   <a:schemeClr val="dk1"/>
                 </a:solidFill>
@@ -3167,22 +3600,26 @@
               </a:buClr>
               <a:buSzPct val="100000"/>
               <a:buNone/>
-              <a:defRPr b="1" sz="3600">
+              <a:defRPr sz="3600" b="1">
                 <a:solidFill>
                   <a:schemeClr val="dk1"/>
                 </a:solidFill>
               </a:defRPr>
             </a:lvl9pPr>
           </a:lstStyle>
-          <a:p/>
+          <a:p>
+            <a:endParaRPr/>
+          </a:p>
         </p:txBody>
       </p:sp>
       <p:sp>
         <p:nvSpPr>
           <p:cNvPr id="6" name="Shape 6"/>
-          <p:cNvSpPr txBox="1"/>
+          <p:cNvSpPr txBox="1">
+            <a:spLocks noGrp="1"/>
+          </p:cNvSpPr>
           <p:nvPr>
-            <p:ph idx="1" type="body"/>
+            <p:ph type="body" idx="1"/>
           </p:nvPr>
         </p:nvSpPr>
         <p:spPr>
@@ -3199,7 +3636,7 @@
           </a:ln>
         </p:spPr>
         <p:txBody>
-          <a:bodyPr anchorCtr="0" anchor="t" bIns="91425" lIns="91425" rIns="91425" tIns="91425"/>
+          <a:bodyPr lIns="91425" tIns="91425" rIns="91425" bIns="91425" anchor="t" anchorCtr="0"/>
           <a:lstStyle>
             <a:lvl1pPr>
               <a:spcBef>
@@ -3265,15 +3702,19 @@
               <a:defRPr sz="1800"/>
             </a:lvl9pPr>
           </a:lstStyle>
-          <a:p/>
+          <a:p>
+            <a:endParaRPr/>
+          </a:p>
         </p:txBody>
       </p:sp>
       <p:sp>
         <p:nvSpPr>
           <p:cNvPr id="7" name="Shape 7"/>
-          <p:cNvSpPr txBox="1"/>
+          <p:cNvSpPr txBox="1">
+            <a:spLocks noGrp="1"/>
+          </p:cNvSpPr>
           <p:nvPr>
-            <p:ph idx="12" type="sldNum"/>
+            <p:ph type="sldNum" idx="12"/>
           </p:nvPr>
         </p:nvSpPr>
         <p:spPr>
@@ -3290,7 +3731,7 @@
           </a:ln>
         </p:spPr>
         <p:txBody>
-          <a:bodyPr anchorCtr="0" anchor="ctr" bIns="91425" lIns="91425" rIns="91425" tIns="91425">
+          <a:bodyPr lIns="91425" tIns="91425" rIns="91425" bIns="91425" anchor="ctr" anchorCtr="0">
             <a:noAutofit/>
           </a:bodyPr>
           <a:lstStyle/>
@@ -3309,12 +3750,17 @@
               </a:rPr>
               <a:t>‹#›</a:t>
             </a:fld>
+            <a:endParaRPr lang="en" sz="1300">
+              <a:solidFill>
+                <a:schemeClr val="dk1"/>
+              </a:solidFill>
+            </a:endParaRPr>
           </a:p>
         </p:txBody>
       </p:sp>
     </p:spTree>
   </p:cSld>
-  <p:clrMap accent1="accent1" accent2="accent2" accent3="accent3" accent4="accent4" accent5="accent5" accent6="accent6" bg1="lt1" bg2="dk2" tx1="dk1" tx2="lt2" folHlink="folHlink" hlink="hlink"/>
+  <p:clrMap bg1="lt1" tx1="dk1" bg2="dk2" tx2="lt2" accent1="accent1" accent2="accent2" accent3="accent3" accent4="accent4" accent5="accent5" accent6="accent6" hlink="hlink" folHlink="folHlink"/>
   <p:sldLayoutIdLst>
     <p:sldLayoutId id="2147483648" r:id="rId1"/>
     <p:sldLayoutId id="2147483649" r:id="rId2"/>
@@ -3323,10 +3769,10 @@
     <p:sldLayoutId id="2147483652" r:id="rId5"/>
     <p:sldLayoutId id="2147483653" r:id="rId6"/>
   </p:sldLayoutIdLst>
-  <p:hf dt="0" ftr="0" hdr="0" sldNum="0"/>
+  <p:hf sldNum="0" hdr="0" ftr="0" dt="0"/>
   <p:txStyles>
     <p:titleStyle>
-      <a:defPPr marR="0" rtl="0" algn="l">
+      <a:defPPr marR="0" algn="l" rtl="0">
         <a:lnSpc>
           <a:spcPct val="100000"/>
         </a:lnSpc>
@@ -3337,7 +3783,7 @@
           <a:spcPts val="0"/>
         </a:spcAft>
       </a:defPPr>
-      <a:lvl1pPr marR="0" rtl="0" algn="l">
+      <a:lvl1pPr marR="0" algn="l" rtl="0">
         <a:lnSpc>
           <a:spcPct val="100000"/>
         </a:lnSpc>
@@ -3348,7 +3794,7 @@
           <a:spcPts val="0"/>
         </a:spcAft>
         <a:buNone/>
-        <a:defRPr b="0" baseline="0" i="0" sz="1400" u="none" cap="none" strike="noStrike">
+        <a:defRPr sz="1400" b="0" i="0" u="none" strike="noStrike" cap="none" baseline="0">
           <a:solidFill>
             <a:srgbClr val="000000"/>
           </a:solidFill>
@@ -3361,7 +3807,7 @@
       </a:lvl1pPr>
     </p:titleStyle>
     <p:bodyStyle>
-      <a:defPPr marR="0" rtl="0" algn="l">
+      <a:defPPr marR="0" algn="l" rtl="0">
         <a:lnSpc>
           <a:spcPct val="100000"/>
         </a:lnSpc>
@@ -3372,7 +3818,7 @@
           <a:spcPts val="0"/>
         </a:spcAft>
       </a:defPPr>
-      <a:lvl1pPr marR="0" rtl="0" algn="l">
+      <a:lvl1pPr marR="0" algn="l" rtl="0">
         <a:lnSpc>
           <a:spcPct val="100000"/>
         </a:lnSpc>
@@ -3383,7 +3829,7 @@
           <a:spcPts val="0"/>
         </a:spcAft>
         <a:buNone/>
-        <a:defRPr b="0" baseline="0" i="0" sz="1400" u="none" cap="none" strike="noStrike">
+        <a:defRPr sz="1400" b="0" i="0" u="none" strike="noStrike" cap="none" baseline="0">
           <a:solidFill>
             <a:srgbClr val="000000"/>
           </a:solidFill>
@@ -3394,7 +3840,7 @@
           <a:rtl val="0"/>
         </a:defRPr>
       </a:lvl1pPr>
-      <a:lvl2pPr marR="0" rtl="0" algn="l">
+      <a:lvl2pPr marR="0" algn="l" rtl="0">
         <a:lnSpc>
           <a:spcPct val="100000"/>
         </a:lnSpc>
@@ -3405,7 +3851,7 @@
           <a:spcPts val="0"/>
         </a:spcAft>
         <a:buNone/>
-        <a:defRPr b="0" baseline="0" i="0" sz="1400" u="none" cap="none" strike="noStrike">
+        <a:defRPr sz="1400" b="0" i="0" u="none" strike="noStrike" cap="none" baseline="0">
           <a:solidFill>
             <a:srgbClr val="000000"/>
           </a:solidFill>
@@ -3416,7 +3862,7 @@
           <a:rtl val="0"/>
         </a:defRPr>
       </a:lvl2pPr>
-      <a:lvl3pPr marR="0" rtl="0" algn="l">
+      <a:lvl3pPr marR="0" algn="l" rtl="0">
         <a:lnSpc>
           <a:spcPct val="100000"/>
         </a:lnSpc>
@@ -3427,7 +3873,7 @@
           <a:spcPts val="0"/>
         </a:spcAft>
         <a:buNone/>
-        <a:defRPr b="0" baseline="0" i="0" sz="1400" u="none" cap="none" strike="noStrike">
+        <a:defRPr sz="1400" b="0" i="0" u="none" strike="noStrike" cap="none" baseline="0">
           <a:solidFill>
             <a:srgbClr val="000000"/>
           </a:solidFill>
@@ -3438,7 +3884,7 @@
           <a:rtl val="0"/>
         </a:defRPr>
       </a:lvl3pPr>
-      <a:lvl4pPr marR="0" rtl="0" algn="l">
+      <a:lvl4pPr marR="0" algn="l" rtl="0">
         <a:lnSpc>
           <a:spcPct val="100000"/>
         </a:lnSpc>
@@ -3449,7 +3895,7 @@
           <a:spcPts val="0"/>
         </a:spcAft>
         <a:buNone/>
-        <a:defRPr b="0" baseline="0" i="0" sz="1400" u="none" cap="none" strike="noStrike">
+        <a:defRPr sz="1400" b="0" i="0" u="none" strike="noStrike" cap="none" baseline="0">
           <a:solidFill>
             <a:srgbClr val="000000"/>
           </a:solidFill>
@@ -3460,7 +3906,7 @@
           <a:rtl val="0"/>
         </a:defRPr>
       </a:lvl4pPr>
-      <a:lvl5pPr marR="0" rtl="0" algn="l">
+      <a:lvl5pPr marR="0" algn="l" rtl="0">
         <a:lnSpc>
           <a:spcPct val="100000"/>
         </a:lnSpc>
@@ -3471,7 +3917,7 @@
           <a:spcPts val="0"/>
         </a:spcAft>
         <a:buNone/>
-        <a:defRPr b="0" baseline="0" i="0" sz="1400" u="none" cap="none" strike="noStrike">
+        <a:defRPr sz="1400" b="0" i="0" u="none" strike="noStrike" cap="none" baseline="0">
           <a:solidFill>
             <a:srgbClr val="000000"/>
           </a:solidFill>
@@ -3482,7 +3928,7 @@
           <a:rtl val="0"/>
         </a:defRPr>
       </a:lvl5pPr>
-      <a:lvl6pPr marR="0" rtl="0" algn="l">
+      <a:lvl6pPr marR="0" algn="l" rtl="0">
         <a:lnSpc>
           <a:spcPct val="100000"/>
         </a:lnSpc>
@@ -3493,7 +3939,7 @@
           <a:spcPts val="0"/>
         </a:spcAft>
         <a:buNone/>
-        <a:defRPr b="0" baseline="0" i="0" sz="1400" u="none" cap="none" strike="noStrike">
+        <a:defRPr sz="1400" b="0" i="0" u="none" strike="noStrike" cap="none" baseline="0">
           <a:solidFill>
             <a:srgbClr val="000000"/>
           </a:solidFill>
@@ -3504,7 +3950,7 @@
           <a:rtl val="0"/>
         </a:defRPr>
       </a:lvl6pPr>
-      <a:lvl7pPr marR="0" rtl="0" algn="l">
+      <a:lvl7pPr marR="0" algn="l" rtl="0">
         <a:lnSpc>
           <a:spcPct val="100000"/>
         </a:lnSpc>
@@ -3515,7 +3961,7 @@
           <a:spcPts val="0"/>
         </a:spcAft>
         <a:buNone/>
-        <a:defRPr b="0" baseline="0" i="0" sz="1400" u="none" cap="none" strike="noStrike">
+        <a:defRPr sz="1400" b="0" i="0" u="none" strike="noStrike" cap="none" baseline="0">
           <a:solidFill>
             <a:srgbClr val="000000"/>
           </a:solidFill>
@@ -3526,7 +3972,7 @@
           <a:rtl val="0"/>
         </a:defRPr>
       </a:lvl7pPr>
-      <a:lvl8pPr marR="0" rtl="0" algn="l">
+      <a:lvl8pPr marR="0" algn="l" rtl="0">
         <a:lnSpc>
           <a:spcPct val="100000"/>
         </a:lnSpc>
@@ -3537,7 +3983,7 @@
           <a:spcPts val="0"/>
         </a:spcAft>
         <a:buNone/>
-        <a:defRPr b="0" baseline="0" i="0" sz="1400" u="none" cap="none" strike="noStrike">
+        <a:defRPr sz="1400" b="0" i="0" u="none" strike="noStrike" cap="none" baseline="0">
           <a:solidFill>
             <a:srgbClr val="000000"/>
           </a:solidFill>
@@ -3548,7 +3994,7 @@
           <a:rtl val="0"/>
         </a:defRPr>
       </a:lvl8pPr>
-      <a:lvl9pPr marR="0" rtl="0" algn="l">
+      <a:lvl9pPr marR="0" algn="l" rtl="0">
         <a:lnSpc>
           <a:spcPct val="100000"/>
         </a:lnSpc>
@@ -3559,7 +4005,7 @@
           <a:spcPts val="0"/>
         </a:spcAft>
         <a:buNone/>
-        <a:defRPr b="0" baseline="0" i="0" sz="1400" u="none" cap="none" strike="noStrike">
+        <a:defRPr sz="1400" b="0" i="0" u="none" strike="noStrike" cap="none" baseline="0">
           <a:solidFill>
             <a:srgbClr val="000000"/>
           </a:solidFill>
@@ -3572,7 +4018,7 @@
       </a:lvl9pPr>
     </p:bodyStyle>
     <p:otherStyle>
-      <a:defPPr marR="0" rtl="0" algn="l">
+      <a:defPPr marR="0" algn="l" rtl="0">
         <a:lnSpc>
           <a:spcPct val="100000"/>
         </a:lnSpc>
@@ -3583,7 +4029,7 @@
           <a:spcPts val="0"/>
         </a:spcAft>
       </a:defPPr>
-      <a:lvl1pPr marR="0" rtl="0" algn="l">
+      <a:lvl1pPr marR="0" algn="l" rtl="0">
         <a:lnSpc>
           <a:spcPct val="100000"/>
         </a:lnSpc>
@@ -3594,7 +4040,7 @@
           <a:spcPts val="0"/>
         </a:spcAft>
         <a:buNone/>
-        <a:defRPr b="0" baseline="0" i="0" sz="1400" u="none" cap="none" strike="noStrike">
+        <a:defRPr sz="1400" b="0" i="0" u="none" strike="noStrike" cap="none" baseline="0">
           <a:solidFill>
             <a:srgbClr val="000000"/>
           </a:solidFill>
@@ -3605,7 +4051,7 @@
           <a:rtl val="0"/>
         </a:defRPr>
       </a:lvl1pPr>
-      <a:lvl2pPr marR="0" rtl="0" algn="l">
+      <a:lvl2pPr marR="0" algn="l" rtl="0">
         <a:lnSpc>
           <a:spcPct val="100000"/>
         </a:lnSpc>
@@ -3616,7 +4062,7 @@
           <a:spcPts val="0"/>
         </a:spcAft>
         <a:buNone/>
-        <a:defRPr b="0" baseline="0" i="0" sz="1400" u="none" cap="none" strike="noStrike">
+        <a:defRPr sz="1400" b="0" i="0" u="none" strike="noStrike" cap="none" baseline="0">
           <a:solidFill>
             <a:srgbClr val="000000"/>
           </a:solidFill>
@@ -3627,7 +4073,7 @@
           <a:rtl val="0"/>
         </a:defRPr>
       </a:lvl2pPr>
-      <a:lvl3pPr marR="0" rtl="0" algn="l">
+      <a:lvl3pPr marR="0" algn="l" rtl="0">
         <a:lnSpc>
           <a:spcPct val="100000"/>
         </a:lnSpc>
@@ -3638,7 +4084,7 @@
           <a:spcPts val="0"/>
         </a:spcAft>
         <a:buNone/>
-        <a:defRPr b="0" baseline="0" i="0" sz="1400" u="none" cap="none" strike="noStrike">
+        <a:defRPr sz="1400" b="0" i="0" u="none" strike="noStrike" cap="none" baseline="0">
           <a:solidFill>
             <a:srgbClr val="000000"/>
           </a:solidFill>
@@ -3649,7 +4095,7 @@
           <a:rtl val="0"/>
         </a:defRPr>
       </a:lvl3pPr>
-      <a:lvl4pPr marR="0" rtl="0" algn="l">
+      <a:lvl4pPr marR="0" algn="l" rtl="0">
         <a:lnSpc>
           <a:spcPct val="100000"/>
         </a:lnSpc>
@@ -3660,7 +4106,7 @@
           <a:spcPts val="0"/>
         </a:spcAft>
         <a:buNone/>
-        <a:defRPr b="0" baseline="0" i="0" sz="1400" u="none" cap="none" strike="noStrike">
+        <a:defRPr sz="1400" b="0" i="0" u="none" strike="noStrike" cap="none" baseline="0">
           <a:solidFill>
             <a:srgbClr val="000000"/>
           </a:solidFill>
@@ -3671,7 +4117,7 @@
           <a:rtl val="0"/>
         </a:defRPr>
       </a:lvl4pPr>
-      <a:lvl5pPr marR="0" rtl="0" algn="l">
+      <a:lvl5pPr marR="0" algn="l" rtl="0">
         <a:lnSpc>
           <a:spcPct val="100000"/>
         </a:lnSpc>
@@ -3682,7 +4128,7 @@
           <a:spcPts val="0"/>
         </a:spcAft>
         <a:buNone/>
-        <a:defRPr b="0" baseline="0" i="0" sz="1400" u="none" cap="none" strike="noStrike">
+        <a:defRPr sz="1400" b="0" i="0" u="none" strike="noStrike" cap="none" baseline="0">
           <a:solidFill>
             <a:srgbClr val="000000"/>
           </a:solidFill>
@@ -3693,7 +4139,7 @@
           <a:rtl val="0"/>
         </a:defRPr>
       </a:lvl5pPr>
-      <a:lvl6pPr marR="0" rtl="0" algn="l">
+      <a:lvl6pPr marR="0" algn="l" rtl="0">
         <a:lnSpc>
           <a:spcPct val="100000"/>
         </a:lnSpc>
@@ -3704,7 +4150,7 @@
           <a:spcPts val="0"/>
         </a:spcAft>
         <a:buNone/>
-        <a:defRPr b="0" baseline="0" i="0" sz="1400" u="none" cap="none" strike="noStrike">
+        <a:defRPr sz="1400" b="0" i="0" u="none" strike="noStrike" cap="none" baseline="0">
           <a:solidFill>
             <a:srgbClr val="000000"/>
           </a:solidFill>
@@ -3715,7 +4161,7 @@
           <a:rtl val="0"/>
         </a:defRPr>
       </a:lvl6pPr>
-      <a:lvl7pPr marR="0" rtl="0" algn="l">
+      <a:lvl7pPr marR="0" algn="l" rtl="0">
         <a:lnSpc>
           <a:spcPct val="100000"/>
         </a:lnSpc>
@@ -3726,7 +4172,7 @@
           <a:spcPts val="0"/>
         </a:spcAft>
         <a:buNone/>
-        <a:defRPr b="0" baseline="0" i="0" sz="1400" u="none" cap="none" strike="noStrike">
+        <a:defRPr sz="1400" b="0" i="0" u="none" strike="noStrike" cap="none" baseline="0">
           <a:solidFill>
             <a:srgbClr val="000000"/>
           </a:solidFill>
@@ -3737,7 +4183,7 @@
           <a:rtl val="0"/>
         </a:defRPr>
       </a:lvl7pPr>
-      <a:lvl8pPr marR="0" rtl="0" algn="l">
+      <a:lvl8pPr marR="0" algn="l" rtl="0">
         <a:lnSpc>
           <a:spcPct val="100000"/>
         </a:lnSpc>
@@ -3748,7 +4194,7 @@
           <a:spcPts val="0"/>
         </a:spcAft>
         <a:buNone/>
-        <a:defRPr b="0" baseline="0" i="0" sz="1400" u="none" cap="none" strike="noStrike">
+        <a:defRPr sz="1400" b="0" i="0" u="none" strike="noStrike" cap="none" baseline="0">
           <a:solidFill>
             <a:srgbClr val="000000"/>
           </a:solidFill>
@@ -3759,7 +4205,7 @@
           <a:rtl val="0"/>
         </a:defRPr>
       </a:lvl8pPr>
-      <a:lvl9pPr marR="0" rtl="0" algn="l">
+      <a:lvl9pPr marR="0" algn="l" rtl="0">
         <a:lnSpc>
           <a:spcPct val="100000"/>
         </a:lnSpc>
@@ -3770,7 +4216,7 @@
           <a:spcPts val="0"/>
         </a:spcAft>
         <a:buNone/>
-        <a:defRPr b="0" baseline="0" i="0" sz="1400" u="none" cap="none" strike="noStrike">
+        <a:defRPr sz="1400" b="0" i="0" u="none" strike="noStrike" cap="none" baseline="0">
           <a:solidFill>
             <a:srgbClr val="000000"/>
           </a:solidFill>
@@ -3787,11 +4233,11 @@
 </file>
 
 <file path=ppt/slides/slide1.xml><?xml version="1.0" encoding="utf-8"?>
-<p:sld xmlns:a="http://schemas.openxmlformats.org/drawingml/2006/main" xmlns:r="http://schemas.openxmlformats.org/officeDocument/2006/relationships" xmlns:mc="http://schemas.openxmlformats.org/markup-compatibility/2006" xmlns:mv="urn:schemas-microsoft-com:mac:vml" xmlns:p="http://schemas.openxmlformats.org/presentationml/2006/main" xmlns:c="http://schemas.openxmlformats.org/drawingml/2006/chart" xmlns:dgm="http://schemas.openxmlformats.org/drawingml/2006/diagram" xmlns:o="urn:schemas-microsoft-com:office:office" xmlns:v="urn:schemas-microsoft-com:vml" xmlns:pvml="urn:schemas-microsoft-com:office:powerpoint" xmlns:com="http://schemas.openxmlformats.org/drawingml/2006/compatibility" xmlns:p14="http://schemas.microsoft.com/office/powerpoint/2010/main">
+<p:sld xmlns:a="http://schemas.openxmlformats.org/drawingml/2006/main" xmlns:r="http://schemas.openxmlformats.org/officeDocument/2006/relationships" xmlns:p="http://schemas.openxmlformats.org/presentationml/2006/main">
   <p:cSld>
     <p:spTree>
       <p:nvGrpSpPr>
-        <p:cNvPr id="29" name="Shape 29"/>
+        <p:cNvPr id="1" name="Shape 29"/>
         <p:cNvGrpSpPr/>
         <p:nvPr/>
       </p:nvGrpSpPr>
@@ -3806,7 +4252,9 @@
       <p:sp>
         <p:nvSpPr>
           <p:cNvPr id="30" name="Shape 30"/>
-          <p:cNvSpPr txBox="1"/>
+          <p:cNvSpPr txBox="1">
+            <a:spLocks noGrp="1"/>
+          </p:cNvSpPr>
           <p:nvPr>
             <p:ph type="ctrTitle"/>
           </p:nvPr>
@@ -3821,7 +4269,7 @@
           </a:prstGeom>
         </p:spPr>
         <p:txBody>
-          <a:bodyPr anchorCtr="0" anchor="b" bIns="91425" lIns="91425" rIns="91425" tIns="91425">
+          <a:bodyPr lIns="91425" tIns="91425" rIns="91425" bIns="91425" anchor="b" anchorCtr="0">
             <a:noAutofit/>
           </a:bodyPr>
           <a:lstStyle/>
@@ -3866,9 +4314,11 @@
       <p:sp>
         <p:nvSpPr>
           <p:cNvPr id="31" name="Shape 31"/>
-          <p:cNvSpPr txBox="1"/>
+          <p:cNvSpPr txBox="1">
+            <a:spLocks noGrp="1"/>
+          </p:cNvSpPr>
           <p:nvPr>
-            <p:ph idx="1" type="subTitle"/>
+            <p:ph type="subTitle" idx="1"/>
           </p:nvPr>
         </p:nvSpPr>
         <p:spPr>
@@ -3881,7 +4331,7 @@
           </a:prstGeom>
         </p:spPr>
         <p:txBody>
-          <a:bodyPr anchorCtr="0" anchor="t" bIns="91425" lIns="91425" rIns="91425" tIns="91425">
+          <a:bodyPr lIns="91425" tIns="91425" rIns="91425" bIns="91425" anchor="t" anchorCtr="0">
             <a:noAutofit/>
           </a:bodyPr>
           <a:lstStyle/>
@@ -3943,7 +4393,7 @@
           </a:ln>
         </p:spPr>
         <p:txBody>
-          <a:bodyPr anchorCtr="0" anchor="ctr" bIns="91425" lIns="91425" rIns="91425" tIns="91425">
+          <a:bodyPr lIns="91425" tIns="91425" rIns="91425" bIns="91425" anchor="ctr" anchorCtr="0">
             <a:noAutofit/>
           </a:bodyPr>
           <a:lstStyle/>
@@ -3985,12 +4435,12 @@
           </a:ln>
         </p:spPr>
         <p:txBody>
-          <a:bodyPr anchorCtr="0" anchor="ctr" bIns="91425" lIns="91425" rIns="91425" tIns="91425">
+          <a:bodyPr lIns="91425" tIns="91425" rIns="91425" bIns="91425" anchor="ctr" anchorCtr="0">
             <a:noAutofit/>
           </a:bodyPr>
           <a:lstStyle/>
           <a:p>
-            <a:pPr lvl="0" rtl="0" algn="r">
+            <a:pPr lvl="0" algn="r" rtl="0">
               <a:spcBef>
                 <a:spcPts val="0"/>
               </a:spcBef>
@@ -4020,11 +4470,11 @@
 </file>
 
 <file path=ppt/slides/slide10.xml><?xml version="1.0" encoding="utf-8"?>
-<p:sld xmlns:a="http://schemas.openxmlformats.org/drawingml/2006/main" xmlns:r="http://schemas.openxmlformats.org/officeDocument/2006/relationships" xmlns:mc="http://schemas.openxmlformats.org/markup-compatibility/2006" xmlns:mv="urn:schemas-microsoft-com:mac:vml" xmlns:p="http://schemas.openxmlformats.org/presentationml/2006/main" xmlns:c="http://schemas.openxmlformats.org/drawingml/2006/chart" xmlns:dgm="http://schemas.openxmlformats.org/drawingml/2006/diagram" xmlns:o="urn:schemas-microsoft-com:office:office" xmlns:v="urn:schemas-microsoft-com:vml" xmlns:pvml="urn:schemas-microsoft-com:office:powerpoint" xmlns:com="http://schemas.openxmlformats.org/drawingml/2006/compatibility" xmlns:p14="http://schemas.microsoft.com/office/powerpoint/2010/main">
+<p:sld xmlns:a="http://schemas.openxmlformats.org/drawingml/2006/main" xmlns:r="http://schemas.openxmlformats.org/officeDocument/2006/relationships" xmlns:p="http://schemas.openxmlformats.org/presentationml/2006/main">
   <p:cSld>
     <p:spTree>
       <p:nvGrpSpPr>
-        <p:cNvPr id="105" name="Shape 105"/>
+        <p:cNvPr id="1" name="Shape 105"/>
         <p:cNvGrpSpPr/>
         <p:nvPr/>
       </p:nvGrpSpPr>
@@ -4039,7 +4489,9 @@
       <p:sp>
         <p:nvSpPr>
           <p:cNvPr id="106" name="Shape 106"/>
-          <p:cNvSpPr txBox="1"/>
+          <p:cNvSpPr txBox="1">
+            <a:spLocks noGrp="1"/>
+          </p:cNvSpPr>
           <p:nvPr>
             <p:ph type="title"/>
           </p:nvPr>
@@ -4054,7 +4506,7 @@
           </a:prstGeom>
         </p:spPr>
         <p:txBody>
-          <a:bodyPr anchorCtr="0" anchor="b" bIns="91425" lIns="91425" rIns="91425" tIns="91425">
+          <a:bodyPr lIns="91425" tIns="91425" rIns="91425" bIns="91425" anchor="b" anchorCtr="0">
             <a:noAutofit/>
           </a:bodyPr>
           <a:lstStyle/>
@@ -4075,9 +4527,11 @@
       <p:sp>
         <p:nvSpPr>
           <p:cNvPr id="107" name="Shape 107"/>
-          <p:cNvSpPr txBox="1"/>
+          <p:cNvSpPr txBox="1">
+            <a:spLocks noGrp="1"/>
+          </p:cNvSpPr>
           <p:nvPr>
-            <p:ph idx="1" type="body"/>
+            <p:ph type="body" idx="1"/>
           </p:nvPr>
         </p:nvSpPr>
         <p:spPr>
@@ -4090,7 +4544,7 @@
           </a:prstGeom>
         </p:spPr>
         <p:txBody>
-          <a:bodyPr anchorCtr="0" anchor="t" bIns="91425" lIns="91425" rIns="91425" tIns="91425">
+          <a:bodyPr lIns="91425" tIns="91425" rIns="91425" bIns="91425" anchor="t" anchorCtr="0">
             <a:noAutofit/>
           </a:bodyPr>
           <a:lstStyle/>
@@ -4117,9 +4571,6 @@
               </a:spcBef>
               <a:buNone/>
             </a:pPr>
-            <a:r>
-              <a:t/>
-            </a:r>
             <a:endParaRPr sz="2400">
               <a:solidFill>
                 <a:schemeClr val="dk1"/>
@@ -4149,9 +4600,6 @@
               </a:spcBef>
               <a:buNone/>
             </a:pPr>
-            <a:r>
-              <a:t/>
-            </a:r>
             <a:endParaRPr/>
           </a:p>
         </p:txBody>
@@ -4176,7 +4624,7 @@
           </a:ln>
         </p:spPr>
         <p:txBody>
-          <a:bodyPr anchorCtr="0" anchor="ctr" bIns="91425" lIns="91425" rIns="91425" tIns="91425">
+          <a:bodyPr lIns="91425" tIns="91425" rIns="91425" bIns="91425" anchor="ctr" anchorCtr="0">
             <a:noAutofit/>
           </a:bodyPr>
           <a:lstStyle/>
@@ -4210,11 +4658,11 @@
 </file>
 
 <file path=ppt/slides/slide11.xml><?xml version="1.0" encoding="utf-8"?>
-<p:sld xmlns:a="http://schemas.openxmlformats.org/drawingml/2006/main" xmlns:r="http://schemas.openxmlformats.org/officeDocument/2006/relationships" xmlns:mc="http://schemas.openxmlformats.org/markup-compatibility/2006" xmlns:mv="urn:schemas-microsoft-com:mac:vml" xmlns:p="http://schemas.openxmlformats.org/presentationml/2006/main" xmlns:c="http://schemas.openxmlformats.org/drawingml/2006/chart" xmlns:dgm="http://schemas.openxmlformats.org/drawingml/2006/diagram" xmlns:o="urn:schemas-microsoft-com:office:office" xmlns:v="urn:schemas-microsoft-com:vml" xmlns:pvml="urn:schemas-microsoft-com:office:powerpoint" xmlns:com="http://schemas.openxmlformats.org/drawingml/2006/compatibility" xmlns:p14="http://schemas.microsoft.com/office/powerpoint/2010/main">
+<p:sld xmlns:a="http://schemas.openxmlformats.org/drawingml/2006/main" xmlns:r="http://schemas.openxmlformats.org/officeDocument/2006/relationships" xmlns:p="http://schemas.openxmlformats.org/presentationml/2006/main">
   <p:cSld>
     <p:spTree>
       <p:nvGrpSpPr>
-        <p:cNvPr id="112" name="Shape 112"/>
+        <p:cNvPr id="1" name="Shape 112"/>
         <p:cNvGrpSpPr/>
         <p:nvPr/>
       </p:nvGrpSpPr>
@@ -4229,7 +4677,9 @@
       <p:sp>
         <p:nvSpPr>
           <p:cNvPr id="113" name="Shape 113"/>
-          <p:cNvSpPr txBox="1"/>
+          <p:cNvSpPr txBox="1">
+            <a:spLocks noGrp="1"/>
+          </p:cNvSpPr>
           <p:nvPr>
             <p:ph type="title"/>
           </p:nvPr>
@@ -4244,7 +4694,7 @@
           </a:prstGeom>
         </p:spPr>
         <p:txBody>
-          <a:bodyPr anchorCtr="0" anchor="b" bIns="91425" lIns="91425" rIns="91425" tIns="91425">
+          <a:bodyPr lIns="91425" tIns="91425" rIns="91425" bIns="91425" anchor="b" anchorCtr="0">
             <a:noAutofit/>
           </a:bodyPr>
           <a:lstStyle/>
@@ -4265,9 +4715,11 @@
       <p:sp>
         <p:nvSpPr>
           <p:cNvPr id="114" name="Shape 114"/>
-          <p:cNvSpPr txBox="1"/>
+          <p:cNvSpPr txBox="1">
+            <a:spLocks noGrp="1"/>
+          </p:cNvSpPr>
           <p:nvPr>
-            <p:ph idx="1" type="body"/>
+            <p:ph type="body" idx="1"/>
           </p:nvPr>
         </p:nvSpPr>
         <p:spPr>
@@ -4280,12 +4732,12 @@
           </a:prstGeom>
         </p:spPr>
         <p:txBody>
-          <a:bodyPr anchorCtr="0" anchor="t" bIns="91425" lIns="91425" rIns="91425" tIns="91425">
+          <a:bodyPr lIns="91425" tIns="91425" rIns="91425" bIns="91425" anchor="t" anchorCtr="0">
             <a:noAutofit/>
           </a:bodyPr>
           <a:lstStyle/>
           <a:p>
-            <a:pPr indent="-228600" lvl="0" marL="457200">
+            <a:pPr marL="457200" lvl="0" indent="-228600">
               <a:spcBef>
                 <a:spcPts val="0"/>
               </a:spcBef>
@@ -4325,7 +4777,7 @@
           </a:ln>
         </p:spPr>
         <p:txBody>
-          <a:bodyPr anchorCtr="0" anchor="ctr" bIns="91425" lIns="91425" rIns="91425" tIns="91425">
+          <a:bodyPr lIns="91425" tIns="91425" rIns="91425" bIns="91425" anchor="ctr" anchorCtr="0">
             <a:noAutofit/>
           </a:bodyPr>
           <a:lstStyle/>
@@ -4359,11 +4811,11 @@
 </file>
 
 <file path=ppt/slides/slide12.xml><?xml version="1.0" encoding="utf-8"?>
-<p:sld xmlns:a="http://schemas.openxmlformats.org/drawingml/2006/main" xmlns:r="http://schemas.openxmlformats.org/officeDocument/2006/relationships" xmlns:mc="http://schemas.openxmlformats.org/markup-compatibility/2006" xmlns:mv="urn:schemas-microsoft-com:mac:vml" xmlns:p="http://schemas.openxmlformats.org/presentationml/2006/main" xmlns:c="http://schemas.openxmlformats.org/drawingml/2006/chart" xmlns:dgm="http://schemas.openxmlformats.org/drawingml/2006/diagram" xmlns:o="urn:schemas-microsoft-com:office:office" xmlns:v="urn:schemas-microsoft-com:vml" xmlns:pvml="urn:schemas-microsoft-com:office:powerpoint" xmlns:com="http://schemas.openxmlformats.org/drawingml/2006/compatibility" xmlns:p14="http://schemas.microsoft.com/office/powerpoint/2010/main">
+<p:sld xmlns:a="http://schemas.openxmlformats.org/drawingml/2006/main" xmlns:r="http://schemas.openxmlformats.org/officeDocument/2006/relationships" xmlns:p="http://schemas.openxmlformats.org/presentationml/2006/main">
   <p:cSld>
     <p:spTree>
       <p:nvGrpSpPr>
-        <p:cNvPr id="119" name="Shape 119"/>
+        <p:cNvPr id="1" name="Shape 119"/>
         <p:cNvGrpSpPr/>
         <p:nvPr/>
       </p:nvGrpSpPr>
@@ -4378,7 +4830,9 @@
       <p:sp>
         <p:nvSpPr>
           <p:cNvPr id="120" name="Shape 120"/>
-          <p:cNvSpPr txBox="1"/>
+          <p:cNvSpPr txBox="1">
+            <a:spLocks noGrp="1"/>
+          </p:cNvSpPr>
           <p:nvPr>
             <p:ph type="title"/>
           </p:nvPr>
@@ -4393,7 +4847,7 @@
           </a:prstGeom>
         </p:spPr>
         <p:txBody>
-          <a:bodyPr anchorCtr="0" anchor="b" bIns="91425" lIns="91425" rIns="91425" tIns="91425">
+          <a:bodyPr lIns="91425" tIns="91425" rIns="91425" bIns="91425" anchor="b" anchorCtr="0">
             <a:noAutofit/>
           </a:bodyPr>
           <a:lstStyle/>
@@ -4414,9 +4868,11 @@
       <p:sp>
         <p:nvSpPr>
           <p:cNvPr id="121" name="Shape 121"/>
-          <p:cNvSpPr txBox="1"/>
+          <p:cNvSpPr txBox="1">
+            <a:spLocks noGrp="1"/>
+          </p:cNvSpPr>
           <p:nvPr>
-            <p:ph idx="1" type="body"/>
+            <p:ph type="body" idx="1"/>
           </p:nvPr>
         </p:nvSpPr>
         <p:spPr>
@@ -4429,12 +4885,12 @@
           </a:prstGeom>
         </p:spPr>
         <p:txBody>
-          <a:bodyPr anchorCtr="0" anchor="t" bIns="91425" lIns="91425" rIns="91425" tIns="91425">
+          <a:bodyPr lIns="91425" tIns="91425" rIns="91425" bIns="91425" anchor="t" anchorCtr="0">
             <a:noAutofit/>
           </a:bodyPr>
           <a:lstStyle/>
           <a:p>
-            <a:pPr indent="-228600" lvl="0" marL="457200" rtl="0">
+            <a:pPr marL="457200" lvl="0" indent="-228600" rtl="0">
               <a:spcBef>
                 <a:spcPts val="0"/>
               </a:spcBef>
@@ -4474,7 +4930,7 @@
           </a:ln>
         </p:spPr>
         <p:txBody>
-          <a:bodyPr anchorCtr="0" anchor="ctr" bIns="91425" lIns="91425" rIns="91425" tIns="91425">
+          <a:bodyPr lIns="91425" tIns="91425" rIns="91425" bIns="91425" anchor="ctr" anchorCtr="0">
             <a:noAutofit/>
           </a:bodyPr>
           <a:lstStyle/>
@@ -4508,11 +4964,11 @@
 </file>
 
 <file path=ppt/slides/slide13.xml><?xml version="1.0" encoding="utf-8"?>
-<p:sld xmlns:a="http://schemas.openxmlformats.org/drawingml/2006/main" xmlns:r="http://schemas.openxmlformats.org/officeDocument/2006/relationships" xmlns:mc="http://schemas.openxmlformats.org/markup-compatibility/2006" xmlns:mv="urn:schemas-microsoft-com:mac:vml" xmlns:p="http://schemas.openxmlformats.org/presentationml/2006/main" xmlns:c="http://schemas.openxmlformats.org/drawingml/2006/chart" xmlns:dgm="http://schemas.openxmlformats.org/drawingml/2006/diagram" xmlns:o="urn:schemas-microsoft-com:office:office" xmlns:v="urn:schemas-microsoft-com:vml" xmlns:pvml="urn:schemas-microsoft-com:office:powerpoint" xmlns:com="http://schemas.openxmlformats.org/drawingml/2006/compatibility" xmlns:p14="http://schemas.microsoft.com/office/powerpoint/2010/main">
+<p:sld xmlns:a="http://schemas.openxmlformats.org/drawingml/2006/main" xmlns:r="http://schemas.openxmlformats.org/officeDocument/2006/relationships" xmlns:p="http://schemas.openxmlformats.org/presentationml/2006/main">
   <p:cSld>
     <p:spTree>
       <p:nvGrpSpPr>
-        <p:cNvPr id="126" name="Shape 126"/>
+        <p:cNvPr id="1" name="Shape 126"/>
         <p:cNvGrpSpPr/>
         <p:nvPr/>
       </p:nvGrpSpPr>
@@ -4527,7 +4983,9 @@
       <p:sp>
         <p:nvSpPr>
           <p:cNvPr id="127" name="Shape 127"/>
-          <p:cNvSpPr txBox="1"/>
+          <p:cNvSpPr txBox="1">
+            <a:spLocks noGrp="1"/>
+          </p:cNvSpPr>
           <p:nvPr>
             <p:ph type="title"/>
           </p:nvPr>
@@ -4542,7 +5000,7 @@
           </a:prstGeom>
         </p:spPr>
         <p:txBody>
-          <a:bodyPr anchorCtr="0" anchor="b" bIns="91425" lIns="91425" rIns="91425" tIns="91425">
+          <a:bodyPr lIns="91425" tIns="91425" rIns="91425" bIns="91425" anchor="b" anchorCtr="0">
             <a:noAutofit/>
           </a:bodyPr>
           <a:lstStyle/>
@@ -4563,9 +5021,11 @@
       <p:sp>
         <p:nvSpPr>
           <p:cNvPr id="128" name="Shape 128"/>
-          <p:cNvSpPr txBox="1"/>
+          <p:cNvSpPr txBox="1">
+            <a:spLocks noGrp="1"/>
+          </p:cNvSpPr>
           <p:nvPr>
-            <p:ph idx="1" type="body"/>
+            <p:ph type="body" idx="1"/>
           </p:nvPr>
         </p:nvSpPr>
         <p:spPr>
@@ -4578,12 +5038,12 @@
           </a:prstGeom>
         </p:spPr>
         <p:txBody>
-          <a:bodyPr anchorCtr="0" anchor="t" bIns="91425" lIns="91425" rIns="91425" tIns="91425">
+          <a:bodyPr lIns="91425" tIns="91425" rIns="91425" bIns="91425" anchor="t" anchorCtr="0">
             <a:noAutofit/>
           </a:bodyPr>
           <a:lstStyle/>
           <a:p>
-            <a:pPr indent="-228600" lvl="0" marL="457200" rtl="0">
+            <a:pPr marL="457200" lvl="0" indent="-228600" rtl="0">
               <a:spcBef>
                 <a:spcPts val="0"/>
               </a:spcBef>
@@ -4623,7 +5083,7 @@
           </a:ln>
         </p:spPr>
         <p:txBody>
-          <a:bodyPr anchorCtr="0" anchor="ctr" bIns="91425" lIns="91425" rIns="91425" tIns="91425">
+          <a:bodyPr lIns="91425" tIns="91425" rIns="91425" bIns="91425" anchor="ctr" anchorCtr="0">
             <a:noAutofit/>
           </a:bodyPr>
           <a:lstStyle/>
@@ -4657,11 +5117,11 @@
 </file>
 
 <file path=ppt/slides/slide14.xml><?xml version="1.0" encoding="utf-8"?>
-<p:sld xmlns:a="http://schemas.openxmlformats.org/drawingml/2006/main" xmlns:r="http://schemas.openxmlformats.org/officeDocument/2006/relationships" xmlns:mc="http://schemas.openxmlformats.org/markup-compatibility/2006" xmlns:mv="urn:schemas-microsoft-com:mac:vml" xmlns:p="http://schemas.openxmlformats.org/presentationml/2006/main" xmlns:c="http://schemas.openxmlformats.org/drawingml/2006/chart" xmlns:dgm="http://schemas.openxmlformats.org/drawingml/2006/diagram" xmlns:o="urn:schemas-microsoft-com:office:office" xmlns:v="urn:schemas-microsoft-com:vml" xmlns:pvml="urn:schemas-microsoft-com:office:powerpoint" xmlns:com="http://schemas.openxmlformats.org/drawingml/2006/compatibility" xmlns:p14="http://schemas.microsoft.com/office/powerpoint/2010/main">
+<p:sld xmlns:a="http://schemas.openxmlformats.org/drawingml/2006/main" xmlns:r="http://schemas.openxmlformats.org/officeDocument/2006/relationships" xmlns:p="http://schemas.openxmlformats.org/presentationml/2006/main">
   <p:cSld>
     <p:spTree>
       <p:nvGrpSpPr>
-        <p:cNvPr id="133" name="Shape 133"/>
+        <p:cNvPr id="1" name="Shape 133"/>
         <p:cNvGrpSpPr/>
         <p:nvPr/>
       </p:nvGrpSpPr>
@@ -4676,7 +5136,9 @@
       <p:sp>
         <p:nvSpPr>
           <p:cNvPr id="134" name="Shape 134"/>
-          <p:cNvSpPr txBox="1"/>
+          <p:cNvSpPr txBox="1">
+            <a:spLocks noGrp="1"/>
+          </p:cNvSpPr>
           <p:nvPr>
             <p:ph type="title"/>
           </p:nvPr>
@@ -4691,7 +5153,7 @@
           </a:prstGeom>
         </p:spPr>
         <p:txBody>
-          <a:bodyPr anchorCtr="0" anchor="b" bIns="91425" lIns="91425" rIns="91425" tIns="91425">
+          <a:bodyPr lIns="91425" tIns="91425" rIns="91425" bIns="91425" anchor="b" anchorCtr="0">
             <a:noAutofit/>
           </a:bodyPr>
           <a:lstStyle/>
@@ -4712,9 +5174,11 @@
       <p:sp>
         <p:nvSpPr>
           <p:cNvPr id="135" name="Shape 135"/>
-          <p:cNvSpPr txBox="1"/>
+          <p:cNvSpPr txBox="1">
+            <a:spLocks noGrp="1"/>
+          </p:cNvSpPr>
           <p:nvPr>
-            <p:ph idx="1" type="body"/>
+            <p:ph type="body" idx="1"/>
           </p:nvPr>
         </p:nvSpPr>
         <p:spPr>
@@ -4727,7 +5191,7 @@
           </a:prstGeom>
         </p:spPr>
         <p:txBody>
-          <a:bodyPr anchorCtr="0" anchor="t" bIns="91425" lIns="91425" rIns="91425" tIns="91425">
+          <a:bodyPr lIns="91425" tIns="91425" rIns="91425" bIns="91425" anchor="t" anchorCtr="0">
             <a:noAutofit/>
           </a:bodyPr>
           <a:lstStyle/>
@@ -4750,9 +5214,6 @@
               </a:spcBef>
               <a:buNone/>
             </a:pPr>
-            <a:r>
-              <a:t/>
-            </a:r>
             <a:endParaRPr/>
           </a:p>
           <a:p>
@@ -4774,9 +5235,6 @@
               </a:spcBef>
               <a:buNone/>
             </a:pPr>
-            <a:r>
-              <a:t/>
-            </a:r>
             <a:endParaRPr/>
           </a:p>
           <a:p>
@@ -4813,7 +5271,7 @@
           </a:ln>
         </p:spPr>
         <p:txBody>
-          <a:bodyPr anchorCtr="0" anchor="ctr" bIns="91425" lIns="91425" rIns="91425" tIns="91425">
+          <a:bodyPr lIns="91425" tIns="91425" rIns="91425" bIns="91425" anchor="ctr" anchorCtr="0">
             <a:noAutofit/>
           </a:bodyPr>
           <a:lstStyle/>
@@ -4847,11 +5305,11 @@
 </file>
 
 <file path=ppt/slides/slide2.xml><?xml version="1.0" encoding="utf-8"?>
-<p:sld xmlns:a="http://schemas.openxmlformats.org/drawingml/2006/main" xmlns:r="http://schemas.openxmlformats.org/officeDocument/2006/relationships" xmlns:mc="http://schemas.openxmlformats.org/markup-compatibility/2006" xmlns:mv="urn:schemas-microsoft-com:mac:vml" xmlns:p="http://schemas.openxmlformats.org/presentationml/2006/main" xmlns:c="http://schemas.openxmlformats.org/drawingml/2006/chart" xmlns:dgm="http://schemas.openxmlformats.org/drawingml/2006/diagram" xmlns:o="urn:schemas-microsoft-com:office:office" xmlns:v="urn:schemas-microsoft-com:vml" xmlns:pvml="urn:schemas-microsoft-com:office:powerpoint" xmlns:com="http://schemas.openxmlformats.org/drawingml/2006/compatibility" xmlns:p14="http://schemas.microsoft.com/office/powerpoint/2010/main">
+<p:sld xmlns:a="http://schemas.openxmlformats.org/drawingml/2006/main" xmlns:r="http://schemas.openxmlformats.org/officeDocument/2006/relationships" xmlns:p="http://schemas.openxmlformats.org/presentationml/2006/main">
   <p:cSld>
     <p:spTree>
       <p:nvGrpSpPr>
-        <p:cNvPr id="37" name="Shape 37"/>
+        <p:cNvPr id="1" name="Shape 37"/>
         <p:cNvGrpSpPr/>
         <p:nvPr/>
       </p:nvGrpSpPr>
@@ -4866,9 +5324,11 @@
       <p:sp>
         <p:nvSpPr>
           <p:cNvPr id="38" name="Shape 38"/>
-          <p:cNvSpPr txBox="1"/>
+          <p:cNvSpPr txBox="1">
+            <a:spLocks noGrp="1"/>
+          </p:cNvSpPr>
           <p:nvPr>
-            <p:ph idx="1" type="subTitle"/>
+            <p:ph type="subTitle" idx="1"/>
           </p:nvPr>
         </p:nvSpPr>
         <p:spPr>
@@ -4881,7 +5341,7 @@
           </a:prstGeom>
         </p:spPr>
         <p:txBody>
-          <a:bodyPr anchorCtr="0" anchor="t" bIns="91425" lIns="91425" rIns="91425" tIns="91425">
+          <a:bodyPr lIns="91425" tIns="91425" rIns="91425" bIns="91425" anchor="t" anchorCtr="0">
             <a:noAutofit/>
           </a:bodyPr>
           <a:lstStyle/>
@@ -4902,7 +5362,9 @@
       <p:sp>
         <p:nvSpPr>
           <p:cNvPr id="39" name="Shape 39"/>
-          <p:cNvSpPr txBox="1"/>
+          <p:cNvSpPr txBox="1">
+            <a:spLocks noGrp="1"/>
+          </p:cNvSpPr>
           <p:nvPr>
             <p:ph type="ctrTitle"/>
           </p:nvPr>
@@ -4917,7 +5379,7 @@
           </a:prstGeom>
         </p:spPr>
         <p:txBody>
-          <a:bodyPr anchorCtr="0" anchor="b" bIns="91425" lIns="91425" rIns="91425" tIns="91425">
+          <a:bodyPr lIns="91425" tIns="91425" rIns="91425" bIns="91425" anchor="b" anchorCtr="0">
             <a:noAutofit/>
           </a:bodyPr>
           <a:lstStyle/>
@@ -4955,7 +5417,7 @@
           </a:ln>
         </p:spPr>
         <p:txBody>
-          <a:bodyPr anchorCtr="0" anchor="ctr" bIns="91425" lIns="91425" rIns="91425" tIns="91425">
+          <a:bodyPr lIns="91425" tIns="91425" rIns="91425" bIns="91425" anchor="ctr" anchorCtr="0">
             <a:noAutofit/>
           </a:bodyPr>
           <a:lstStyle/>
@@ -4989,11 +5451,11 @@
 </file>
 
 <file path=ppt/slides/slide3.xml><?xml version="1.0" encoding="utf-8"?>
-<p:sld xmlns:a="http://schemas.openxmlformats.org/drawingml/2006/main" xmlns:r="http://schemas.openxmlformats.org/officeDocument/2006/relationships" xmlns:mc="http://schemas.openxmlformats.org/markup-compatibility/2006" xmlns:mv="urn:schemas-microsoft-com:mac:vml" xmlns:p="http://schemas.openxmlformats.org/presentationml/2006/main" xmlns:c="http://schemas.openxmlformats.org/drawingml/2006/chart" xmlns:dgm="http://schemas.openxmlformats.org/drawingml/2006/diagram" xmlns:o="urn:schemas-microsoft-com:office:office" xmlns:v="urn:schemas-microsoft-com:vml" xmlns:pvml="urn:schemas-microsoft-com:office:powerpoint" xmlns:com="http://schemas.openxmlformats.org/drawingml/2006/compatibility" xmlns:p14="http://schemas.microsoft.com/office/powerpoint/2010/main">
+<p:sld xmlns:a="http://schemas.openxmlformats.org/drawingml/2006/main" xmlns:r="http://schemas.openxmlformats.org/officeDocument/2006/relationships" xmlns:p="http://schemas.openxmlformats.org/presentationml/2006/main">
   <p:cSld>
     <p:spTree>
       <p:nvGrpSpPr>
-        <p:cNvPr id="44" name="Shape 44"/>
+        <p:cNvPr id="1" name="Shape 44"/>
         <p:cNvGrpSpPr/>
         <p:nvPr/>
       </p:nvGrpSpPr>
@@ -5008,9 +5470,11 @@
       <p:sp>
         <p:nvSpPr>
           <p:cNvPr id="45" name="Shape 45"/>
-          <p:cNvSpPr txBox="1"/>
+          <p:cNvSpPr txBox="1">
+            <a:spLocks noGrp="1"/>
+          </p:cNvSpPr>
           <p:nvPr>
-            <p:ph idx="1" type="body"/>
+            <p:ph type="body" idx="1"/>
           </p:nvPr>
         </p:nvSpPr>
         <p:spPr>
@@ -5023,7 +5487,7 @@
           </a:prstGeom>
         </p:spPr>
         <p:txBody>
-          <a:bodyPr anchorCtr="0" anchor="t" bIns="91425" lIns="91425" rIns="91425" tIns="91425">
+          <a:bodyPr lIns="91425" tIns="91425" rIns="91425" bIns="91425" anchor="t" anchorCtr="0">
             <a:noAutofit/>
           </a:bodyPr>
           <a:lstStyle/>
@@ -5044,7 +5508,9 @@
       <p:sp>
         <p:nvSpPr>
           <p:cNvPr id="46" name="Shape 46"/>
-          <p:cNvSpPr txBox="1"/>
+          <p:cNvSpPr txBox="1">
+            <a:spLocks noGrp="1"/>
+          </p:cNvSpPr>
           <p:nvPr>
             <p:ph type="title"/>
           </p:nvPr>
@@ -5059,7 +5525,7 @@
           </a:prstGeom>
         </p:spPr>
         <p:txBody>
-          <a:bodyPr anchorCtr="0" anchor="b" bIns="91425" lIns="91425" rIns="91425" tIns="91425">
+          <a:bodyPr lIns="91425" tIns="91425" rIns="91425" bIns="91425" anchor="b" anchorCtr="0">
             <a:noAutofit/>
           </a:bodyPr>
           <a:lstStyle/>
@@ -5097,7 +5563,7 @@
           </a:ln>
         </p:spPr>
         <p:txBody>
-          <a:bodyPr anchorCtr="0" anchor="ctr" bIns="91425" lIns="91425" rIns="91425" tIns="91425">
+          <a:bodyPr lIns="91425" tIns="91425" rIns="91425" bIns="91425" anchor="ctr" anchorCtr="0">
             <a:noAutofit/>
           </a:bodyPr>
           <a:lstStyle/>
@@ -5131,11 +5597,11 @@
 </file>
 
 <file path=ppt/slides/slide4.xml><?xml version="1.0" encoding="utf-8"?>
-<p:sld xmlns:a="http://schemas.openxmlformats.org/drawingml/2006/main" xmlns:r="http://schemas.openxmlformats.org/officeDocument/2006/relationships" xmlns:mc="http://schemas.openxmlformats.org/markup-compatibility/2006" xmlns:mv="urn:schemas-microsoft-com:mac:vml" xmlns:p="http://schemas.openxmlformats.org/presentationml/2006/main" xmlns:c="http://schemas.openxmlformats.org/drawingml/2006/chart" xmlns:dgm="http://schemas.openxmlformats.org/drawingml/2006/diagram" xmlns:o="urn:schemas-microsoft-com:office:office" xmlns:v="urn:schemas-microsoft-com:vml" xmlns:pvml="urn:schemas-microsoft-com:office:powerpoint" xmlns:com="http://schemas.openxmlformats.org/drawingml/2006/compatibility" xmlns:p14="http://schemas.microsoft.com/office/powerpoint/2010/main">
+<p:sld xmlns:a="http://schemas.openxmlformats.org/drawingml/2006/main" xmlns:r="http://schemas.openxmlformats.org/officeDocument/2006/relationships" xmlns:p="http://schemas.openxmlformats.org/presentationml/2006/main">
   <p:cSld>
     <p:spTree>
       <p:nvGrpSpPr>
-        <p:cNvPr id="51" name="Shape 51"/>
+        <p:cNvPr id="1" name="Shape 51"/>
         <p:cNvGrpSpPr/>
         <p:nvPr/>
       </p:nvGrpSpPr>
@@ -5178,9 +5644,11 @@
       <p:sp>
         <p:nvSpPr>
           <p:cNvPr id="53" name="Shape 53"/>
-          <p:cNvSpPr txBox="1"/>
+          <p:cNvSpPr txBox="1">
+            <a:spLocks noGrp="1"/>
+          </p:cNvSpPr>
           <p:nvPr>
-            <p:ph idx="1" type="body"/>
+            <p:ph type="body" idx="1"/>
           </p:nvPr>
         </p:nvSpPr>
         <p:spPr>
@@ -5193,7 +5661,7 @@
           </a:prstGeom>
         </p:spPr>
         <p:txBody>
-          <a:bodyPr anchorCtr="0" anchor="t" bIns="91425" lIns="91425" rIns="91425" tIns="91425">
+          <a:bodyPr lIns="91425" tIns="91425" rIns="91425" bIns="91425" anchor="t" anchorCtr="0">
             <a:noAutofit/>
           </a:bodyPr>
           <a:lstStyle/>
@@ -5216,9 +5684,6 @@
               </a:spcBef>
               <a:buNone/>
             </a:pPr>
-            <a:r>
-              <a:t/>
-            </a:r>
             <a:endParaRPr/>
           </a:p>
         </p:txBody>
@@ -5243,7 +5708,7 @@
           </a:ln>
         </p:spPr>
         <p:txBody>
-          <a:bodyPr anchorCtr="0" anchor="ctr" bIns="91425" lIns="91425" rIns="91425" tIns="91425">
+          <a:bodyPr lIns="91425" tIns="91425" rIns="91425" bIns="91425" anchor="ctr" anchorCtr="0">
             <a:noAutofit/>
           </a:bodyPr>
           <a:lstStyle/>
@@ -5268,9 +5733,11 @@
       <p:sp>
         <p:nvSpPr>
           <p:cNvPr id="55" name="Shape 55"/>
-          <p:cNvSpPr txBox="1"/>
+          <p:cNvSpPr txBox="1">
+            <a:spLocks noGrp="1"/>
+          </p:cNvSpPr>
           <p:nvPr>
-            <p:ph idx="2" type="body"/>
+            <p:ph type="body" idx="2"/>
           </p:nvPr>
         </p:nvSpPr>
         <p:spPr>
@@ -5283,7 +5750,7 @@
           </a:prstGeom>
         </p:spPr>
         <p:txBody>
-          <a:bodyPr anchorCtr="0" anchor="t" bIns="91425" lIns="91425" rIns="91425" tIns="91425">
+          <a:bodyPr lIns="91425" tIns="91425" rIns="91425" bIns="91425" anchor="t" anchorCtr="0">
             <a:noAutofit/>
           </a:bodyPr>
           <a:lstStyle/>
@@ -5306,9 +5773,6 @@
               </a:spcBef>
               <a:buNone/>
             </a:pPr>
-            <a:r>
-              <a:t/>
-            </a:r>
             <a:endParaRPr/>
           </a:p>
         </p:txBody>
@@ -5361,7 +5825,7 @@
           </a:ln>
         </p:spPr>
         <p:txBody>
-          <a:bodyPr anchorCtr="0" anchor="t" bIns="91425" lIns="91425" rIns="91425" tIns="91425">
+          <a:bodyPr lIns="91425" tIns="91425" rIns="91425" bIns="91425" anchor="t" anchorCtr="0">
             <a:noAutofit/>
           </a:bodyPr>
           <a:lstStyle/>
@@ -5391,11 +5855,11 @@
 </file>
 
 <file path=ppt/slides/slide5.xml><?xml version="1.0" encoding="utf-8"?>
-<p:sld xmlns:a="http://schemas.openxmlformats.org/drawingml/2006/main" xmlns:r="http://schemas.openxmlformats.org/officeDocument/2006/relationships" xmlns:mc="http://schemas.openxmlformats.org/markup-compatibility/2006" xmlns:mv="urn:schemas-microsoft-com:mac:vml" xmlns:p="http://schemas.openxmlformats.org/presentationml/2006/main" xmlns:c="http://schemas.openxmlformats.org/drawingml/2006/chart" xmlns:dgm="http://schemas.openxmlformats.org/drawingml/2006/diagram" xmlns:o="urn:schemas-microsoft-com:office:office" xmlns:v="urn:schemas-microsoft-com:vml" xmlns:pvml="urn:schemas-microsoft-com:office:powerpoint" xmlns:com="http://schemas.openxmlformats.org/drawingml/2006/compatibility" xmlns:p14="http://schemas.microsoft.com/office/powerpoint/2010/main">
+<p:sld xmlns:a="http://schemas.openxmlformats.org/drawingml/2006/main" xmlns:r="http://schemas.openxmlformats.org/officeDocument/2006/relationships" xmlns:p="http://schemas.openxmlformats.org/presentationml/2006/main">
   <p:cSld>
     <p:spTree>
       <p:nvGrpSpPr>
-        <p:cNvPr id="61" name="Shape 61"/>
+        <p:cNvPr id="1" name="Shape 61"/>
         <p:cNvGrpSpPr/>
         <p:nvPr/>
       </p:nvGrpSpPr>
@@ -5410,7 +5874,9 @@
       <p:sp>
         <p:nvSpPr>
           <p:cNvPr id="62" name="Shape 62"/>
-          <p:cNvSpPr txBox="1"/>
+          <p:cNvSpPr txBox="1">
+            <a:spLocks noGrp="1"/>
+          </p:cNvSpPr>
           <p:nvPr>
             <p:ph type="title"/>
           </p:nvPr>
@@ -5425,7 +5891,7 @@
           </a:prstGeom>
         </p:spPr>
         <p:txBody>
-          <a:bodyPr anchorCtr="0" anchor="b" bIns="91425" lIns="91425" rIns="91425" tIns="91425">
+          <a:bodyPr lIns="91425" tIns="91425" rIns="91425" bIns="91425" anchor="b" anchorCtr="0">
             <a:noAutofit/>
           </a:bodyPr>
           <a:lstStyle/>
@@ -5463,7 +5929,7 @@
           </a:ln>
         </p:spPr>
         <p:txBody>
-          <a:bodyPr anchorCtr="0" anchor="ctr" bIns="91425" lIns="91425" rIns="91425" tIns="91425">
+          <a:bodyPr lIns="91425" tIns="91425" rIns="91425" bIns="91425" anchor="ctr" anchorCtr="0">
             <a:noAutofit/>
           </a:bodyPr>
           <a:lstStyle/>
@@ -5502,18 +5968,18 @@
           <a:solidFill>
             <a:schemeClr val="lt2"/>
           </a:solidFill>
-          <a:ln cap="flat" cmpd="sng" w="19050">
+          <a:ln w="19050" cap="flat" cmpd="sng">
             <a:solidFill>
               <a:schemeClr val="dk2"/>
             </a:solidFill>
             <a:prstDash val="solid"/>
             <a:round/>
-            <a:headEnd len="med" w="med" type="none"/>
-            <a:tailEnd len="med" w="med" type="none"/>
+            <a:headEnd type="none" w="med" len="med"/>
+            <a:tailEnd type="none" w="med" len="med"/>
           </a:ln>
         </p:spPr>
         <p:txBody>
-          <a:bodyPr anchorCtr="0" anchor="ctr" bIns="91425" lIns="91425" rIns="91425" tIns="91425">
+          <a:bodyPr lIns="91425" tIns="91425" rIns="91425" bIns="91425" anchor="ctr" anchorCtr="0">
             <a:noAutofit/>
           </a:bodyPr>
           <a:lstStyle/>
@@ -5548,23 +6014,23 @@
           <a:solidFill>
             <a:schemeClr val="lt2"/>
           </a:solidFill>
-          <a:ln cap="flat" cmpd="sng" w="19050">
+          <a:ln w="19050" cap="flat" cmpd="sng">
             <a:solidFill>
               <a:schemeClr val="dk2"/>
             </a:solidFill>
             <a:prstDash val="solid"/>
             <a:round/>
-            <a:headEnd len="med" w="med" type="none"/>
-            <a:tailEnd len="med" w="med" type="none"/>
+            <a:headEnd type="none" w="med" len="med"/>
+            <a:tailEnd type="none" w="med" len="med"/>
           </a:ln>
         </p:spPr>
         <p:txBody>
-          <a:bodyPr anchorCtr="0" anchor="ctr" bIns="91425" lIns="91425" rIns="91425" tIns="91425">
+          <a:bodyPr lIns="91425" tIns="91425" rIns="91425" bIns="91425" anchor="ctr" anchorCtr="0">
             <a:noAutofit/>
           </a:bodyPr>
           <a:lstStyle/>
           <a:p>
-            <a:pPr lvl="0" rtl="0" algn="ctr">
+            <a:pPr lvl="0" algn="ctr" rtl="0">
               <a:spcBef>
                 <a:spcPts val="0"/>
               </a:spcBef>
@@ -5594,23 +6060,23 @@
           <a:solidFill>
             <a:schemeClr val="lt2"/>
           </a:solidFill>
-          <a:ln cap="flat" cmpd="sng" w="19050">
+          <a:ln w="19050" cap="flat" cmpd="sng">
             <a:solidFill>
               <a:schemeClr val="dk2"/>
             </a:solidFill>
             <a:prstDash val="solid"/>
             <a:round/>
-            <a:headEnd len="med" w="med" type="none"/>
-            <a:tailEnd len="med" w="med" type="none"/>
+            <a:headEnd type="none" w="med" len="med"/>
+            <a:tailEnd type="none" w="med" len="med"/>
           </a:ln>
         </p:spPr>
         <p:txBody>
-          <a:bodyPr anchorCtr="0" anchor="ctr" bIns="91425" lIns="91425" rIns="91425" tIns="91425">
+          <a:bodyPr lIns="91425" tIns="91425" rIns="91425" bIns="91425" anchor="ctr" anchorCtr="0">
             <a:noAutofit/>
           </a:bodyPr>
           <a:lstStyle/>
           <a:p>
-            <a:pPr lvl="0" rtl="0" algn="ctr">
+            <a:pPr lvl="0" algn="ctr" rtl="0">
               <a:spcBef>
                 <a:spcPts val="0"/>
               </a:spcBef>
@@ -5640,23 +6106,23 @@
           <a:solidFill>
             <a:schemeClr val="lt2"/>
           </a:solidFill>
-          <a:ln cap="flat" cmpd="sng" w="19050">
+          <a:ln w="19050" cap="flat" cmpd="sng">
             <a:solidFill>
               <a:schemeClr val="dk2"/>
             </a:solidFill>
             <a:prstDash val="solid"/>
             <a:round/>
-            <a:headEnd len="med" w="med" type="none"/>
-            <a:tailEnd len="med" w="med" type="none"/>
+            <a:headEnd type="none" w="med" len="med"/>
+            <a:tailEnd type="none" w="med" len="med"/>
           </a:ln>
         </p:spPr>
         <p:txBody>
-          <a:bodyPr anchorCtr="0" anchor="ctr" bIns="91425" lIns="91425" rIns="91425" tIns="91425">
+          <a:bodyPr lIns="91425" tIns="91425" rIns="91425" bIns="91425" anchor="ctr" anchorCtr="0">
             <a:noAutofit/>
           </a:bodyPr>
           <a:lstStyle/>
           <a:p>
-            <a:pPr lvl="0" rtl="0" algn="ctr">
+            <a:pPr lvl="0" algn="ctr" rtl="0">
               <a:spcBef>
                 <a:spcPts val="0"/>
               </a:spcBef>
@@ -5686,23 +6152,23 @@
           <a:solidFill>
             <a:schemeClr val="lt2"/>
           </a:solidFill>
-          <a:ln cap="flat" cmpd="sng" w="19050">
+          <a:ln w="19050" cap="flat" cmpd="sng">
             <a:solidFill>
               <a:schemeClr val="dk2"/>
             </a:solidFill>
             <a:prstDash val="solid"/>
             <a:round/>
-            <a:headEnd len="med" w="med" type="none"/>
-            <a:tailEnd len="med" w="med" type="none"/>
+            <a:headEnd type="none" w="med" len="med"/>
+            <a:tailEnd type="none" w="med" len="med"/>
           </a:ln>
         </p:spPr>
         <p:txBody>
-          <a:bodyPr anchorCtr="0" anchor="ctr" bIns="91425" lIns="91425" rIns="91425" tIns="91425">
+          <a:bodyPr lIns="91425" tIns="91425" rIns="91425" bIns="91425" anchor="ctr" anchorCtr="0">
             <a:noAutofit/>
           </a:bodyPr>
           <a:lstStyle/>
           <a:p>
-            <a:pPr lvl="0" rtl="0" algn="ctr">
+            <a:pPr lvl="0" algn="ctr" rtl="0">
               <a:spcBef>
                 <a:spcPts val="0"/>
               </a:spcBef>
@@ -5724,7 +6190,7 @@
           <p:nvPr/>
         </p:nvCxnSpPr>
         <p:spPr>
-          <a:xfrm flipH="1" rot="10800000">
+          <a:xfrm rot="10800000" flipH="1">
             <a:off x="1686699" y="2082275"/>
             <a:ext cx="1041600" cy="3300"/>
           </a:xfrm>
@@ -5732,14 +6198,14 @@
             <a:avLst/>
           </a:prstGeom>
           <a:noFill/>
-          <a:ln cap="flat" cmpd="sng" w="19050">
+          <a:ln w="19050" cap="flat" cmpd="sng">
             <a:solidFill>
               <a:schemeClr val="dk2"/>
             </a:solidFill>
             <a:prstDash val="solid"/>
             <a:round/>
-            <a:headEnd len="lg" w="lg" type="none"/>
-            <a:tailEnd len="lg" w="lg" type="triangle"/>
+            <a:headEnd type="none" w="lg" len="lg"/>
+            <a:tailEnd type="triangle" w="lg" len="lg"/>
           </a:ln>
         </p:spPr>
       </p:cxnSp>
@@ -5750,7 +6216,7 @@
           <p:nvPr/>
         </p:nvCxnSpPr>
         <p:spPr>
-          <a:xfrm flipH="1" rot="10800000">
+          <a:xfrm rot="10800000" flipH="1">
             <a:off x="3642225" y="2035250"/>
             <a:ext cx="1041600" cy="3299"/>
           </a:xfrm>
@@ -5758,14 +6224,14 @@
             <a:avLst/>
           </a:prstGeom>
           <a:noFill/>
-          <a:ln cap="flat" cmpd="sng" w="19050">
+          <a:ln w="19050" cap="flat" cmpd="sng">
             <a:solidFill>
               <a:schemeClr val="dk2"/>
             </a:solidFill>
             <a:prstDash val="solid"/>
             <a:round/>
-            <a:headEnd len="lg" w="lg" type="none"/>
-            <a:tailEnd len="lg" w="lg" type="triangle"/>
+            <a:headEnd type="none" w="lg" len="lg"/>
+            <a:tailEnd type="triangle" w="lg" len="lg"/>
           </a:ln>
         </p:spPr>
       </p:cxnSp>
@@ -5778,7 +6244,7 @@
           <p:nvPr/>
         </p:nvCxnSpPr>
         <p:spPr>
-          <a:xfrm flipH="1" rot="10800000">
+          <a:xfrm rot="10800000" flipH="1">
             <a:off x="5597750" y="2035175"/>
             <a:ext cx="1166400" cy="47100"/>
           </a:xfrm>
@@ -5786,14 +6252,14 @@
             <a:avLst/>
           </a:prstGeom>
           <a:noFill/>
-          <a:ln cap="flat" cmpd="sng" w="19050">
+          <a:ln w="19050" cap="flat" cmpd="sng">
             <a:solidFill>
               <a:schemeClr val="dk2"/>
             </a:solidFill>
             <a:prstDash val="solid"/>
             <a:round/>
-            <a:headEnd len="lg" w="lg" type="none"/>
-            <a:tailEnd len="lg" w="lg" type="triangle"/>
+            <a:headEnd type="none" w="lg" len="lg"/>
+            <a:tailEnd type="triangle" w="lg" len="lg"/>
           </a:ln>
         </p:spPr>
       </p:cxnSp>
@@ -5815,14 +6281,14 @@
             <a:avLst/>
           </a:prstGeom>
           <a:noFill/>
-          <a:ln cap="flat" cmpd="sng" w="19050">
+          <a:ln w="19050" cap="flat" cmpd="sng">
             <a:solidFill>
               <a:schemeClr val="dk2"/>
             </a:solidFill>
             <a:prstDash val="solid"/>
             <a:round/>
-            <a:headEnd len="lg" w="lg" type="none"/>
-            <a:tailEnd len="lg" w="lg" type="triangle"/>
+            <a:headEnd type="none" w="lg" len="lg"/>
+            <a:tailEnd type="triangle" w="lg" len="lg"/>
           </a:ln>
         </p:spPr>
       </p:cxnSp>
@@ -5846,7 +6312,7 @@
           </a:ln>
         </p:spPr>
         <p:txBody>
-          <a:bodyPr anchorCtr="0" anchor="t" bIns="91425" lIns="91425" rIns="91425" tIns="91425">
+          <a:bodyPr lIns="91425" tIns="91425" rIns="91425" bIns="91425" anchor="t" anchorCtr="0">
             <a:noAutofit/>
           </a:bodyPr>
           <a:lstStyle/>
@@ -5876,11 +6342,11 @@
 </file>
 
 <file path=ppt/slides/slide6.xml><?xml version="1.0" encoding="utf-8"?>
-<p:sld xmlns:a="http://schemas.openxmlformats.org/drawingml/2006/main" xmlns:r="http://schemas.openxmlformats.org/officeDocument/2006/relationships" xmlns:mc="http://schemas.openxmlformats.org/markup-compatibility/2006" xmlns:mv="urn:schemas-microsoft-com:mac:vml" xmlns:p="http://schemas.openxmlformats.org/presentationml/2006/main" xmlns:c="http://schemas.openxmlformats.org/drawingml/2006/chart" xmlns:dgm="http://schemas.openxmlformats.org/drawingml/2006/diagram" xmlns:o="urn:schemas-microsoft-com:office:office" xmlns:v="urn:schemas-microsoft-com:vml" xmlns:pvml="urn:schemas-microsoft-com:office:powerpoint" xmlns:com="http://schemas.openxmlformats.org/drawingml/2006/compatibility" xmlns:p14="http://schemas.microsoft.com/office/powerpoint/2010/main">
+<p:sld xmlns:a="http://schemas.openxmlformats.org/drawingml/2006/main" xmlns:r="http://schemas.openxmlformats.org/officeDocument/2006/relationships" xmlns:p="http://schemas.openxmlformats.org/presentationml/2006/main">
   <p:cSld>
     <p:spTree>
       <p:nvGrpSpPr>
-        <p:cNvPr id="77" name="Shape 77"/>
+        <p:cNvPr id="1" name="Shape 77"/>
         <p:cNvGrpSpPr/>
         <p:nvPr/>
       </p:nvGrpSpPr>
@@ -5895,7 +6361,9 @@
       <p:sp>
         <p:nvSpPr>
           <p:cNvPr id="78" name="Shape 78"/>
-          <p:cNvSpPr txBox="1"/>
+          <p:cNvSpPr txBox="1">
+            <a:spLocks noGrp="1"/>
+          </p:cNvSpPr>
           <p:nvPr>
             <p:ph type="title"/>
           </p:nvPr>
@@ -5910,7 +6378,7 @@
           </a:prstGeom>
         </p:spPr>
         <p:txBody>
-          <a:bodyPr anchorCtr="0" anchor="b" bIns="91425" lIns="91425" rIns="91425" tIns="91425">
+          <a:bodyPr lIns="91425" tIns="91425" rIns="91425" bIns="91425" anchor="b" anchorCtr="0">
             <a:noAutofit/>
           </a:bodyPr>
           <a:lstStyle/>
@@ -5931,9 +6399,11 @@
       <p:sp>
         <p:nvSpPr>
           <p:cNvPr id="79" name="Shape 79"/>
-          <p:cNvSpPr txBox="1"/>
+          <p:cNvSpPr txBox="1">
+            <a:spLocks noGrp="1"/>
+          </p:cNvSpPr>
           <p:nvPr>
-            <p:ph idx="1" type="body"/>
+            <p:ph type="body" idx="1"/>
           </p:nvPr>
         </p:nvSpPr>
         <p:spPr>
@@ -5946,12 +6416,12 @@
           </a:prstGeom>
         </p:spPr>
         <p:txBody>
-          <a:bodyPr anchorCtr="0" anchor="t" bIns="91425" lIns="91425" rIns="91425" tIns="91425">
+          <a:bodyPr lIns="91425" tIns="91425" rIns="91425" bIns="91425" anchor="t" anchorCtr="0">
             <a:noAutofit/>
           </a:bodyPr>
           <a:lstStyle/>
           <a:p>
-            <a:pPr indent="-228600" lvl="0" marL="457200" marR="0" rtl="0" algn="l">
+            <a:pPr marL="457200" marR="0" lvl="0" indent="-228600" algn="l" rtl="0">
               <a:lnSpc>
                 <a:spcPct val="100000"/>
               </a:lnSpc>
@@ -5998,7 +6468,7 @@
           </a:ln>
         </p:spPr>
         <p:txBody>
-          <a:bodyPr anchorCtr="0" anchor="ctr" bIns="91425" lIns="91425" rIns="91425" tIns="91425">
+          <a:bodyPr lIns="91425" tIns="91425" rIns="91425" bIns="91425" anchor="ctr" anchorCtr="0">
             <a:noAutofit/>
           </a:bodyPr>
           <a:lstStyle/>
@@ -6032,11 +6502,11 @@
 </file>
 
 <file path=ppt/slides/slide7.xml><?xml version="1.0" encoding="utf-8"?>
-<p:sld xmlns:a="http://schemas.openxmlformats.org/drawingml/2006/main" xmlns:r="http://schemas.openxmlformats.org/officeDocument/2006/relationships" xmlns:mc="http://schemas.openxmlformats.org/markup-compatibility/2006" xmlns:mv="urn:schemas-microsoft-com:mac:vml" xmlns:p="http://schemas.openxmlformats.org/presentationml/2006/main" xmlns:c="http://schemas.openxmlformats.org/drawingml/2006/chart" xmlns:dgm="http://schemas.openxmlformats.org/drawingml/2006/diagram" xmlns:o="urn:schemas-microsoft-com:office:office" xmlns:v="urn:schemas-microsoft-com:vml" xmlns:pvml="urn:schemas-microsoft-com:office:powerpoint" xmlns:com="http://schemas.openxmlformats.org/drawingml/2006/compatibility" xmlns:p14="http://schemas.microsoft.com/office/powerpoint/2010/main">
+<p:sld xmlns:a="http://schemas.openxmlformats.org/drawingml/2006/main" xmlns:r="http://schemas.openxmlformats.org/officeDocument/2006/relationships" xmlns:p="http://schemas.openxmlformats.org/presentationml/2006/main">
   <p:cSld>
     <p:spTree>
       <p:nvGrpSpPr>
-        <p:cNvPr id="84" name="Shape 84"/>
+        <p:cNvPr id="1" name="Shape 84"/>
         <p:cNvGrpSpPr/>
         <p:nvPr/>
       </p:nvGrpSpPr>
@@ -6051,7 +6521,9 @@
       <p:sp>
         <p:nvSpPr>
           <p:cNvPr id="85" name="Shape 85"/>
-          <p:cNvSpPr txBox="1"/>
+          <p:cNvSpPr txBox="1">
+            <a:spLocks noGrp="1"/>
+          </p:cNvSpPr>
           <p:nvPr>
             <p:ph type="title"/>
           </p:nvPr>
@@ -6066,7 +6538,7 @@
           </a:prstGeom>
         </p:spPr>
         <p:txBody>
-          <a:bodyPr anchorCtr="0" anchor="b" bIns="91425" lIns="91425" rIns="91425" tIns="91425">
+          <a:bodyPr lIns="91425" tIns="91425" rIns="91425" bIns="91425" anchor="b" anchorCtr="0">
             <a:noAutofit/>
           </a:bodyPr>
           <a:lstStyle/>
@@ -6087,9 +6559,11 @@
       <p:sp>
         <p:nvSpPr>
           <p:cNvPr id="86" name="Shape 86"/>
-          <p:cNvSpPr txBox="1"/>
+          <p:cNvSpPr txBox="1">
+            <a:spLocks noGrp="1"/>
+          </p:cNvSpPr>
           <p:nvPr>
-            <p:ph idx="1" type="body"/>
+            <p:ph type="body" idx="1"/>
           </p:nvPr>
         </p:nvSpPr>
         <p:spPr>
@@ -6102,12 +6576,12 @@
           </a:prstGeom>
         </p:spPr>
         <p:txBody>
-          <a:bodyPr anchorCtr="0" anchor="t" bIns="91425" lIns="91425" rIns="91425" tIns="91425">
+          <a:bodyPr lIns="91425" tIns="91425" rIns="91425" bIns="91425" anchor="t" anchorCtr="0">
             <a:noAutofit/>
           </a:bodyPr>
           <a:lstStyle/>
           <a:p>
-            <a:pPr indent="-228600" lvl="0" marL="457200" marR="0" rtl="0" algn="l">
+            <a:pPr marL="457200" marR="0" lvl="0" indent="-228600" algn="l" rtl="0">
               <a:lnSpc>
                 <a:spcPct val="100000"/>
               </a:lnSpc>
@@ -6154,7 +6628,7 @@
           </a:ln>
         </p:spPr>
         <p:txBody>
-          <a:bodyPr anchorCtr="0" anchor="ctr" bIns="91425" lIns="91425" rIns="91425" tIns="91425">
+          <a:bodyPr lIns="91425" tIns="91425" rIns="91425" bIns="91425" anchor="ctr" anchorCtr="0">
             <a:noAutofit/>
           </a:bodyPr>
           <a:lstStyle/>
@@ -6188,11 +6662,11 @@
 </file>
 
 <file path=ppt/slides/slide8.xml><?xml version="1.0" encoding="utf-8"?>
-<p:sld xmlns:a="http://schemas.openxmlformats.org/drawingml/2006/main" xmlns:r="http://schemas.openxmlformats.org/officeDocument/2006/relationships" xmlns:mc="http://schemas.openxmlformats.org/markup-compatibility/2006" xmlns:mv="urn:schemas-microsoft-com:mac:vml" xmlns:p="http://schemas.openxmlformats.org/presentationml/2006/main" xmlns:c="http://schemas.openxmlformats.org/drawingml/2006/chart" xmlns:dgm="http://schemas.openxmlformats.org/drawingml/2006/diagram" xmlns:o="urn:schemas-microsoft-com:office:office" xmlns:v="urn:schemas-microsoft-com:vml" xmlns:pvml="urn:schemas-microsoft-com:office:powerpoint" xmlns:com="http://schemas.openxmlformats.org/drawingml/2006/compatibility" xmlns:p14="http://schemas.microsoft.com/office/powerpoint/2010/main">
+<p:sld xmlns:a="http://schemas.openxmlformats.org/drawingml/2006/main" xmlns:r="http://schemas.openxmlformats.org/officeDocument/2006/relationships" xmlns:p="http://schemas.openxmlformats.org/presentationml/2006/main">
   <p:cSld>
     <p:spTree>
       <p:nvGrpSpPr>
-        <p:cNvPr id="91" name="Shape 91"/>
+        <p:cNvPr id="1" name="Shape 91"/>
         <p:cNvGrpSpPr/>
         <p:nvPr/>
       </p:nvGrpSpPr>
@@ -6207,7 +6681,9 @@
       <p:sp>
         <p:nvSpPr>
           <p:cNvPr id="92" name="Shape 92"/>
-          <p:cNvSpPr txBox="1"/>
+          <p:cNvSpPr txBox="1">
+            <a:spLocks noGrp="1"/>
+          </p:cNvSpPr>
           <p:nvPr>
             <p:ph type="title"/>
           </p:nvPr>
@@ -6222,7 +6698,7 @@
           </a:prstGeom>
         </p:spPr>
         <p:txBody>
-          <a:bodyPr anchorCtr="0" anchor="b" bIns="91425" lIns="91425" rIns="91425" tIns="91425">
+          <a:bodyPr lIns="91425" tIns="91425" rIns="91425" bIns="91425" anchor="b" anchorCtr="0">
             <a:noAutofit/>
           </a:bodyPr>
           <a:lstStyle/>
@@ -6243,9 +6719,11 @@
       <p:sp>
         <p:nvSpPr>
           <p:cNvPr id="93" name="Shape 93"/>
-          <p:cNvSpPr txBox="1"/>
+          <p:cNvSpPr txBox="1">
+            <a:spLocks noGrp="1"/>
+          </p:cNvSpPr>
           <p:nvPr>
-            <p:ph idx="1" type="body"/>
+            <p:ph type="body" idx="1"/>
           </p:nvPr>
         </p:nvSpPr>
         <p:spPr>
@@ -6258,12 +6736,12 @@
           </a:prstGeom>
         </p:spPr>
         <p:txBody>
-          <a:bodyPr anchorCtr="0" anchor="t" bIns="91425" lIns="91425" rIns="91425" tIns="91425">
+          <a:bodyPr lIns="91425" tIns="91425" rIns="91425" bIns="91425" anchor="t" anchorCtr="0">
             <a:noAutofit/>
           </a:bodyPr>
           <a:lstStyle/>
           <a:p>
-            <a:pPr indent="-228600" lvl="0" marL="457200" marR="0" rtl="0" algn="l">
+            <a:pPr marL="457200" marR="0" lvl="0" indent="-228600" algn="l" rtl="0">
               <a:lnSpc>
                 <a:spcPct val="100000"/>
               </a:lnSpc>
@@ -6310,7 +6788,7 @@
           </a:ln>
         </p:spPr>
         <p:txBody>
-          <a:bodyPr anchorCtr="0" anchor="ctr" bIns="91425" lIns="91425" rIns="91425" tIns="91425">
+          <a:bodyPr lIns="91425" tIns="91425" rIns="91425" bIns="91425" anchor="ctr" anchorCtr="0">
             <a:noAutofit/>
           </a:bodyPr>
           <a:lstStyle/>
@@ -6344,11 +6822,11 @@
 </file>
 
 <file path=ppt/slides/slide9.xml><?xml version="1.0" encoding="utf-8"?>
-<p:sld xmlns:a="http://schemas.openxmlformats.org/drawingml/2006/main" xmlns:r="http://schemas.openxmlformats.org/officeDocument/2006/relationships" xmlns:mc="http://schemas.openxmlformats.org/markup-compatibility/2006" xmlns:mv="urn:schemas-microsoft-com:mac:vml" xmlns:p="http://schemas.openxmlformats.org/presentationml/2006/main" xmlns:c="http://schemas.openxmlformats.org/drawingml/2006/chart" xmlns:dgm="http://schemas.openxmlformats.org/drawingml/2006/diagram" xmlns:o="urn:schemas-microsoft-com:office:office" xmlns:v="urn:schemas-microsoft-com:vml" xmlns:pvml="urn:schemas-microsoft-com:office:powerpoint" xmlns:com="http://schemas.openxmlformats.org/drawingml/2006/compatibility" xmlns:p14="http://schemas.microsoft.com/office/powerpoint/2010/main">
+<p:sld xmlns:a="http://schemas.openxmlformats.org/drawingml/2006/main" xmlns:r="http://schemas.openxmlformats.org/officeDocument/2006/relationships" xmlns:p="http://schemas.openxmlformats.org/presentationml/2006/main">
   <p:cSld>
     <p:spTree>
       <p:nvGrpSpPr>
-        <p:cNvPr id="98" name="Shape 98"/>
+        <p:cNvPr id="1" name="Shape 98"/>
         <p:cNvGrpSpPr/>
         <p:nvPr/>
       </p:nvGrpSpPr>
@@ -6363,7 +6841,9 @@
       <p:sp>
         <p:nvSpPr>
           <p:cNvPr id="99" name="Shape 99"/>
-          <p:cNvSpPr txBox="1"/>
+          <p:cNvSpPr txBox="1">
+            <a:spLocks noGrp="1"/>
+          </p:cNvSpPr>
           <p:nvPr>
             <p:ph type="title"/>
           </p:nvPr>
@@ -6378,7 +6858,7 @@
           </a:prstGeom>
         </p:spPr>
         <p:txBody>
-          <a:bodyPr anchorCtr="0" anchor="b" bIns="91425" lIns="91425" rIns="91425" tIns="91425">
+          <a:bodyPr lIns="91425" tIns="91425" rIns="91425" bIns="91425" anchor="b" anchorCtr="0">
             <a:noAutofit/>
           </a:bodyPr>
           <a:lstStyle/>
@@ -6399,9 +6879,11 @@
       <p:sp>
         <p:nvSpPr>
           <p:cNvPr id="100" name="Shape 100"/>
-          <p:cNvSpPr txBox="1"/>
+          <p:cNvSpPr txBox="1">
+            <a:spLocks noGrp="1"/>
+          </p:cNvSpPr>
           <p:nvPr>
-            <p:ph idx="1" type="body"/>
+            <p:ph type="body" idx="1"/>
           </p:nvPr>
         </p:nvSpPr>
         <p:spPr>
@@ -6414,12 +6896,12 @@
           </a:prstGeom>
         </p:spPr>
         <p:txBody>
-          <a:bodyPr anchorCtr="0" anchor="t" bIns="91425" lIns="91425" rIns="91425" tIns="91425">
+          <a:bodyPr lIns="91425" tIns="91425" rIns="91425" bIns="91425" anchor="t" anchorCtr="0">
             <a:noAutofit/>
           </a:bodyPr>
           <a:lstStyle/>
           <a:p>
-            <a:pPr indent="-228600" lvl="0" marL="457200" marR="0" rtl="0" algn="l">
+            <a:pPr marL="457200" marR="0" lvl="0" indent="-228600" algn="l" rtl="0">
               <a:lnSpc>
                 <a:spcPct val="100000"/>
               </a:lnSpc>
@@ -6466,7 +6948,7 @@
           </a:ln>
         </p:spPr>
         <p:txBody>
-          <a:bodyPr anchorCtr="0" anchor="ctr" bIns="91425" lIns="91425" rIns="91425" tIns="91425">
+          <a:bodyPr lIns="91425" tIns="91425" rIns="91425" bIns="91425" anchor="ctr" anchorCtr="0">
             <a:noAutofit/>
           </a:bodyPr>
           <a:lstStyle/>
@@ -6500,7 +6982,7 @@
 </file>
 
 <file path=ppt/theme/theme1.xml><?xml version="1.0" encoding="utf-8"?>
-<a:theme xmlns:a="http://schemas.openxmlformats.org/drawingml/2006/main" xmlns:r="http://schemas.openxmlformats.org/officeDocument/2006/relationships" name="light-gradient">
+<a:theme xmlns:a="http://schemas.openxmlformats.org/drawingml/2006/main" name="light-gradient">
   <a:themeElements>
     <a:clrScheme name="Custom 347">
       <a:dk1>
@@ -6775,11 +7257,13 @@
       </a:bgFillStyleLst>
     </a:fmtScheme>
   </a:themeElements>
+  <a:objectDefaults/>
+  <a:extraClrSchemeLst/>
 </a:theme>
 </file>
 
 <file path=ppt/theme/theme2.xml><?xml version="1.0" encoding="utf-8"?>
-<a:theme xmlns:a="http://schemas.openxmlformats.org/drawingml/2006/main" xmlns:r="http://schemas.openxmlformats.org/officeDocument/2006/relationships" name="Custom Theme">
+<a:theme xmlns:a="http://schemas.openxmlformats.org/drawingml/2006/main" name="Custom Theme">
   <a:themeElements>
     <a:clrScheme name="Default">
       <a:dk1>
@@ -7054,5 +7538,7 @@
       </a:bgFillStyleLst>
     </a:fmtScheme>
   </a:themeElements>
+  <a:objectDefaults/>
+  <a:extraClrSchemeLst/>
 </a:theme>
 </file>